--- a/note/Network.pptx
+++ b/note/Network.pptx
@@ -3412,11 +3412,7 @@
             <a:pPr algn="ctr"/>
             <a:r>
               <a:rPr lang="zh-CN" altLang="en-US" sz="1200" dirty="0" smtClean="0"/>
-              <a:t>暂定直接</a:t>
-            </a:r>
-            <a:r>
-              <a:rPr lang="en-US" altLang="zh-CN" sz="1200" dirty="0" err="1" smtClean="0"/>
-              <a:t>concat</a:t>
+              <a:t>暂定啥也没有</a:t>
             </a:r>
             <a:endParaRPr lang="zh-CN" altLang="en-US" sz="1200" dirty="0"/>
           </a:p>
@@ -3481,6 +3477,13 @@
               <a:rPr lang="en-US" altLang="zh-CN" sz="1200" dirty="0" smtClean="0"/>
               <a:t>MLP</a:t>
             </a:r>
+          </a:p>
+          <a:p>
+            <a:pPr algn="ctr"/>
+            <a:r>
+              <a:rPr lang="zh-CN" altLang="en-US" sz="1200" dirty="0" smtClean="0"/>
+              <a:t>暂定没有</a:t>
+            </a:r>
             <a:endParaRPr lang="zh-CN" altLang="en-US" sz="1200" dirty="0"/>
           </a:p>
         </p:txBody>
@@ -3744,6 +3747,13 @@
             <a:r>
               <a:rPr lang="en-US" altLang="zh-CN" sz="1200" dirty="0" smtClean="0"/>
               <a:t>++</a:t>
+            </a:r>
+          </a:p>
+          <a:p>
+            <a:pPr algn="ctr"/>
+            <a:r>
+              <a:rPr lang="zh-CN" altLang="en-US" sz="1200" smtClean="0"/>
+              <a:t>（暂时不做）</a:t>
             </a:r>
             <a:endParaRPr lang="zh-CN" altLang="en-US" sz="1200" dirty="0"/>
           </a:p>
@@ -4273,16 +4283,8 @@
           <a:p>
             <a:pPr algn="ctr"/>
             <a:r>
-              <a:rPr lang="zh-CN" altLang="en-US" sz="1200" dirty="0" smtClean="0"/>
-              <a:t>其他任务的网络</a:t>
-            </a:r>
-            <a:endParaRPr lang="en-US" altLang="zh-CN" sz="1200" dirty="0" smtClean="0"/>
-          </a:p>
-          <a:p>
-            <a:pPr algn="ctr"/>
-            <a:r>
-              <a:rPr lang="zh-CN" altLang="en-US" sz="1200" dirty="0" smtClean="0"/>
-              <a:t>暂定没有</a:t>
+              <a:rPr lang="en-US" altLang="zh-CN" sz="1200" dirty="0" smtClean="0"/>
+              <a:t>Triplet loss</a:t>
             </a:r>
             <a:endParaRPr lang="zh-CN" altLang="en-US" sz="1200" dirty="0"/>
           </a:p>
@@ -4328,12 +4330,28 @@
           <a:p>
             <a:pPr algn="ctr"/>
             <a:r>
+              <a:rPr lang="en-US" altLang="zh-CN" sz="1200" dirty="0" smtClean="0">
+                <a:solidFill>
+                  <a:schemeClr val="tx1"/>
+                </a:solidFill>
+              </a:rPr>
+              <a:t>Triplet loss</a:t>
+            </a:r>
+            <a:r>
               <a:rPr lang="zh-CN" altLang="en-US" sz="1200" dirty="0" smtClean="0">
                 <a:solidFill>
                   <a:schemeClr val="tx1"/>
                 </a:solidFill>
               </a:rPr>
-              <a:t>其他任务的输入</a:t>
+              <a:t>的</a:t>
+            </a:r>
+            <a:r>
+              <a:rPr lang="zh-CN" altLang="en-US" sz="1200" dirty="0" smtClean="0">
+                <a:solidFill>
+                  <a:schemeClr val="tx1"/>
+                </a:solidFill>
+              </a:rPr>
+              <a:t>输入</a:t>
             </a:r>
             <a:endParaRPr lang="zh-CN" altLang="en-US" sz="1200" dirty="0">
               <a:solidFill>

--- a/note/Network.pptx
+++ b/note/Network.pptx
@@ -243,7 +243,7 @@
           <a:p>
             <a:fld id="{41E7E009-EED8-4825-AE50-6EFD9C3C2188}" type="datetimeFigureOut">
               <a:rPr lang="zh-CN" altLang="en-US" smtClean="0"/>
-              <a:t>2020/8/16</a:t>
+              <a:t>2020/8/17</a:t>
             </a:fld>
             <a:endParaRPr lang="zh-CN" altLang="en-US"/>
           </a:p>
@@ -413,7 +413,7 @@
           <a:p>
             <a:fld id="{41E7E009-EED8-4825-AE50-6EFD9C3C2188}" type="datetimeFigureOut">
               <a:rPr lang="zh-CN" altLang="en-US" smtClean="0"/>
-              <a:t>2020/8/16</a:t>
+              <a:t>2020/8/17</a:t>
             </a:fld>
             <a:endParaRPr lang="zh-CN" altLang="en-US"/>
           </a:p>
@@ -593,7 +593,7 @@
           <a:p>
             <a:fld id="{41E7E009-EED8-4825-AE50-6EFD9C3C2188}" type="datetimeFigureOut">
               <a:rPr lang="zh-CN" altLang="en-US" smtClean="0"/>
-              <a:t>2020/8/16</a:t>
+              <a:t>2020/8/17</a:t>
             </a:fld>
             <a:endParaRPr lang="zh-CN" altLang="en-US"/>
           </a:p>
@@ -763,7 +763,7 @@
           <a:p>
             <a:fld id="{41E7E009-EED8-4825-AE50-6EFD9C3C2188}" type="datetimeFigureOut">
               <a:rPr lang="zh-CN" altLang="en-US" smtClean="0"/>
-              <a:t>2020/8/16</a:t>
+              <a:t>2020/8/17</a:t>
             </a:fld>
             <a:endParaRPr lang="zh-CN" altLang="en-US"/>
           </a:p>
@@ -1009,7 +1009,7 @@
           <a:p>
             <a:fld id="{41E7E009-EED8-4825-AE50-6EFD9C3C2188}" type="datetimeFigureOut">
               <a:rPr lang="zh-CN" altLang="en-US" smtClean="0"/>
-              <a:t>2020/8/16</a:t>
+              <a:t>2020/8/17</a:t>
             </a:fld>
             <a:endParaRPr lang="zh-CN" altLang="en-US"/>
           </a:p>
@@ -1241,7 +1241,7 @@
           <a:p>
             <a:fld id="{41E7E009-EED8-4825-AE50-6EFD9C3C2188}" type="datetimeFigureOut">
               <a:rPr lang="zh-CN" altLang="en-US" smtClean="0"/>
-              <a:t>2020/8/16</a:t>
+              <a:t>2020/8/17</a:t>
             </a:fld>
             <a:endParaRPr lang="zh-CN" altLang="en-US"/>
           </a:p>
@@ -1608,7 +1608,7 @@
           <a:p>
             <a:fld id="{41E7E009-EED8-4825-AE50-6EFD9C3C2188}" type="datetimeFigureOut">
               <a:rPr lang="zh-CN" altLang="en-US" smtClean="0"/>
-              <a:t>2020/8/16</a:t>
+              <a:t>2020/8/17</a:t>
             </a:fld>
             <a:endParaRPr lang="zh-CN" altLang="en-US"/>
           </a:p>
@@ -1726,7 +1726,7 @@
           <a:p>
             <a:fld id="{41E7E009-EED8-4825-AE50-6EFD9C3C2188}" type="datetimeFigureOut">
               <a:rPr lang="zh-CN" altLang="en-US" smtClean="0"/>
-              <a:t>2020/8/16</a:t>
+              <a:t>2020/8/17</a:t>
             </a:fld>
             <a:endParaRPr lang="zh-CN" altLang="en-US"/>
           </a:p>
@@ -1821,7 +1821,7 @@
           <a:p>
             <a:fld id="{41E7E009-EED8-4825-AE50-6EFD9C3C2188}" type="datetimeFigureOut">
               <a:rPr lang="zh-CN" altLang="en-US" smtClean="0"/>
-              <a:t>2020/8/16</a:t>
+              <a:t>2020/8/17</a:t>
             </a:fld>
             <a:endParaRPr lang="zh-CN" altLang="en-US"/>
           </a:p>
@@ -2098,7 +2098,7 @@
           <a:p>
             <a:fld id="{41E7E009-EED8-4825-AE50-6EFD9C3C2188}" type="datetimeFigureOut">
               <a:rPr lang="zh-CN" altLang="en-US" smtClean="0"/>
-              <a:t>2020/8/16</a:t>
+              <a:t>2020/8/17</a:t>
             </a:fld>
             <a:endParaRPr lang="zh-CN" altLang="en-US"/>
           </a:p>
@@ -2351,7 +2351,7 @@
           <a:p>
             <a:fld id="{41E7E009-EED8-4825-AE50-6EFD9C3C2188}" type="datetimeFigureOut">
               <a:rPr lang="zh-CN" altLang="en-US" smtClean="0"/>
-              <a:t>2020/8/16</a:t>
+              <a:t>2020/8/17</a:t>
             </a:fld>
             <a:endParaRPr lang="zh-CN" altLang="en-US"/>
           </a:p>
@@ -2564,7 +2564,7 @@
           <a:p>
             <a:fld id="{41E7E009-EED8-4825-AE50-6EFD9C3C2188}" type="datetimeFigureOut">
               <a:rPr lang="zh-CN" altLang="en-US" smtClean="0"/>
-              <a:t>2020/8/16</a:t>
+              <a:t>2020/8/17</a:t>
             </a:fld>
             <a:endParaRPr lang="zh-CN" altLang="en-US"/>
           </a:p>
@@ -3567,7 +3567,7 @@
         </p:nvSpPr>
         <p:spPr>
           <a:xfrm>
-            <a:off x="8182356" y="3051048"/>
+            <a:off x="8182356" y="4322287"/>
             <a:ext cx="1472184" cy="624840"/>
           </a:xfrm>
           <a:prstGeom prst="roundRect">
@@ -3596,12 +3596,8 @@
           <a:p>
             <a:pPr algn="ctr"/>
             <a:r>
-              <a:rPr lang="zh-CN" altLang="en-US" sz="1200" dirty="0" smtClean="0"/>
-              <a:t>生成网络</a:t>
-            </a:r>
-            <a:r>
               <a:rPr lang="en-US" altLang="zh-CN" sz="1200" dirty="0" smtClean="0"/>
-              <a:t>G</a:t>
+              <a:t>Decoder </a:t>
             </a:r>
           </a:p>
           <a:p>
@@ -3620,21 +3616,18 @@
       </p:sp>
       <p:sp>
         <p:nvSpPr>
-          <p:cNvPr id="21" name="圆角矩形 20"/>
+          <p:cNvPr id="22" name="圆角矩形 21"/>
           <p:cNvSpPr/>
           <p:nvPr/>
         </p:nvSpPr>
         <p:spPr>
           <a:xfrm>
-            <a:off x="8357616" y="5526024"/>
-            <a:ext cx="1121664" cy="640080"/>
+            <a:off x="8182356" y="2642616"/>
+            <a:ext cx="2557272" cy="1005840"/>
           </a:xfrm>
           <a:prstGeom prst="roundRect">
             <a:avLst/>
           </a:prstGeom>
-          <a:solidFill>
-            <a:schemeClr val="bg1"/>
-          </a:solidFill>
         </p:spPr>
         <p:style>
           <a:lnRef idx="2">
@@ -3658,74 +3651,6 @@
           <a:p>
             <a:pPr algn="ctr"/>
             <a:r>
-              <a:rPr lang="en-US" altLang="zh-CN" sz="1200" dirty="0" err="1" smtClean="0">
-                <a:solidFill>
-                  <a:schemeClr val="tx1"/>
-                </a:solidFill>
-              </a:rPr>
-              <a:t>ShapeNet</a:t>
-            </a:r>
-            <a:endParaRPr lang="en-US" altLang="zh-CN" sz="1200" dirty="0" smtClean="0">
-              <a:solidFill>
-                <a:schemeClr val="tx1"/>
-              </a:solidFill>
-            </a:endParaRPr>
-          </a:p>
-          <a:p>
-            <a:pPr algn="ctr"/>
-            <a:r>
-              <a:rPr lang="zh-CN" altLang="en-US" sz="1200" dirty="0" smtClean="0">
-                <a:solidFill>
-                  <a:schemeClr val="tx1"/>
-                </a:solidFill>
-              </a:rPr>
-              <a:t>完整椅子</a:t>
-            </a:r>
-            <a:endParaRPr lang="zh-CN" altLang="en-US" sz="1200" dirty="0">
-              <a:solidFill>
-                <a:schemeClr val="tx1"/>
-              </a:solidFill>
-            </a:endParaRPr>
-          </a:p>
-        </p:txBody>
-      </p:sp>
-      <p:sp>
-        <p:nvSpPr>
-          <p:cNvPr id="22" name="圆角矩形 21"/>
-          <p:cNvSpPr/>
-          <p:nvPr/>
-        </p:nvSpPr>
-        <p:spPr>
-          <a:xfrm>
-            <a:off x="8182356" y="4407408"/>
-            <a:ext cx="1472184" cy="621792"/>
-          </a:xfrm>
-          <a:prstGeom prst="roundRect">
-            <a:avLst/>
-          </a:prstGeom>
-        </p:spPr>
-        <p:style>
-          <a:lnRef idx="2">
-            <a:schemeClr val="accent1">
-              <a:shade val="50000"/>
-            </a:schemeClr>
-          </a:lnRef>
-          <a:fillRef idx="1">
-            <a:schemeClr val="accent1"/>
-          </a:fillRef>
-          <a:effectRef idx="0">
-            <a:schemeClr val="accent1"/>
-          </a:effectRef>
-          <a:fontRef idx="minor">
-            <a:schemeClr val="lt1"/>
-          </a:fontRef>
-        </p:style>
-        <p:txBody>
-          <a:bodyPr rtlCol="0" anchor="ctr"/>
-          <a:lstStyle/>
-          <a:p>
-            <a:pPr algn="ctr"/>
-            <a:r>
               <a:rPr lang="zh-CN" altLang="en-US" sz="1200" dirty="0"/>
               <a:t>辨别</a:t>
             </a:r>
@@ -3741,21 +3666,42 @@
           <a:p>
             <a:pPr algn="ctr"/>
             <a:r>
+              <a:rPr lang="en-US" altLang="zh-CN" sz="1200" smtClean="0"/>
+              <a:t>MLP</a:t>
+            </a:r>
+            <a:endParaRPr lang="en-US" altLang="zh-CN" sz="1200" dirty="0"/>
+          </a:p>
+          <a:p>
+            <a:pPr algn="ctr"/>
+            <a:r>
+              <a:rPr lang="zh-CN" altLang="en-US" sz="1200" dirty="0" smtClean="0"/>
+              <a:t>辨别特征是</a:t>
+            </a:r>
+            <a:r>
               <a:rPr lang="en-US" altLang="zh-CN" sz="1200" dirty="0" err="1" smtClean="0"/>
-              <a:t>PointNet</a:t>
-            </a:r>
-            <a:r>
-              <a:rPr lang="en-US" altLang="zh-CN" sz="1200" dirty="0" smtClean="0"/>
-              <a:t>++</a:t>
-            </a:r>
+              <a:t>shapenet</a:t>
+            </a:r>
+            <a:r>
+              <a:rPr lang="zh-CN" altLang="en-US" sz="1200" dirty="0" smtClean="0"/>
+              <a:t>的</a:t>
+            </a:r>
+            <a:endParaRPr lang="en-US" altLang="zh-CN" sz="1200" dirty="0" smtClean="0"/>
           </a:p>
           <a:p>
             <a:pPr algn="ctr"/>
             <a:r>
-              <a:rPr lang="zh-CN" altLang="en-US" sz="1200" smtClean="0"/>
-              <a:t>（暂时不做）</a:t>
-            </a:r>
-            <a:endParaRPr lang="zh-CN" altLang="en-US" sz="1200" dirty="0"/>
+              <a:rPr lang="zh-CN" altLang="en-US" sz="1200" dirty="0" smtClean="0"/>
+              <a:t>还是</a:t>
+            </a:r>
+            <a:r>
+              <a:rPr lang="en-US" altLang="zh-CN" sz="1200" dirty="0" err="1" smtClean="0"/>
+              <a:t>scannet</a:t>
+            </a:r>
+            <a:r>
+              <a:rPr lang="zh-CN" altLang="en-US" sz="1200" dirty="0" smtClean="0"/>
+              <a:t>的</a:t>
+            </a:r>
+            <a:endParaRPr lang="en-US" altLang="zh-CN" sz="1200" dirty="0" smtClean="0"/>
           </a:p>
         </p:txBody>
       </p:sp>
@@ -3767,7 +3713,7 @@
         </p:nvSpPr>
         <p:spPr>
           <a:xfrm>
-            <a:off x="10140696" y="3051048"/>
+            <a:off x="10140696" y="4322287"/>
             <a:ext cx="1335024" cy="624840"/>
           </a:xfrm>
           <a:prstGeom prst="roundRect">
@@ -4078,7 +4024,7 @@
         <p:spPr>
           <a:xfrm>
             <a:off x="7543800" y="2255520"/>
-            <a:ext cx="638556" cy="1107948"/>
+            <a:ext cx="638556" cy="2379187"/>
           </a:xfrm>
           <a:prstGeom prst="bentConnector3">
             <a:avLst/>
@@ -4149,80 +4095,8 @@
         </p:nvCxnSpPr>
         <p:spPr>
           <a:xfrm>
-            <a:off x="9654540" y="3363468"/>
+            <a:off x="9654540" y="4634707"/>
             <a:ext cx="486156" cy="0"/>
-          </a:xfrm>
-          <a:prstGeom prst="straightConnector1">
-            <a:avLst/>
-          </a:prstGeom>
-          <a:ln>
-            <a:tailEnd type="triangle"/>
-          </a:ln>
-        </p:spPr>
-        <p:style>
-          <a:lnRef idx="1">
-            <a:schemeClr val="accent1"/>
-          </a:lnRef>
-          <a:fillRef idx="0">
-            <a:schemeClr val="accent1"/>
-          </a:fillRef>
-          <a:effectRef idx="0">
-            <a:schemeClr val="accent1"/>
-          </a:effectRef>
-          <a:fontRef idx="minor">
-            <a:schemeClr val="tx1"/>
-          </a:fontRef>
-        </p:style>
-      </p:cxnSp>
-      <p:cxnSp>
-        <p:nvCxnSpPr>
-          <p:cNvPr id="47" name="直接箭头连接符 46"/>
-          <p:cNvCxnSpPr>
-            <a:stCxn id="20" idx="2"/>
-            <a:endCxn id="22" idx="0"/>
-          </p:cNvCxnSpPr>
-          <p:nvPr/>
-        </p:nvCxnSpPr>
-        <p:spPr>
-          <a:xfrm>
-            <a:off x="8918448" y="3675888"/>
-            <a:ext cx="0" cy="731520"/>
-          </a:xfrm>
-          <a:prstGeom prst="straightConnector1">
-            <a:avLst/>
-          </a:prstGeom>
-          <a:ln>
-            <a:tailEnd type="triangle"/>
-          </a:ln>
-        </p:spPr>
-        <p:style>
-          <a:lnRef idx="1">
-            <a:schemeClr val="accent1"/>
-          </a:lnRef>
-          <a:fillRef idx="0">
-            <a:schemeClr val="accent1"/>
-          </a:fillRef>
-          <a:effectRef idx="0">
-            <a:schemeClr val="accent1"/>
-          </a:effectRef>
-          <a:fontRef idx="minor">
-            <a:schemeClr val="tx1"/>
-          </a:fontRef>
-        </p:style>
-      </p:cxnSp>
-      <p:cxnSp>
-        <p:nvCxnSpPr>
-          <p:cNvPr id="49" name="直接箭头连接符 48"/>
-          <p:cNvCxnSpPr>
-            <a:stCxn id="21" idx="0"/>
-            <a:endCxn id="22" idx="2"/>
-          </p:cNvCxnSpPr>
-          <p:nvPr/>
-        </p:nvCxnSpPr>
-        <p:spPr>
-          <a:xfrm flipV="1">
-            <a:off x="8918448" y="5029200"/>
-            <a:ext cx="0" cy="496824"/>
           </a:xfrm>
           <a:prstGeom prst="straightConnector1">
             <a:avLst/>
@@ -4343,15 +4217,7 @@
                   <a:schemeClr val="tx1"/>
                 </a:solidFill>
               </a:rPr>
-              <a:t>的</a:t>
-            </a:r>
-            <a:r>
-              <a:rPr lang="zh-CN" altLang="en-US" sz="1200" dirty="0" smtClean="0">
-                <a:solidFill>
-                  <a:schemeClr val="tx1"/>
-                </a:solidFill>
-              </a:rPr>
-              <a:t>输入</a:t>
+              <a:t>的输入</a:t>
             </a:r>
             <a:endParaRPr lang="zh-CN" altLang="en-US" sz="1200" dirty="0">
               <a:solidFill>
@@ -4412,6 +4278,42 @@
             <a:ext cx="3195828" cy="755904"/>
           </a:xfrm>
           <a:prstGeom prst="bentConnector2">
+            <a:avLst/>
+          </a:prstGeom>
+          <a:ln>
+            <a:tailEnd type="triangle"/>
+          </a:ln>
+        </p:spPr>
+        <p:style>
+          <a:lnRef idx="1">
+            <a:schemeClr val="accent1"/>
+          </a:lnRef>
+          <a:fillRef idx="0">
+            <a:schemeClr val="accent1"/>
+          </a:fillRef>
+          <a:effectRef idx="0">
+            <a:schemeClr val="accent1"/>
+          </a:effectRef>
+          <a:fontRef idx="minor">
+            <a:schemeClr val="tx1"/>
+          </a:fontRef>
+        </p:style>
+      </p:cxnSp>
+      <p:cxnSp>
+        <p:nvCxnSpPr>
+          <p:cNvPr id="3" name="肘形连接符 2"/>
+          <p:cNvCxnSpPr>
+            <a:stCxn id="15" idx="3"/>
+            <a:endCxn id="22" idx="1"/>
+          </p:cNvCxnSpPr>
+          <p:nvPr/>
+        </p:nvCxnSpPr>
+        <p:spPr>
+          <a:xfrm>
+            <a:off x="7543800" y="2255520"/>
+            <a:ext cx="638556" cy="890016"/>
+          </a:xfrm>
+          <a:prstGeom prst="bentConnector3">
             <a:avLst/>
           </a:prstGeom>
           <a:ln>

--- a/note/Network.pptx
+++ b/note/Network.pptx
@@ -243,7 +243,7 @@
           <a:p>
             <a:fld id="{41E7E009-EED8-4825-AE50-6EFD9C3C2188}" type="datetimeFigureOut">
               <a:rPr lang="zh-CN" altLang="en-US" smtClean="0"/>
-              <a:t>2020/8/17</a:t>
+              <a:t>2020/8/20</a:t>
             </a:fld>
             <a:endParaRPr lang="zh-CN" altLang="en-US"/>
           </a:p>
@@ -413,7 +413,7 @@
           <a:p>
             <a:fld id="{41E7E009-EED8-4825-AE50-6EFD9C3C2188}" type="datetimeFigureOut">
               <a:rPr lang="zh-CN" altLang="en-US" smtClean="0"/>
-              <a:t>2020/8/17</a:t>
+              <a:t>2020/8/20</a:t>
             </a:fld>
             <a:endParaRPr lang="zh-CN" altLang="en-US"/>
           </a:p>
@@ -593,7 +593,7 @@
           <a:p>
             <a:fld id="{41E7E009-EED8-4825-AE50-6EFD9C3C2188}" type="datetimeFigureOut">
               <a:rPr lang="zh-CN" altLang="en-US" smtClean="0"/>
-              <a:t>2020/8/17</a:t>
+              <a:t>2020/8/20</a:t>
             </a:fld>
             <a:endParaRPr lang="zh-CN" altLang="en-US"/>
           </a:p>
@@ -763,7 +763,7 @@
           <a:p>
             <a:fld id="{41E7E009-EED8-4825-AE50-6EFD9C3C2188}" type="datetimeFigureOut">
               <a:rPr lang="zh-CN" altLang="en-US" smtClean="0"/>
-              <a:t>2020/8/17</a:t>
+              <a:t>2020/8/20</a:t>
             </a:fld>
             <a:endParaRPr lang="zh-CN" altLang="en-US"/>
           </a:p>
@@ -1009,7 +1009,7 @@
           <a:p>
             <a:fld id="{41E7E009-EED8-4825-AE50-6EFD9C3C2188}" type="datetimeFigureOut">
               <a:rPr lang="zh-CN" altLang="en-US" smtClean="0"/>
-              <a:t>2020/8/17</a:t>
+              <a:t>2020/8/20</a:t>
             </a:fld>
             <a:endParaRPr lang="zh-CN" altLang="en-US"/>
           </a:p>
@@ -1241,7 +1241,7 @@
           <a:p>
             <a:fld id="{41E7E009-EED8-4825-AE50-6EFD9C3C2188}" type="datetimeFigureOut">
               <a:rPr lang="zh-CN" altLang="en-US" smtClean="0"/>
-              <a:t>2020/8/17</a:t>
+              <a:t>2020/8/20</a:t>
             </a:fld>
             <a:endParaRPr lang="zh-CN" altLang="en-US"/>
           </a:p>
@@ -1608,7 +1608,7 @@
           <a:p>
             <a:fld id="{41E7E009-EED8-4825-AE50-6EFD9C3C2188}" type="datetimeFigureOut">
               <a:rPr lang="zh-CN" altLang="en-US" smtClean="0"/>
-              <a:t>2020/8/17</a:t>
+              <a:t>2020/8/20</a:t>
             </a:fld>
             <a:endParaRPr lang="zh-CN" altLang="en-US"/>
           </a:p>
@@ -1726,7 +1726,7 @@
           <a:p>
             <a:fld id="{41E7E009-EED8-4825-AE50-6EFD9C3C2188}" type="datetimeFigureOut">
               <a:rPr lang="zh-CN" altLang="en-US" smtClean="0"/>
-              <a:t>2020/8/17</a:t>
+              <a:t>2020/8/20</a:t>
             </a:fld>
             <a:endParaRPr lang="zh-CN" altLang="en-US"/>
           </a:p>
@@ -1821,7 +1821,7 @@
           <a:p>
             <a:fld id="{41E7E009-EED8-4825-AE50-6EFD9C3C2188}" type="datetimeFigureOut">
               <a:rPr lang="zh-CN" altLang="en-US" smtClean="0"/>
-              <a:t>2020/8/17</a:t>
+              <a:t>2020/8/20</a:t>
             </a:fld>
             <a:endParaRPr lang="zh-CN" altLang="en-US"/>
           </a:p>
@@ -2098,7 +2098,7 @@
           <a:p>
             <a:fld id="{41E7E009-EED8-4825-AE50-6EFD9C3C2188}" type="datetimeFigureOut">
               <a:rPr lang="zh-CN" altLang="en-US" smtClean="0"/>
-              <a:t>2020/8/17</a:t>
+              <a:t>2020/8/20</a:t>
             </a:fld>
             <a:endParaRPr lang="zh-CN" altLang="en-US"/>
           </a:p>
@@ -2351,7 +2351,7 @@
           <a:p>
             <a:fld id="{41E7E009-EED8-4825-AE50-6EFD9C3C2188}" type="datetimeFigureOut">
               <a:rPr lang="zh-CN" altLang="en-US" smtClean="0"/>
-              <a:t>2020/8/17</a:t>
+              <a:t>2020/8/20</a:t>
             </a:fld>
             <a:endParaRPr lang="zh-CN" altLang="en-US"/>
           </a:p>
@@ -2564,7 +2564,7 @@
           <a:p>
             <a:fld id="{41E7E009-EED8-4825-AE50-6EFD9C3C2188}" type="datetimeFigureOut">
               <a:rPr lang="zh-CN" altLang="en-US" smtClean="0"/>
-              <a:t>2020/8/17</a:t>
+              <a:t>2020/8/20</a:t>
             </a:fld>
             <a:endParaRPr lang="zh-CN" altLang="en-US"/>
           </a:p>
@@ -3009,22 +3009,6 @@
           <a:p>
             <a:pPr algn="ctr"/>
             <a:r>
-              <a:rPr lang="zh-CN" altLang="en-US" sz="1200" dirty="0" smtClean="0">
-                <a:solidFill>
-                  <a:schemeClr val="tx1"/>
-                </a:solidFill>
-              </a:rPr>
-              <a:t>有标数据</a:t>
-            </a:r>
-            <a:endParaRPr lang="en-US" altLang="zh-CN" sz="1200" dirty="0" smtClean="0">
-              <a:solidFill>
-                <a:schemeClr val="tx1"/>
-              </a:solidFill>
-            </a:endParaRPr>
-          </a:p>
-          <a:p>
-            <a:pPr algn="ctr"/>
-            <a:r>
               <a:rPr lang="en-US" altLang="zh-CN" sz="1200" dirty="0" err="1" smtClean="0">
                 <a:solidFill>
                   <a:schemeClr val="tx1"/>
@@ -3064,7 +3048,7 @@
         </p:nvSpPr>
         <p:spPr>
           <a:xfrm>
-            <a:off x="0" y="3002280"/>
+            <a:off x="0" y="2481072"/>
             <a:ext cx="1636776" cy="591312"/>
           </a:xfrm>
           <a:prstGeom prst="roundRect">
@@ -3096,12 +3080,12 @@
           <a:p>
             <a:pPr algn="ctr"/>
             <a:r>
-              <a:rPr lang="zh-CN" altLang="en-US" sz="1200" dirty="0">
+              <a:rPr lang="en-US" altLang="zh-CN" sz="1200" dirty="0" err="1" smtClean="0">
                 <a:solidFill>
                   <a:schemeClr val="tx1"/>
                 </a:solidFill>
               </a:rPr>
-              <a:t>无</a:t>
+              <a:t>Shapenet</a:t>
             </a:r>
             <a:r>
               <a:rPr lang="zh-CN" altLang="en-US" sz="1200" dirty="0" smtClean="0">
@@ -3109,31 +3093,7 @@
                   <a:schemeClr val="tx1"/>
                 </a:solidFill>
               </a:rPr>
-              <a:t>标数据</a:t>
-            </a:r>
-            <a:endParaRPr lang="en-US" altLang="zh-CN" sz="1200" dirty="0" smtClean="0">
-              <a:solidFill>
-                <a:schemeClr val="tx1"/>
-              </a:solidFill>
-            </a:endParaRPr>
-          </a:p>
-          <a:p>
-            <a:pPr algn="ctr"/>
-            <a:r>
-              <a:rPr lang="en-US" altLang="zh-CN" sz="1200" dirty="0" err="1" smtClean="0">
-                <a:solidFill>
-                  <a:schemeClr val="tx1"/>
-                </a:solidFill>
-              </a:rPr>
-              <a:t>ScanNet</a:t>
-            </a:r>
-            <a:r>
-              <a:rPr lang="zh-CN" altLang="en-US" sz="1200" dirty="0" smtClean="0">
-                <a:solidFill>
-                  <a:schemeClr val="tx1"/>
-                </a:solidFill>
-              </a:rPr>
-              <a:t>不完整椅子</a:t>
+              <a:t>完整椅子（一一对应，正例）</a:t>
             </a:r>
             <a:endParaRPr lang="zh-CN" altLang="en-US" sz="1200" dirty="0">
               <a:solidFill>
@@ -3482,7 +3442,7 @@
             <a:pPr algn="ctr"/>
             <a:r>
               <a:rPr lang="zh-CN" altLang="en-US" sz="1200" dirty="0" smtClean="0"/>
-              <a:t>暂定没有</a:t>
+              <a:t>暂时不加</a:t>
             </a:r>
             <a:endParaRPr lang="zh-CN" altLang="en-US" sz="1200" dirty="0"/>
           </a:p>
@@ -3544,12 +3504,12 @@
           <a:p>
             <a:pPr algn="ctr"/>
             <a:r>
-              <a:rPr lang="zh-CN" altLang="en-US" sz="1200" dirty="0" smtClean="0">
+              <a:rPr lang="en-US" altLang="zh-CN" sz="1200" dirty="0" smtClean="0">
                 <a:solidFill>
                   <a:schemeClr val="tx1"/>
                 </a:solidFill>
               </a:rPr>
-              <a:t>一个点云一个标签</a:t>
+              <a:t>Class label 8+14</a:t>
             </a:r>
             <a:endParaRPr lang="zh-CN" altLang="en-US" sz="1200" dirty="0">
               <a:solidFill>
@@ -3567,8 +3527,8 @@
         </p:nvSpPr>
         <p:spPr>
           <a:xfrm>
-            <a:off x="8182356" y="4322287"/>
-            <a:ext cx="1472184" cy="624840"/>
+            <a:off x="8182356" y="4322286"/>
+            <a:ext cx="1472184" cy="1353685"/>
           </a:xfrm>
           <a:prstGeom prst="roundRect">
             <a:avLst/>
@@ -3608,7 +3568,49 @@
             </a:r>
             <a:r>
               <a:rPr lang="en-US" altLang="zh-CN" sz="1200" dirty="0" smtClean="0"/>
-              <a:t>PCN decoder</a:t>
+              <a:t>PCN </a:t>
+            </a:r>
+            <a:r>
+              <a:rPr lang="en-US" altLang="zh-CN" sz="1200" dirty="0" smtClean="0"/>
+              <a:t>decoder</a:t>
+            </a:r>
+          </a:p>
+          <a:p>
+            <a:pPr algn="ctr"/>
+            <a:r>
+              <a:rPr lang="zh-CN" altLang="en-US" sz="1200" dirty="0" smtClean="0"/>
+              <a:t>多种重建</a:t>
+            </a:r>
+            <a:r>
+              <a:rPr lang="en-US" altLang="zh-CN" sz="1200" dirty="0" smtClean="0"/>
+              <a:t>loss</a:t>
+            </a:r>
+          </a:p>
+          <a:p>
+            <a:pPr algn="ctr"/>
+            <a:r>
+              <a:rPr lang="en-US" altLang="zh-CN" sz="1200" dirty="0" err="1" smtClean="0"/>
+              <a:t>Shapenet</a:t>
+            </a:r>
+            <a:r>
+              <a:rPr lang="zh-CN" altLang="en-US" sz="1200" dirty="0" smtClean="0"/>
+              <a:t>重建，</a:t>
+            </a:r>
+            <a:r>
+              <a:rPr lang="en-US" altLang="zh-CN" sz="1200" dirty="0" err="1" smtClean="0"/>
+              <a:t>scannet</a:t>
+            </a:r>
+            <a:r>
+              <a:rPr lang="zh-CN" altLang="en-US" sz="1200" dirty="0" smtClean="0"/>
+              <a:t>重建自身</a:t>
+            </a:r>
+            <a:endParaRPr lang="en-US" altLang="zh-CN" sz="1200" dirty="0" smtClean="0"/>
+          </a:p>
+          <a:p>
+            <a:pPr algn="ctr"/>
+            <a:r>
+              <a:rPr lang="zh-CN" altLang="en-US" sz="1200" dirty="0" smtClean="0"/>
+              <a:t>暂时只有不完整重建完整</a:t>
             </a:r>
             <a:endParaRPr lang="zh-CN" altLang="en-US" sz="1200" dirty="0"/>
           </a:p>
@@ -3622,7 +3624,7 @@
         </p:nvSpPr>
         <p:spPr>
           <a:xfrm>
-            <a:off x="8182356" y="2642616"/>
+            <a:off x="8182356" y="2627599"/>
             <a:ext cx="2557272" cy="1005840"/>
           </a:xfrm>
           <a:prstGeom prst="roundRect">
@@ -3666,7 +3668,7 @@
           <a:p>
             <a:pPr algn="ctr"/>
             <a:r>
-              <a:rPr lang="en-US" altLang="zh-CN" sz="1200" smtClean="0"/>
+              <a:rPr lang="en-US" altLang="zh-CN" sz="1200" dirty="0" smtClean="0"/>
               <a:t>MLP</a:t>
             </a:r>
             <a:endParaRPr lang="en-US" altLang="zh-CN" sz="1200" dirty="0"/>
@@ -3700,6 +3702,18 @@
             <a:r>
               <a:rPr lang="zh-CN" altLang="en-US" sz="1200" dirty="0" smtClean="0"/>
               <a:t>的</a:t>
+            </a:r>
+            <a:endParaRPr lang="en-US" altLang="zh-CN" sz="1200" dirty="0" smtClean="0"/>
+          </a:p>
+          <a:p>
+            <a:pPr algn="ctr"/>
+            <a:r>
+              <a:rPr lang="zh-CN" altLang="en-US" sz="1200" dirty="0" smtClean="0"/>
+              <a:t>暂时不</a:t>
+            </a:r>
+            <a:r>
+              <a:rPr lang="zh-CN" altLang="en-US" sz="1200" dirty="0"/>
+              <a:t>加</a:t>
             </a:r>
             <a:endParaRPr lang="en-US" altLang="zh-CN" sz="1200" dirty="0" smtClean="0"/>
           </a:p>
@@ -3713,7 +3727,7 @@
         </p:nvSpPr>
         <p:spPr>
           <a:xfrm>
-            <a:off x="10140696" y="4322287"/>
+            <a:off x="10293096" y="4686708"/>
             <a:ext cx="1335024" cy="624840"/>
           </a:xfrm>
           <a:prstGeom prst="roundRect">
@@ -3807,8 +3821,8 @@
         </p:nvCxnSpPr>
         <p:spPr>
           <a:xfrm>
-            <a:off x="1636776" y="3297936"/>
-            <a:ext cx="560832" cy="0"/>
+            <a:off x="1636776" y="2776728"/>
+            <a:ext cx="560832" cy="521208"/>
           </a:xfrm>
           <a:prstGeom prst="straightConnector1">
             <a:avLst/>
@@ -4024,7 +4038,7 @@
         <p:spPr>
           <a:xfrm>
             <a:off x="7543800" y="2255520"/>
-            <a:ext cx="638556" cy="2379187"/>
+            <a:ext cx="638556" cy="2743609"/>
           </a:xfrm>
           <a:prstGeom prst="bentConnector3">
             <a:avLst/>
@@ -4094,9 +4108,9 @@
           <p:nvPr/>
         </p:nvCxnSpPr>
         <p:spPr>
-          <a:xfrm>
-            <a:off x="9654540" y="4634707"/>
-            <a:ext cx="486156" cy="0"/>
+          <a:xfrm flipV="1">
+            <a:off x="9654540" y="4999128"/>
+            <a:ext cx="638556" cy="1"/>
           </a:xfrm>
           <a:prstGeom prst="straightConnector1">
             <a:avLst/>
@@ -4158,9 +4172,12 @@
             <a:pPr algn="ctr"/>
             <a:r>
               <a:rPr lang="en-US" altLang="zh-CN" sz="1200" dirty="0" smtClean="0"/>
-              <a:t>Triplet loss</a:t>
-            </a:r>
-            <a:endParaRPr lang="zh-CN" altLang="en-US" sz="1200" dirty="0"/>
+              <a:t>Triplet </a:t>
+            </a:r>
+            <a:r>
+              <a:rPr lang="en-US" altLang="zh-CN" sz="1200" dirty="0" smtClean="0"/>
+              <a:t>loss</a:t>
+            </a:r>
           </a:p>
         </p:txBody>
       </p:sp>
@@ -4217,7 +4234,47 @@
                   <a:schemeClr val="tx1"/>
                 </a:solidFill>
               </a:rPr>
-              <a:t>的输入</a:t>
+              <a:t>的</a:t>
+            </a:r>
+            <a:r>
+              <a:rPr lang="zh-CN" altLang="en-US" sz="1200" dirty="0" smtClean="0">
+                <a:solidFill>
+                  <a:schemeClr val="tx1"/>
+                </a:solidFill>
+              </a:rPr>
+              <a:t>输入</a:t>
+            </a:r>
+            <a:endParaRPr lang="en-US" altLang="zh-CN" sz="1200" dirty="0" smtClean="0">
+              <a:solidFill>
+                <a:schemeClr val="tx1"/>
+              </a:solidFill>
+            </a:endParaRPr>
+          </a:p>
+          <a:p>
+            <a:pPr algn="ctr"/>
+            <a:r>
+              <a:rPr lang="zh-CN" altLang="en-US" sz="1200" dirty="0" smtClean="0">
+                <a:solidFill>
+                  <a:schemeClr val="tx1"/>
+                </a:solidFill>
+              </a:rPr>
+              <a:t>同一个</a:t>
+            </a:r>
+            <a:r>
+              <a:rPr lang="en-US" altLang="zh-CN" sz="1200" dirty="0" smtClean="0">
+                <a:solidFill>
+                  <a:schemeClr val="tx1"/>
+                </a:solidFill>
+              </a:rPr>
+              <a:t>instance</a:t>
+            </a:r>
+            <a:r>
+              <a:rPr lang="zh-CN" altLang="en-US" sz="1200" dirty="0" smtClean="0">
+                <a:solidFill>
+                  <a:schemeClr val="tx1"/>
+                </a:solidFill>
+              </a:rPr>
+              <a:t>还是不是</a:t>
             </a:r>
             <a:endParaRPr lang="zh-CN" altLang="en-US" sz="1200" dirty="0">
               <a:solidFill>
@@ -4311,7 +4368,7 @@
         <p:spPr>
           <a:xfrm>
             <a:off x="7543800" y="2255520"/>
-            <a:ext cx="638556" cy="890016"/>
+            <a:ext cx="638556" cy="874999"/>
           </a:xfrm>
           <a:prstGeom prst="bentConnector3">
             <a:avLst/>
@@ -4335,6 +4392,199 @@
           </a:fontRef>
         </p:style>
       </p:cxnSp>
+      <p:sp>
+        <p:nvSpPr>
+          <p:cNvPr id="38" name="圆角矩形 37"/>
+          <p:cNvSpPr/>
+          <p:nvPr/>
+        </p:nvSpPr>
+        <p:spPr>
+          <a:xfrm>
+            <a:off x="0" y="3456878"/>
+            <a:ext cx="1636776" cy="947854"/>
+          </a:xfrm>
+          <a:prstGeom prst="roundRect">
+            <a:avLst/>
+          </a:prstGeom>
+          <a:solidFill>
+            <a:schemeClr val="bg1"/>
+          </a:solidFill>
+        </p:spPr>
+        <p:style>
+          <a:lnRef idx="2">
+            <a:schemeClr val="accent1">
+              <a:shade val="50000"/>
+            </a:schemeClr>
+          </a:lnRef>
+          <a:fillRef idx="1">
+            <a:schemeClr val="accent1"/>
+          </a:fillRef>
+          <a:effectRef idx="0">
+            <a:schemeClr val="accent1"/>
+          </a:effectRef>
+          <a:fontRef idx="minor">
+            <a:schemeClr val="lt1"/>
+          </a:fontRef>
+        </p:style>
+        <p:txBody>
+          <a:bodyPr rtlCol="0" anchor="ctr"/>
+          <a:lstStyle/>
+          <a:p>
+            <a:pPr algn="ctr"/>
+            <a:r>
+              <a:rPr lang="zh-CN" altLang="en-US" sz="1200" dirty="0" smtClean="0">
+                <a:solidFill>
+                  <a:schemeClr val="tx1"/>
+                </a:solidFill>
+              </a:rPr>
+              <a:t>负例：</a:t>
+            </a:r>
+            <a:endParaRPr lang="en-US" altLang="zh-CN" sz="1200" dirty="0" smtClean="0">
+              <a:solidFill>
+                <a:schemeClr val="tx1"/>
+              </a:solidFill>
+            </a:endParaRPr>
+          </a:p>
+          <a:p>
+            <a:pPr algn="ctr"/>
+            <a:r>
+              <a:rPr lang="en-US" altLang="zh-CN" sz="1200" dirty="0" err="1" smtClean="0">
+                <a:solidFill>
+                  <a:schemeClr val="tx1"/>
+                </a:solidFill>
+              </a:rPr>
+              <a:t>Shapenet</a:t>
+            </a:r>
+            <a:r>
+              <a:rPr lang="zh-CN" altLang="en-US" sz="1200" dirty="0" smtClean="0">
+                <a:solidFill>
+                  <a:schemeClr val="tx1"/>
+                </a:solidFill>
+              </a:rPr>
+              <a:t>不完整椅子</a:t>
+            </a:r>
+            <a:endParaRPr lang="en-US" altLang="zh-CN" sz="1200" dirty="0" smtClean="0">
+              <a:solidFill>
+                <a:schemeClr val="tx1"/>
+              </a:solidFill>
+            </a:endParaRPr>
+          </a:p>
+          <a:p>
+            <a:pPr algn="ctr"/>
+            <a:r>
+              <a:rPr lang="zh-CN" altLang="en-US" sz="1200" dirty="0" smtClean="0">
+                <a:solidFill>
+                  <a:schemeClr val="tx1"/>
+                </a:solidFill>
+              </a:rPr>
+              <a:t>不对应的完整椅子</a:t>
+            </a:r>
+            <a:endParaRPr lang="en-US" altLang="zh-CN" sz="1200" dirty="0" smtClean="0">
+              <a:solidFill>
+                <a:schemeClr val="tx1"/>
+              </a:solidFill>
+            </a:endParaRPr>
+          </a:p>
+          <a:p>
+            <a:pPr algn="ctr"/>
+            <a:r>
+              <a:rPr lang="en-US" altLang="zh-CN" sz="1200" dirty="0" err="1" smtClean="0">
+                <a:solidFill>
+                  <a:schemeClr val="tx1"/>
+                </a:solidFill>
+              </a:rPr>
+              <a:t>Scannet</a:t>
+            </a:r>
+            <a:r>
+              <a:rPr lang="zh-CN" altLang="en-US" sz="1200" dirty="0" smtClean="0">
+                <a:solidFill>
+                  <a:schemeClr val="tx1"/>
+                </a:solidFill>
+              </a:rPr>
+              <a:t>不完整椅子</a:t>
+            </a:r>
+            <a:endParaRPr lang="zh-CN" altLang="en-US" sz="1200" dirty="0">
+              <a:solidFill>
+                <a:schemeClr val="tx1"/>
+              </a:solidFill>
+            </a:endParaRPr>
+          </a:p>
+        </p:txBody>
+      </p:sp>
+      <p:cxnSp>
+        <p:nvCxnSpPr>
+          <p:cNvPr id="29" name="直接箭头连接符 28"/>
+          <p:cNvCxnSpPr>
+            <a:stCxn id="38" idx="3"/>
+            <a:endCxn id="12" idx="1"/>
+          </p:cNvCxnSpPr>
+          <p:nvPr/>
+        </p:nvCxnSpPr>
+        <p:spPr>
+          <a:xfrm flipV="1">
+            <a:off x="1636776" y="3297936"/>
+            <a:ext cx="560832" cy="632869"/>
+          </a:xfrm>
+          <a:prstGeom prst="straightConnector1">
+            <a:avLst/>
+          </a:prstGeom>
+          <a:ln>
+            <a:tailEnd type="triangle"/>
+          </a:ln>
+        </p:spPr>
+        <p:style>
+          <a:lnRef idx="1">
+            <a:schemeClr val="accent1"/>
+          </a:lnRef>
+          <a:fillRef idx="0">
+            <a:schemeClr val="accent1"/>
+          </a:fillRef>
+          <a:effectRef idx="0">
+            <a:schemeClr val="accent1"/>
+          </a:effectRef>
+          <a:fontRef idx="minor">
+            <a:schemeClr val="tx1"/>
+          </a:fontRef>
+        </p:style>
+      </p:cxnSp>
+      <p:sp>
+        <p:nvSpPr>
+          <p:cNvPr id="40" name="文本框 39"/>
+          <p:cNvSpPr txBox="1"/>
+          <p:nvPr/>
+        </p:nvSpPr>
+        <p:spPr>
+          <a:xfrm>
+            <a:off x="3568390" y="5441795"/>
+            <a:ext cx="3044808" cy="369332"/>
+          </a:xfrm>
+          <a:prstGeom prst="rect">
+            <a:avLst/>
+          </a:prstGeom>
+          <a:noFill/>
+        </p:spPr>
+        <p:txBody>
+          <a:bodyPr wrap="none" rtlCol="0">
+            <a:spAutoFit/>
+          </a:bodyPr>
+          <a:lstStyle/>
+          <a:p>
+            <a:r>
+              <a:rPr lang="en-US" altLang="zh-CN" dirty="0" smtClean="0"/>
+              <a:t>Loss = triplet loss + k</a:t>
+            </a:r>
+            <a:r>
+              <a:rPr lang="zh-CN" altLang="en-US" dirty="0" smtClean="0"/>
+              <a:t>*重建</a:t>
+            </a:r>
+            <a:r>
+              <a:rPr lang="en-US" altLang="zh-CN" dirty="0" smtClean="0"/>
+              <a:t>loss</a:t>
+            </a:r>
+            <a:endParaRPr lang="zh-CN" altLang="en-US" dirty="0"/>
+          </a:p>
+        </p:txBody>
+      </p:sp>
     </p:spTree>
     <p:extLst>
       <p:ext uri="{BB962C8B-B14F-4D97-AF65-F5344CB8AC3E}">

--- a/note/Network.pptx
+++ b/note/Network.pptx
@@ -6,6 +6,7 @@
   </p:sldMasterIdLst>
   <p:sldIdLst>
     <p:sldId id="256" r:id="rId2"/>
+    <p:sldId id="257" r:id="rId3"/>
   </p:sldIdLst>
   <p:sldSz cx="12192000" cy="6858000"/>
   <p:notesSz cx="6858000" cy="9144000"/>
@@ -243,7 +244,7 @@
           <a:p>
             <a:fld id="{41E7E009-EED8-4825-AE50-6EFD9C3C2188}" type="datetimeFigureOut">
               <a:rPr lang="zh-CN" altLang="en-US" smtClean="0"/>
-              <a:t>2020/8/20</a:t>
+              <a:t>2020/9/5</a:t>
             </a:fld>
             <a:endParaRPr lang="zh-CN" altLang="en-US"/>
           </a:p>
@@ -413,7 +414,7 @@
           <a:p>
             <a:fld id="{41E7E009-EED8-4825-AE50-6EFD9C3C2188}" type="datetimeFigureOut">
               <a:rPr lang="zh-CN" altLang="en-US" smtClean="0"/>
-              <a:t>2020/8/20</a:t>
+              <a:t>2020/9/5</a:t>
             </a:fld>
             <a:endParaRPr lang="zh-CN" altLang="en-US"/>
           </a:p>
@@ -593,7 +594,7 @@
           <a:p>
             <a:fld id="{41E7E009-EED8-4825-AE50-6EFD9C3C2188}" type="datetimeFigureOut">
               <a:rPr lang="zh-CN" altLang="en-US" smtClean="0"/>
-              <a:t>2020/8/20</a:t>
+              <a:t>2020/9/5</a:t>
             </a:fld>
             <a:endParaRPr lang="zh-CN" altLang="en-US"/>
           </a:p>
@@ -763,7 +764,7 @@
           <a:p>
             <a:fld id="{41E7E009-EED8-4825-AE50-6EFD9C3C2188}" type="datetimeFigureOut">
               <a:rPr lang="zh-CN" altLang="en-US" smtClean="0"/>
-              <a:t>2020/8/20</a:t>
+              <a:t>2020/9/5</a:t>
             </a:fld>
             <a:endParaRPr lang="zh-CN" altLang="en-US"/>
           </a:p>
@@ -1009,7 +1010,7 @@
           <a:p>
             <a:fld id="{41E7E009-EED8-4825-AE50-6EFD9C3C2188}" type="datetimeFigureOut">
               <a:rPr lang="zh-CN" altLang="en-US" smtClean="0"/>
-              <a:t>2020/8/20</a:t>
+              <a:t>2020/9/5</a:t>
             </a:fld>
             <a:endParaRPr lang="zh-CN" altLang="en-US"/>
           </a:p>
@@ -1241,7 +1242,7 @@
           <a:p>
             <a:fld id="{41E7E009-EED8-4825-AE50-6EFD9C3C2188}" type="datetimeFigureOut">
               <a:rPr lang="zh-CN" altLang="en-US" smtClean="0"/>
-              <a:t>2020/8/20</a:t>
+              <a:t>2020/9/5</a:t>
             </a:fld>
             <a:endParaRPr lang="zh-CN" altLang="en-US"/>
           </a:p>
@@ -1608,7 +1609,7 @@
           <a:p>
             <a:fld id="{41E7E009-EED8-4825-AE50-6EFD9C3C2188}" type="datetimeFigureOut">
               <a:rPr lang="zh-CN" altLang="en-US" smtClean="0"/>
-              <a:t>2020/8/20</a:t>
+              <a:t>2020/9/5</a:t>
             </a:fld>
             <a:endParaRPr lang="zh-CN" altLang="en-US"/>
           </a:p>
@@ -1726,7 +1727,7 @@
           <a:p>
             <a:fld id="{41E7E009-EED8-4825-AE50-6EFD9C3C2188}" type="datetimeFigureOut">
               <a:rPr lang="zh-CN" altLang="en-US" smtClean="0"/>
-              <a:t>2020/8/20</a:t>
+              <a:t>2020/9/5</a:t>
             </a:fld>
             <a:endParaRPr lang="zh-CN" altLang="en-US"/>
           </a:p>
@@ -1821,7 +1822,7 @@
           <a:p>
             <a:fld id="{41E7E009-EED8-4825-AE50-6EFD9C3C2188}" type="datetimeFigureOut">
               <a:rPr lang="zh-CN" altLang="en-US" smtClean="0"/>
-              <a:t>2020/8/20</a:t>
+              <a:t>2020/9/5</a:t>
             </a:fld>
             <a:endParaRPr lang="zh-CN" altLang="en-US"/>
           </a:p>
@@ -2098,7 +2099,7 @@
           <a:p>
             <a:fld id="{41E7E009-EED8-4825-AE50-6EFD9C3C2188}" type="datetimeFigureOut">
               <a:rPr lang="zh-CN" altLang="en-US" smtClean="0"/>
-              <a:t>2020/8/20</a:t>
+              <a:t>2020/9/5</a:t>
             </a:fld>
             <a:endParaRPr lang="zh-CN" altLang="en-US"/>
           </a:p>
@@ -2351,7 +2352,7 @@
           <a:p>
             <a:fld id="{41E7E009-EED8-4825-AE50-6EFD9C3C2188}" type="datetimeFigureOut">
               <a:rPr lang="zh-CN" altLang="en-US" smtClean="0"/>
-              <a:t>2020/8/20</a:t>
+              <a:t>2020/9/5</a:t>
             </a:fld>
             <a:endParaRPr lang="zh-CN" altLang="en-US"/>
           </a:p>
@@ -2564,7 +2565,7 @@
           <a:p>
             <a:fld id="{41E7E009-EED8-4825-AE50-6EFD9C3C2188}" type="datetimeFigureOut">
               <a:rPr lang="zh-CN" altLang="en-US" smtClean="0"/>
-              <a:t>2020/8/20</a:t>
+              <a:t>2020/9/5</a:t>
             </a:fld>
             <a:endParaRPr lang="zh-CN" altLang="en-US"/>
           </a:p>
@@ -3568,11 +3569,7 @@
             </a:r>
             <a:r>
               <a:rPr lang="en-US" altLang="zh-CN" sz="1200" dirty="0" smtClean="0"/>
-              <a:t>PCN </a:t>
-            </a:r>
-            <a:r>
-              <a:rPr lang="en-US" altLang="zh-CN" sz="1200" dirty="0" smtClean="0"/>
-              <a:t>decoder</a:t>
+              <a:t>PCN decoder</a:t>
             </a:r>
           </a:p>
           <a:p>
@@ -4172,11 +4169,7 @@
             <a:pPr algn="ctr"/>
             <a:r>
               <a:rPr lang="en-US" altLang="zh-CN" sz="1200" dirty="0" smtClean="0"/>
-              <a:t>Triplet </a:t>
-            </a:r>
-            <a:r>
-              <a:rPr lang="en-US" altLang="zh-CN" sz="1200" dirty="0" smtClean="0"/>
-              <a:t>loss</a:t>
+              <a:t>Triplet loss</a:t>
             </a:r>
           </a:p>
         </p:txBody>
@@ -4234,15 +4227,7 @@
                   <a:schemeClr val="tx1"/>
                 </a:solidFill>
               </a:rPr>
-              <a:t>的</a:t>
-            </a:r>
-            <a:r>
-              <a:rPr lang="zh-CN" altLang="en-US" sz="1200" dirty="0" smtClean="0">
-                <a:solidFill>
-                  <a:schemeClr val="tx1"/>
-                </a:solidFill>
-              </a:rPr>
-              <a:t>输入</a:t>
+              <a:t>的输入</a:t>
             </a:r>
             <a:endParaRPr lang="en-US" altLang="zh-CN" sz="1200" dirty="0" smtClean="0">
               <a:solidFill>
@@ -4589,6 +4574,1390 @@
     <p:extLst>
       <p:ext uri="{BB962C8B-B14F-4D97-AF65-F5344CB8AC3E}">
         <p14:creationId xmlns:p14="http://schemas.microsoft.com/office/powerpoint/2010/main" val="1892966497"/>
+      </p:ext>
+    </p:extLst>
+  </p:cSld>
+  <p:clrMapOvr>
+    <a:masterClrMapping/>
+  </p:clrMapOvr>
+</p:sld>
+</file>
+
+<file path=ppt/slides/slide2.xml><?xml version="1.0" encoding="utf-8"?>
+<p:sld xmlns:a="http://schemas.openxmlformats.org/drawingml/2006/main" xmlns:r="http://schemas.openxmlformats.org/officeDocument/2006/relationships" xmlns:p="http://schemas.openxmlformats.org/presentationml/2006/main">
+  <p:cSld>
+    <p:spTree>
+      <p:nvGrpSpPr>
+        <p:cNvPr id="1" name=""/>
+        <p:cNvGrpSpPr/>
+        <p:nvPr/>
+      </p:nvGrpSpPr>
+      <p:grpSpPr>
+        <a:xfrm>
+          <a:off x="0" y="0"/>
+          <a:ext cx="0" cy="0"/>
+          <a:chOff x="0" y="0"/>
+          <a:chExt cx="0" cy="0"/>
+        </a:xfrm>
+      </p:grpSpPr>
+      <p:sp>
+        <p:nvSpPr>
+          <p:cNvPr id="4" name="圆角矩形 3"/>
+          <p:cNvSpPr/>
+          <p:nvPr/>
+        </p:nvSpPr>
+        <p:spPr>
+          <a:xfrm>
+            <a:off x="0" y="978408"/>
+            <a:ext cx="1636776" cy="603504"/>
+          </a:xfrm>
+          <a:prstGeom prst="roundRect">
+            <a:avLst/>
+          </a:prstGeom>
+          <a:solidFill>
+            <a:schemeClr val="bg1"/>
+          </a:solidFill>
+        </p:spPr>
+        <p:style>
+          <a:lnRef idx="2">
+            <a:schemeClr val="accent1">
+              <a:shade val="50000"/>
+            </a:schemeClr>
+          </a:lnRef>
+          <a:fillRef idx="1">
+            <a:schemeClr val="accent1"/>
+          </a:fillRef>
+          <a:effectRef idx="0">
+            <a:schemeClr val="accent1"/>
+          </a:effectRef>
+          <a:fontRef idx="minor">
+            <a:schemeClr val="lt1"/>
+          </a:fontRef>
+        </p:style>
+        <p:txBody>
+          <a:bodyPr rtlCol="0" anchor="ctr"/>
+          <a:lstStyle/>
+          <a:p>
+            <a:pPr algn="ctr"/>
+            <a:r>
+              <a:rPr lang="en-US" altLang="zh-CN" sz="1200" dirty="0" err="1" smtClean="0">
+                <a:solidFill>
+                  <a:schemeClr val="tx1"/>
+                </a:solidFill>
+              </a:rPr>
+              <a:t>ShapeNet</a:t>
+            </a:r>
+            <a:r>
+              <a:rPr lang="zh-CN" altLang="en-US" sz="1200" dirty="0">
+                <a:solidFill>
+                  <a:schemeClr val="tx1"/>
+                </a:solidFill>
+              </a:rPr>
+              <a:t>不</a:t>
+            </a:r>
+            <a:r>
+              <a:rPr lang="zh-CN" altLang="en-US" sz="1200" dirty="0" smtClean="0">
+                <a:solidFill>
+                  <a:schemeClr val="tx1"/>
+                </a:solidFill>
+              </a:rPr>
+              <a:t>完整</a:t>
+            </a:r>
+            <a:endParaRPr lang="zh-CN" altLang="en-US" sz="1200" dirty="0">
+              <a:solidFill>
+                <a:schemeClr val="tx1"/>
+              </a:solidFill>
+            </a:endParaRPr>
+          </a:p>
+        </p:txBody>
+      </p:sp>
+      <p:sp>
+        <p:nvSpPr>
+          <p:cNvPr id="6" name="圆角矩形 5"/>
+          <p:cNvSpPr/>
+          <p:nvPr/>
+        </p:nvSpPr>
+        <p:spPr>
+          <a:xfrm>
+            <a:off x="0" y="4478478"/>
+            <a:ext cx="1636776" cy="591312"/>
+          </a:xfrm>
+          <a:prstGeom prst="roundRect">
+            <a:avLst/>
+          </a:prstGeom>
+          <a:solidFill>
+            <a:schemeClr val="bg1"/>
+          </a:solidFill>
+        </p:spPr>
+        <p:style>
+          <a:lnRef idx="2">
+            <a:schemeClr val="accent1">
+              <a:shade val="50000"/>
+            </a:schemeClr>
+          </a:lnRef>
+          <a:fillRef idx="1">
+            <a:schemeClr val="accent1"/>
+          </a:fillRef>
+          <a:effectRef idx="0">
+            <a:schemeClr val="accent1"/>
+          </a:effectRef>
+          <a:fontRef idx="minor">
+            <a:schemeClr val="lt1"/>
+          </a:fontRef>
+        </p:style>
+        <p:txBody>
+          <a:bodyPr rtlCol="0" anchor="ctr"/>
+          <a:lstStyle/>
+          <a:p>
+            <a:pPr algn="ctr"/>
+            <a:r>
+              <a:rPr lang="en-US" altLang="zh-CN" sz="1200" dirty="0" err="1" smtClean="0">
+                <a:solidFill>
+                  <a:schemeClr val="tx1"/>
+                </a:solidFill>
+              </a:rPr>
+              <a:t>Shapenet</a:t>
+            </a:r>
+            <a:r>
+              <a:rPr lang="zh-CN" altLang="en-US" sz="1200" dirty="0" smtClean="0">
+                <a:solidFill>
+                  <a:schemeClr val="tx1"/>
+                </a:solidFill>
+              </a:rPr>
+              <a:t>完整</a:t>
+            </a:r>
+            <a:endParaRPr lang="en-US" altLang="zh-CN" sz="1200" dirty="0" smtClean="0">
+              <a:solidFill>
+                <a:schemeClr val="tx1"/>
+              </a:solidFill>
+            </a:endParaRPr>
+          </a:p>
+          <a:p>
+            <a:pPr algn="ctr"/>
+            <a:r>
+              <a:rPr lang="zh-CN" altLang="en-US" sz="1200" smtClean="0">
+                <a:solidFill>
+                  <a:schemeClr val="tx1"/>
+                </a:solidFill>
+              </a:rPr>
+              <a:t>测试是不完整</a:t>
+            </a:r>
+            <a:endParaRPr lang="zh-CN" altLang="en-US" sz="1200" dirty="0">
+              <a:solidFill>
+                <a:schemeClr val="tx1"/>
+              </a:solidFill>
+            </a:endParaRPr>
+          </a:p>
+        </p:txBody>
+      </p:sp>
+      <p:sp>
+        <p:nvSpPr>
+          <p:cNvPr id="10" name="圆角矩形 9"/>
+          <p:cNvSpPr/>
+          <p:nvPr/>
+        </p:nvSpPr>
+        <p:spPr>
+          <a:xfrm>
+            <a:off x="1952950" y="978408"/>
+            <a:ext cx="1615440" cy="603504"/>
+          </a:xfrm>
+          <a:prstGeom prst="roundRect">
+            <a:avLst/>
+          </a:prstGeom>
+        </p:spPr>
+        <p:style>
+          <a:lnRef idx="2">
+            <a:schemeClr val="accent1">
+              <a:shade val="50000"/>
+            </a:schemeClr>
+          </a:lnRef>
+          <a:fillRef idx="1">
+            <a:schemeClr val="accent1"/>
+          </a:fillRef>
+          <a:effectRef idx="0">
+            <a:schemeClr val="accent1"/>
+          </a:effectRef>
+          <a:fontRef idx="minor">
+            <a:schemeClr val="lt1"/>
+          </a:fontRef>
+        </p:style>
+        <p:txBody>
+          <a:bodyPr rtlCol="0" anchor="ctr"/>
+          <a:lstStyle/>
+          <a:p>
+            <a:pPr algn="ctr"/>
+            <a:r>
+              <a:rPr lang="en-US" altLang="zh-CN" sz="1200" dirty="0" smtClean="0"/>
+              <a:t>Encoder1</a:t>
+            </a:r>
+            <a:endParaRPr lang="en-US" altLang="zh-CN" sz="1200" dirty="0" smtClean="0"/>
+          </a:p>
+          <a:p>
+            <a:pPr algn="ctr"/>
+            <a:r>
+              <a:rPr lang="en-US" altLang="zh-CN" sz="1200" dirty="0" smtClean="0"/>
+              <a:t>PCN </a:t>
+            </a:r>
+            <a:r>
+              <a:rPr lang="en-US" altLang="zh-CN" sz="1200" dirty="0" smtClean="0"/>
+              <a:t>encoder</a:t>
+            </a:r>
+            <a:endParaRPr lang="zh-CN" altLang="en-US" sz="1200" dirty="0"/>
+          </a:p>
+        </p:txBody>
+      </p:sp>
+      <p:sp>
+        <p:nvSpPr>
+          <p:cNvPr id="12" name="圆角矩形 11"/>
+          <p:cNvSpPr/>
+          <p:nvPr/>
+        </p:nvSpPr>
+        <p:spPr>
+          <a:xfrm>
+            <a:off x="1952950" y="4423614"/>
+            <a:ext cx="1679448" cy="646176"/>
+          </a:xfrm>
+          <a:prstGeom prst="roundRect">
+            <a:avLst/>
+          </a:prstGeom>
+        </p:spPr>
+        <p:style>
+          <a:lnRef idx="2">
+            <a:schemeClr val="accent1">
+              <a:shade val="50000"/>
+            </a:schemeClr>
+          </a:lnRef>
+          <a:fillRef idx="1">
+            <a:schemeClr val="accent1"/>
+          </a:fillRef>
+          <a:effectRef idx="0">
+            <a:schemeClr val="accent1"/>
+          </a:effectRef>
+          <a:fontRef idx="minor">
+            <a:schemeClr val="lt1"/>
+          </a:fontRef>
+        </p:style>
+        <p:txBody>
+          <a:bodyPr rtlCol="0" anchor="ctr"/>
+          <a:lstStyle/>
+          <a:p>
+            <a:pPr algn="ctr"/>
+            <a:r>
+              <a:rPr lang="en-US" altLang="zh-CN" sz="1200" dirty="0" smtClean="0"/>
+              <a:t>Encoder2</a:t>
+            </a:r>
+            <a:endParaRPr lang="en-US" altLang="zh-CN" sz="1200" dirty="0" smtClean="0"/>
+          </a:p>
+          <a:p>
+            <a:pPr algn="ctr"/>
+            <a:r>
+              <a:rPr lang="en-US" altLang="zh-CN" sz="1200" dirty="0" smtClean="0"/>
+              <a:t>PCN </a:t>
+            </a:r>
+            <a:r>
+              <a:rPr lang="en-US" altLang="zh-CN" sz="1200" dirty="0" smtClean="0"/>
+              <a:t>encoder</a:t>
+            </a:r>
+            <a:endParaRPr lang="zh-CN" altLang="en-US" sz="1200" dirty="0"/>
+          </a:p>
+        </p:txBody>
+      </p:sp>
+      <p:cxnSp>
+        <p:nvCxnSpPr>
+          <p:cNvPr id="25" name="直接箭头连接符 24"/>
+          <p:cNvCxnSpPr>
+            <a:stCxn id="4" idx="3"/>
+            <a:endCxn id="10" idx="1"/>
+          </p:cNvCxnSpPr>
+          <p:nvPr/>
+        </p:nvCxnSpPr>
+        <p:spPr>
+          <a:xfrm>
+            <a:off x="1636776" y="1280160"/>
+            <a:ext cx="316174" cy="0"/>
+          </a:xfrm>
+          <a:prstGeom prst="straightConnector1">
+            <a:avLst/>
+          </a:prstGeom>
+          <a:ln>
+            <a:tailEnd type="triangle"/>
+          </a:ln>
+        </p:spPr>
+        <p:style>
+          <a:lnRef idx="1">
+            <a:schemeClr val="accent1"/>
+          </a:lnRef>
+          <a:fillRef idx="0">
+            <a:schemeClr val="accent1"/>
+          </a:fillRef>
+          <a:effectRef idx="0">
+            <a:schemeClr val="accent1"/>
+          </a:effectRef>
+          <a:fontRef idx="minor">
+            <a:schemeClr val="tx1"/>
+          </a:fontRef>
+        </p:style>
+      </p:cxnSp>
+      <p:cxnSp>
+        <p:nvCxnSpPr>
+          <p:cNvPr id="27" name="直接箭头连接符 26"/>
+          <p:cNvCxnSpPr>
+            <a:endCxn id="12" idx="1"/>
+          </p:cNvCxnSpPr>
+          <p:nvPr/>
+        </p:nvCxnSpPr>
+        <p:spPr>
+          <a:xfrm>
+            <a:off x="1636776" y="4738524"/>
+            <a:ext cx="316174" cy="8178"/>
+          </a:xfrm>
+          <a:prstGeom prst="straightConnector1">
+            <a:avLst/>
+          </a:prstGeom>
+          <a:ln>
+            <a:tailEnd type="triangle"/>
+          </a:ln>
+        </p:spPr>
+        <p:style>
+          <a:lnRef idx="1">
+            <a:schemeClr val="accent1"/>
+          </a:lnRef>
+          <a:fillRef idx="0">
+            <a:schemeClr val="accent1"/>
+          </a:fillRef>
+          <a:effectRef idx="0">
+            <a:schemeClr val="accent1"/>
+          </a:effectRef>
+          <a:fontRef idx="minor">
+            <a:schemeClr val="tx1"/>
+          </a:fontRef>
+        </p:style>
+      </p:cxnSp>
+      <p:sp>
+        <p:nvSpPr>
+          <p:cNvPr id="36" name="圆角矩形 35"/>
+          <p:cNvSpPr/>
+          <p:nvPr/>
+        </p:nvSpPr>
+        <p:spPr>
+          <a:xfrm>
+            <a:off x="3945524" y="978408"/>
+            <a:ext cx="1615440" cy="603504"/>
+          </a:xfrm>
+          <a:prstGeom prst="roundRect">
+            <a:avLst/>
+          </a:prstGeom>
+        </p:spPr>
+        <p:style>
+          <a:lnRef idx="2">
+            <a:schemeClr val="accent1">
+              <a:shade val="50000"/>
+            </a:schemeClr>
+          </a:lnRef>
+          <a:fillRef idx="1">
+            <a:schemeClr val="accent1"/>
+          </a:fillRef>
+          <a:effectRef idx="0">
+            <a:schemeClr val="accent1"/>
+          </a:effectRef>
+          <a:fontRef idx="minor">
+            <a:schemeClr val="lt1"/>
+          </a:fontRef>
+        </p:style>
+        <p:txBody>
+          <a:bodyPr rtlCol="0" anchor="ctr"/>
+          <a:lstStyle/>
+          <a:p>
+            <a:pPr algn="ctr"/>
+            <a:r>
+              <a:rPr lang="en-US" altLang="zh-CN" sz="1200" dirty="0" smtClean="0"/>
+              <a:t>MLP1</a:t>
+            </a:r>
+          </a:p>
+          <a:p>
+            <a:pPr algn="ctr"/>
+            <a:r>
+              <a:rPr lang="en-US" altLang="zh-CN" sz="1200" dirty="0" smtClean="0"/>
+              <a:t>PCN decoder</a:t>
+            </a:r>
+            <a:r>
+              <a:rPr lang="zh-CN" altLang="en-US" sz="1200" dirty="0" smtClean="0"/>
+              <a:t>的</a:t>
+            </a:r>
+            <a:r>
+              <a:rPr lang="en-US" altLang="zh-CN" sz="1200" dirty="0" smtClean="0"/>
+              <a:t>MLP</a:t>
+            </a:r>
+            <a:endParaRPr lang="zh-CN" altLang="en-US" sz="1200" dirty="0"/>
+          </a:p>
+        </p:txBody>
+      </p:sp>
+      <p:sp>
+        <p:nvSpPr>
+          <p:cNvPr id="42" name="圆角矩形 41"/>
+          <p:cNvSpPr/>
+          <p:nvPr/>
+        </p:nvSpPr>
+        <p:spPr>
+          <a:xfrm>
+            <a:off x="3945524" y="4442868"/>
+            <a:ext cx="1615440" cy="603504"/>
+          </a:xfrm>
+          <a:prstGeom prst="roundRect">
+            <a:avLst/>
+          </a:prstGeom>
+        </p:spPr>
+        <p:style>
+          <a:lnRef idx="2">
+            <a:schemeClr val="accent1">
+              <a:shade val="50000"/>
+            </a:schemeClr>
+          </a:lnRef>
+          <a:fillRef idx="1">
+            <a:schemeClr val="accent1"/>
+          </a:fillRef>
+          <a:effectRef idx="0">
+            <a:schemeClr val="accent1"/>
+          </a:effectRef>
+          <a:fontRef idx="minor">
+            <a:schemeClr val="lt1"/>
+          </a:fontRef>
+        </p:style>
+        <p:txBody>
+          <a:bodyPr rtlCol="0" anchor="ctr"/>
+          <a:lstStyle/>
+          <a:p>
+            <a:pPr algn="ctr"/>
+            <a:r>
+              <a:rPr lang="en-US" altLang="zh-CN" sz="1200" dirty="0" smtClean="0"/>
+              <a:t>MLP2</a:t>
+            </a:r>
+          </a:p>
+          <a:p>
+            <a:pPr algn="ctr"/>
+            <a:r>
+              <a:rPr lang="en-US" altLang="zh-CN" sz="1200" dirty="0" smtClean="0"/>
+              <a:t>PCN decoder</a:t>
+            </a:r>
+            <a:r>
+              <a:rPr lang="zh-CN" altLang="en-US" sz="1200" dirty="0" smtClean="0"/>
+              <a:t>的</a:t>
+            </a:r>
+            <a:r>
+              <a:rPr lang="en-US" altLang="zh-CN" sz="1200" dirty="0" smtClean="0"/>
+              <a:t>MLP</a:t>
+            </a:r>
+            <a:endParaRPr lang="zh-CN" altLang="en-US" sz="1200" dirty="0"/>
+          </a:p>
+        </p:txBody>
+      </p:sp>
+      <p:cxnSp>
+        <p:nvCxnSpPr>
+          <p:cNvPr id="18" name="直接箭头连接符 17"/>
+          <p:cNvCxnSpPr>
+            <a:stCxn id="10" idx="3"/>
+            <a:endCxn id="36" idx="1"/>
+          </p:cNvCxnSpPr>
+          <p:nvPr/>
+        </p:nvCxnSpPr>
+        <p:spPr>
+          <a:xfrm>
+            <a:off x="3568390" y="1280160"/>
+            <a:ext cx="377134" cy="0"/>
+          </a:xfrm>
+          <a:prstGeom prst="straightConnector1">
+            <a:avLst/>
+          </a:prstGeom>
+          <a:ln>
+            <a:tailEnd type="triangle"/>
+          </a:ln>
+        </p:spPr>
+        <p:style>
+          <a:lnRef idx="1">
+            <a:schemeClr val="accent1"/>
+          </a:lnRef>
+          <a:fillRef idx="0">
+            <a:schemeClr val="accent1"/>
+          </a:fillRef>
+          <a:effectRef idx="0">
+            <a:schemeClr val="accent1"/>
+          </a:effectRef>
+          <a:fontRef idx="minor">
+            <a:schemeClr val="tx1"/>
+          </a:fontRef>
+        </p:style>
+      </p:cxnSp>
+      <p:cxnSp>
+        <p:nvCxnSpPr>
+          <p:cNvPr id="24" name="直接箭头连接符 23"/>
+          <p:cNvCxnSpPr>
+            <a:stCxn id="12" idx="3"/>
+            <a:endCxn id="42" idx="1"/>
+          </p:cNvCxnSpPr>
+          <p:nvPr/>
+        </p:nvCxnSpPr>
+        <p:spPr>
+          <a:xfrm flipV="1">
+            <a:off x="3632398" y="4744620"/>
+            <a:ext cx="313126" cy="2082"/>
+          </a:xfrm>
+          <a:prstGeom prst="straightConnector1">
+            <a:avLst/>
+          </a:prstGeom>
+          <a:ln>
+            <a:tailEnd type="triangle"/>
+          </a:ln>
+        </p:spPr>
+        <p:style>
+          <a:lnRef idx="1">
+            <a:schemeClr val="accent1"/>
+          </a:lnRef>
+          <a:fillRef idx="0">
+            <a:schemeClr val="accent1"/>
+          </a:fillRef>
+          <a:effectRef idx="0">
+            <a:schemeClr val="accent1"/>
+          </a:effectRef>
+          <a:fontRef idx="minor">
+            <a:schemeClr val="tx1"/>
+          </a:fontRef>
+        </p:style>
+      </p:cxnSp>
+      <p:sp>
+        <p:nvSpPr>
+          <p:cNvPr id="49" name="圆角矩形 48"/>
+          <p:cNvSpPr/>
+          <p:nvPr/>
+        </p:nvSpPr>
+        <p:spPr>
+          <a:xfrm>
+            <a:off x="5938098" y="978408"/>
+            <a:ext cx="1636776" cy="603504"/>
+          </a:xfrm>
+          <a:prstGeom prst="roundRect">
+            <a:avLst/>
+          </a:prstGeom>
+          <a:solidFill>
+            <a:schemeClr val="bg1"/>
+          </a:solidFill>
+        </p:spPr>
+        <p:style>
+          <a:lnRef idx="2">
+            <a:schemeClr val="accent1">
+              <a:shade val="50000"/>
+            </a:schemeClr>
+          </a:lnRef>
+          <a:fillRef idx="1">
+            <a:schemeClr val="accent1"/>
+          </a:fillRef>
+          <a:effectRef idx="0">
+            <a:schemeClr val="accent1"/>
+          </a:effectRef>
+          <a:fontRef idx="minor">
+            <a:schemeClr val="lt1"/>
+          </a:fontRef>
+        </p:style>
+        <p:txBody>
+          <a:bodyPr rtlCol="0" anchor="ctr"/>
+          <a:lstStyle/>
+          <a:p>
+            <a:pPr algn="ctr"/>
+            <a:r>
+              <a:rPr lang="en-US" altLang="zh-CN" sz="1200" dirty="0" smtClean="0">
+                <a:solidFill>
+                  <a:schemeClr val="tx1"/>
+                </a:solidFill>
+              </a:rPr>
+              <a:t>Coarse1</a:t>
+            </a:r>
+            <a:endParaRPr lang="zh-CN" altLang="en-US" sz="1200" dirty="0">
+              <a:solidFill>
+                <a:schemeClr val="tx1"/>
+              </a:solidFill>
+            </a:endParaRPr>
+          </a:p>
+        </p:txBody>
+      </p:sp>
+      <p:sp>
+        <p:nvSpPr>
+          <p:cNvPr id="50" name="圆角矩形 49"/>
+          <p:cNvSpPr/>
+          <p:nvPr/>
+        </p:nvSpPr>
+        <p:spPr>
+          <a:xfrm>
+            <a:off x="5938098" y="4443984"/>
+            <a:ext cx="1636776" cy="603504"/>
+          </a:xfrm>
+          <a:prstGeom prst="roundRect">
+            <a:avLst/>
+          </a:prstGeom>
+          <a:solidFill>
+            <a:schemeClr val="bg1"/>
+          </a:solidFill>
+        </p:spPr>
+        <p:style>
+          <a:lnRef idx="2">
+            <a:schemeClr val="accent1">
+              <a:shade val="50000"/>
+            </a:schemeClr>
+          </a:lnRef>
+          <a:fillRef idx="1">
+            <a:schemeClr val="accent1"/>
+          </a:fillRef>
+          <a:effectRef idx="0">
+            <a:schemeClr val="accent1"/>
+          </a:effectRef>
+          <a:fontRef idx="minor">
+            <a:schemeClr val="lt1"/>
+          </a:fontRef>
+        </p:style>
+        <p:txBody>
+          <a:bodyPr rtlCol="0" anchor="ctr"/>
+          <a:lstStyle/>
+          <a:p>
+            <a:pPr algn="ctr"/>
+            <a:r>
+              <a:rPr lang="en-US" altLang="zh-CN" sz="1200" dirty="0" smtClean="0">
+                <a:solidFill>
+                  <a:schemeClr val="tx1"/>
+                </a:solidFill>
+              </a:rPr>
+              <a:t>Coarse2</a:t>
+            </a:r>
+            <a:endParaRPr lang="zh-CN" altLang="en-US" sz="1200" dirty="0">
+              <a:solidFill>
+                <a:schemeClr val="tx1"/>
+              </a:solidFill>
+            </a:endParaRPr>
+          </a:p>
+        </p:txBody>
+      </p:sp>
+      <p:sp>
+        <p:nvSpPr>
+          <p:cNvPr id="51" name="圆角矩形 50"/>
+          <p:cNvSpPr/>
+          <p:nvPr/>
+        </p:nvSpPr>
+        <p:spPr>
+          <a:xfrm>
+            <a:off x="5938098" y="1774978"/>
+            <a:ext cx="1636776" cy="603504"/>
+          </a:xfrm>
+          <a:prstGeom prst="roundRect">
+            <a:avLst/>
+          </a:prstGeom>
+          <a:solidFill>
+            <a:schemeClr val="bg1"/>
+          </a:solidFill>
+        </p:spPr>
+        <p:style>
+          <a:lnRef idx="2">
+            <a:schemeClr val="accent1">
+              <a:shade val="50000"/>
+            </a:schemeClr>
+          </a:lnRef>
+          <a:fillRef idx="1">
+            <a:schemeClr val="accent1"/>
+          </a:fillRef>
+          <a:effectRef idx="0">
+            <a:schemeClr val="accent1"/>
+          </a:effectRef>
+          <a:fontRef idx="minor">
+            <a:schemeClr val="lt1"/>
+          </a:fontRef>
+        </p:style>
+        <p:txBody>
+          <a:bodyPr rtlCol="0" anchor="ctr"/>
+          <a:lstStyle/>
+          <a:p>
+            <a:pPr algn="ctr"/>
+            <a:r>
+              <a:rPr lang="zh-CN" altLang="en-US" sz="1200" dirty="0" smtClean="0">
+                <a:solidFill>
+                  <a:schemeClr val="tx1"/>
+                </a:solidFill>
+              </a:rPr>
+              <a:t>不完整特征</a:t>
+            </a:r>
+            <a:endParaRPr lang="zh-CN" altLang="en-US" sz="1200" dirty="0">
+              <a:solidFill>
+                <a:schemeClr val="tx1"/>
+              </a:solidFill>
+            </a:endParaRPr>
+          </a:p>
+        </p:txBody>
+      </p:sp>
+      <p:sp>
+        <p:nvSpPr>
+          <p:cNvPr id="52" name="圆角矩形 51"/>
+          <p:cNvSpPr/>
+          <p:nvPr/>
+        </p:nvSpPr>
+        <p:spPr>
+          <a:xfrm>
+            <a:off x="5938098" y="3442308"/>
+            <a:ext cx="1636776" cy="603504"/>
+          </a:xfrm>
+          <a:prstGeom prst="roundRect">
+            <a:avLst/>
+          </a:prstGeom>
+          <a:solidFill>
+            <a:schemeClr val="bg1"/>
+          </a:solidFill>
+        </p:spPr>
+        <p:style>
+          <a:lnRef idx="2">
+            <a:schemeClr val="accent1">
+              <a:shade val="50000"/>
+            </a:schemeClr>
+          </a:lnRef>
+          <a:fillRef idx="1">
+            <a:schemeClr val="accent1"/>
+          </a:fillRef>
+          <a:effectRef idx="0">
+            <a:schemeClr val="accent1"/>
+          </a:effectRef>
+          <a:fontRef idx="minor">
+            <a:schemeClr val="lt1"/>
+          </a:fontRef>
+        </p:style>
+        <p:txBody>
+          <a:bodyPr rtlCol="0" anchor="ctr"/>
+          <a:lstStyle/>
+          <a:p>
+            <a:pPr algn="ctr"/>
+            <a:r>
+              <a:rPr lang="zh-CN" altLang="en-US" sz="1200" dirty="0" smtClean="0">
+                <a:solidFill>
+                  <a:schemeClr val="tx1"/>
+                </a:solidFill>
+              </a:rPr>
+              <a:t>完整特征</a:t>
+            </a:r>
+            <a:endParaRPr lang="zh-CN" altLang="en-US" sz="1200" dirty="0">
+              <a:solidFill>
+                <a:schemeClr val="tx1"/>
+              </a:solidFill>
+            </a:endParaRPr>
+          </a:p>
+        </p:txBody>
+      </p:sp>
+      <p:sp>
+        <p:nvSpPr>
+          <p:cNvPr id="54" name="圆角矩形 53"/>
+          <p:cNvSpPr/>
+          <p:nvPr/>
+        </p:nvSpPr>
+        <p:spPr>
+          <a:xfrm>
+            <a:off x="5938098" y="2557943"/>
+            <a:ext cx="1636776" cy="603504"/>
+          </a:xfrm>
+          <a:prstGeom prst="roundRect">
+            <a:avLst/>
+          </a:prstGeom>
+          <a:solidFill>
+            <a:schemeClr val="bg1"/>
+          </a:solidFill>
+        </p:spPr>
+        <p:style>
+          <a:lnRef idx="2">
+            <a:schemeClr val="accent1">
+              <a:shade val="50000"/>
+            </a:schemeClr>
+          </a:lnRef>
+          <a:fillRef idx="1">
+            <a:schemeClr val="accent1"/>
+          </a:fillRef>
+          <a:effectRef idx="0">
+            <a:schemeClr val="accent1"/>
+          </a:effectRef>
+          <a:fontRef idx="minor">
+            <a:schemeClr val="lt1"/>
+          </a:fontRef>
+        </p:style>
+        <p:txBody>
+          <a:bodyPr rtlCol="0" anchor="ctr"/>
+          <a:lstStyle/>
+          <a:p>
+            <a:pPr algn="ctr"/>
+            <a:r>
+              <a:rPr lang="en-US" altLang="zh-CN" sz="1200" dirty="0" smtClean="0">
+                <a:solidFill>
+                  <a:schemeClr val="tx1"/>
+                </a:solidFill>
+              </a:rPr>
+              <a:t>grid</a:t>
+            </a:r>
+            <a:endParaRPr lang="zh-CN" altLang="en-US" sz="1200" dirty="0">
+              <a:solidFill>
+                <a:schemeClr val="tx1"/>
+              </a:solidFill>
+            </a:endParaRPr>
+          </a:p>
+        </p:txBody>
+      </p:sp>
+      <p:sp>
+        <p:nvSpPr>
+          <p:cNvPr id="55" name="圆角矩形 54"/>
+          <p:cNvSpPr/>
+          <p:nvPr/>
+        </p:nvSpPr>
+        <p:spPr>
+          <a:xfrm>
+            <a:off x="8258444" y="2749296"/>
+            <a:ext cx="1827388" cy="603504"/>
+          </a:xfrm>
+          <a:prstGeom prst="roundRect">
+            <a:avLst/>
+          </a:prstGeom>
+        </p:spPr>
+        <p:style>
+          <a:lnRef idx="2">
+            <a:schemeClr val="accent1">
+              <a:shade val="50000"/>
+            </a:schemeClr>
+          </a:lnRef>
+          <a:fillRef idx="1">
+            <a:schemeClr val="accent1"/>
+          </a:fillRef>
+          <a:effectRef idx="0">
+            <a:schemeClr val="accent1"/>
+          </a:effectRef>
+          <a:fontRef idx="minor">
+            <a:schemeClr val="lt1"/>
+          </a:fontRef>
+        </p:style>
+        <p:txBody>
+          <a:bodyPr rtlCol="0" anchor="ctr"/>
+          <a:lstStyle/>
+          <a:p>
+            <a:pPr algn="ctr"/>
+            <a:r>
+              <a:rPr lang="zh-CN" altLang="en-US" sz="1200" dirty="0" smtClean="0"/>
+              <a:t>重建层</a:t>
+            </a:r>
+            <a:endParaRPr lang="en-US" altLang="zh-CN" sz="1200" dirty="0" smtClean="0"/>
+          </a:p>
+          <a:p>
+            <a:pPr algn="ctr"/>
+            <a:r>
+              <a:rPr lang="zh-CN" altLang="en-US" sz="1200" dirty="0" smtClean="0"/>
+              <a:t>同</a:t>
+            </a:r>
+            <a:r>
+              <a:rPr lang="en-US" altLang="zh-CN" sz="1200" dirty="0" smtClean="0"/>
+              <a:t>PCN</a:t>
+            </a:r>
+            <a:r>
+              <a:rPr lang="zh-CN" altLang="en-US" sz="1200" dirty="0" smtClean="0"/>
+              <a:t>第二层（</a:t>
+            </a:r>
+            <a:r>
+              <a:rPr lang="en-US" altLang="zh-CN" sz="1200" dirty="0" smtClean="0"/>
+              <a:t>1d</a:t>
+            </a:r>
+            <a:r>
+              <a:rPr lang="zh-CN" altLang="en-US" sz="1200" dirty="0" smtClean="0"/>
+              <a:t>卷积）</a:t>
+            </a:r>
+            <a:endParaRPr lang="zh-CN" altLang="en-US" sz="1200" dirty="0"/>
+          </a:p>
+        </p:txBody>
+      </p:sp>
+      <p:cxnSp>
+        <p:nvCxnSpPr>
+          <p:cNvPr id="57" name="肘形连接符 56"/>
+          <p:cNvCxnSpPr>
+            <a:stCxn id="49" idx="3"/>
+            <a:endCxn id="55" idx="1"/>
+          </p:cNvCxnSpPr>
+          <p:nvPr/>
+        </p:nvCxnSpPr>
+        <p:spPr>
+          <a:xfrm>
+            <a:off x="7574874" y="1280160"/>
+            <a:ext cx="683570" cy="1770888"/>
+          </a:xfrm>
+          <a:prstGeom prst="bentConnector3">
+            <a:avLst/>
+          </a:prstGeom>
+          <a:ln>
+            <a:tailEnd type="triangle"/>
+          </a:ln>
+        </p:spPr>
+        <p:style>
+          <a:lnRef idx="1">
+            <a:schemeClr val="accent1"/>
+          </a:lnRef>
+          <a:fillRef idx="0">
+            <a:schemeClr val="accent1"/>
+          </a:fillRef>
+          <a:effectRef idx="0">
+            <a:schemeClr val="accent1"/>
+          </a:effectRef>
+          <a:fontRef idx="minor">
+            <a:schemeClr val="tx1"/>
+          </a:fontRef>
+        </p:style>
+      </p:cxnSp>
+      <p:cxnSp>
+        <p:nvCxnSpPr>
+          <p:cNvPr id="59" name="肘形连接符 58"/>
+          <p:cNvCxnSpPr>
+            <a:stCxn id="51" idx="3"/>
+            <a:endCxn id="55" idx="1"/>
+          </p:cNvCxnSpPr>
+          <p:nvPr/>
+        </p:nvCxnSpPr>
+        <p:spPr>
+          <a:xfrm>
+            <a:off x="7574874" y="2076730"/>
+            <a:ext cx="683570" cy="974318"/>
+          </a:xfrm>
+          <a:prstGeom prst="bentConnector3">
+            <a:avLst/>
+          </a:prstGeom>
+          <a:ln>
+            <a:tailEnd type="triangle"/>
+          </a:ln>
+        </p:spPr>
+        <p:style>
+          <a:lnRef idx="1">
+            <a:schemeClr val="accent1"/>
+          </a:lnRef>
+          <a:fillRef idx="0">
+            <a:schemeClr val="accent1"/>
+          </a:fillRef>
+          <a:effectRef idx="0">
+            <a:schemeClr val="accent1"/>
+          </a:effectRef>
+          <a:fontRef idx="minor">
+            <a:schemeClr val="tx1"/>
+          </a:fontRef>
+        </p:style>
+      </p:cxnSp>
+      <p:cxnSp>
+        <p:nvCxnSpPr>
+          <p:cNvPr id="61" name="肘形连接符 60"/>
+          <p:cNvCxnSpPr>
+            <a:stCxn id="54" idx="3"/>
+            <a:endCxn id="55" idx="1"/>
+          </p:cNvCxnSpPr>
+          <p:nvPr/>
+        </p:nvCxnSpPr>
+        <p:spPr>
+          <a:xfrm>
+            <a:off x="7574874" y="2859695"/>
+            <a:ext cx="683570" cy="191353"/>
+          </a:xfrm>
+          <a:prstGeom prst="bentConnector3">
+            <a:avLst/>
+          </a:prstGeom>
+          <a:ln>
+            <a:tailEnd type="triangle"/>
+          </a:ln>
+        </p:spPr>
+        <p:style>
+          <a:lnRef idx="1">
+            <a:schemeClr val="accent1"/>
+          </a:lnRef>
+          <a:fillRef idx="0">
+            <a:schemeClr val="accent1"/>
+          </a:fillRef>
+          <a:effectRef idx="0">
+            <a:schemeClr val="accent1"/>
+          </a:effectRef>
+          <a:fontRef idx="minor">
+            <a:schemeClr val="tx1"/>
+          </a:fontRef>
+        </p:style>
+      </p:cxnSp>
+      <p:cxnSp>
+        <p:nvCxnSpPr>
+          <p:cNvPr id="63" name="肘形连接符 62"/>
+          <p:cNvCxnSpPr>
+            <a:stCxn id="52" idx="3"/>
+            <a:endCxn id="55" idx="1"/>
+          </p:cNvCxnSpPr>
+          <p:nvPr/>
+        </p:nvCxnSpPr>
+        <p:spPr>
+          <a:xfrm flipV="1">
+            <a:off x="7574874" y="3051048"/>
+            <a:ext cx="683570" cy="693012"/>
+          </a:xfrm>
+          <a:prstGeom prst="bentConnector3">
+            <a:avLst/>
+          </a:prstGeom>
+          <a:ln>
+            <a:tailEnd type="triangle"/>
+          </a:ln>
+        </p:spPr>
+        <p:style>
+          <a:lnRef idx="1">
+            <a:schemeClr val="accent1"/>
+          </a:lnRef>
+          <a:fillRef idx="0">
+            <a:schemeClr val="accent1"/>
+          </a:fillRef>
+          <a:effectRef idx="0">
+            <a:schemeClr val="accent1"/>
+          </a:effectRef>
+          <a:fontRef idx="minor">
+            <a:schemeClr val="tx1"/>
+          </a:fontRef>
+        </p:style>
+      </p:cxnSp>
+      <p:cxnSp>
+        <p:nvCxnSpPr>
+          <p:cNvPr id="65" name="肘形连接符 64"/>
+          <p:cNvCxnSpPr>
+            <a:stCxn id="50" idx="3"/>
+            <a:endCxn id="55" idx="1"/>
+          </p:cNvCxnSpPr>
+          <p:nvPr/>
+        </p:nvCxnSpPr>
+        <p:spPr>
+          <a:xfrm flipV="1">
+            <a:off x="7574874" y="3051048"/>
+            <a:ext cx="683570" cy="1694688"/>
+          </a:xfrm>
+          <a:prstGeom prst="bentConnector3">
+            <a:avLst/>
+          </a:prstGeom>
+          <a:ln>
+            <a:tailEnd type="triangle"/>
+          </a:ln>
+        </p:spPr>
+        <p:style>
+          <a:lnRef idx="1">
+            <a:schemeClr val="accent1"/>
+          </a:lnRef>
+          <a:fillRef idx="0">
+            <a:schemeClr val="accent1"/>
+          </a:fillRef>
+          <a:effectRef idx="0">
+            <a:schemeClr val="accent1"/>
+          </a:effectRef>
+          <a:fontRef idx="minor">
+            <a:schemeClr val="tx1"/>
+          </a:fontRef>
+        </p:style>
+      </p:cxnSp>
+      <p:cxnSp>
+        <p:nvCxnSpPr>
+          <p:cNvPr id="69" name="直接箭头连接符 68"/>
+          <p:cNvCxnSpPr>
+            <a:stCxn id="36" idx="3"/>
+            <a:endCxn id="49" idx="1"/>
+          </p:cNvCxnSpPr>
+          <p:nvPr/>
+        </p:nvCxnSpPr>
+        <p:spPr>
+          <a:xfrm>
+            <a:off x="5560964" y="1280160"/>
+            <a:ext cx="377134" cy="0"/>
+          </a:xfrm>
+          <a:prstGeom prst="straightConnector1">
+            <a:avLst/>
+          </a:prstGeom>
+          <a:ln>
+            <a:tailEnd type="triangle"/>
+          </a:ln>
+        </p:spPr>
+        <p:style>
+          <a:lnRef idx="1">
+            <a:schemeClr val="accent1"/>
+          </a:lnRef>
+          <a:fillRef idx="0">
+            <a:schemeClr val="accent1"/>
+          </a:fillRef>
+          <a:effectRef idx="0">
+            <a:schemeClr val="accent1"/>
+          </a:effectRef>
+          <a:fontRef idx="minor">
+            <a:schemeClr val="tx1"/>
+          </a:fontRef>
+        </p:style>
+      </p:cxnSp>
+      <p:cxnSp>
+        <p:nvCxnSpPr>
+          <p:cNvPr id="73" name="直接箭头连接符 72"/>
+          <p:cNvCxnSpPr>
+            <a:stCxn id="42" idx="3"/>
+            <a:endCxn id="50" idx="1"/>
+          </p:cNvCxnSpPr>
+          <p:nvPr/>
+        </p:nvCxnSpPr>
+        <p:spPr>
+          <a:xfrm>
+            <a:off x="5560964" y="4744620"/>
+            <a:ext cx="377134" cy="1116"/>
+          </a:xfrm>
+          <a:prstGeom prst="straightConnector1">
+            <a:avLst/>
+          </a:prstGeom>
+          <a:ln>
+            <a:tailEnd type="triangle"/>
+          </a:ln>
+        </p:spPr>
+        <p:style>
+          <a:lnRef idx="1">
+            <a:schemeClr val="accent1"/>
+          </a:lnRef>
+          <a:fillRef idx="0">
+            <a:schemeClr val="accent1"/>
+          </a:fillRef>
+          <a:effectRef idx="0">
+            <a:schemeClr val="accent1"/>
+          </a:effectRef>
+          <a:fontRef idx="minor">
+            <a:schemeClr val="tx1"/>
+          </a:fontRef>
+        </p:style>
+      </p:cxnSp>
+      <p:sp>
+        <p:nvSpPr>
+          <p:cNvPr id="74" name="圆角矩形 73"/>
+          <p:cNvSpPr/>
+          <p:nvPr/>
+        </p:nvSpPr>
+        <p:spPr>
+          <a:xfrm>
+            <a:off x="10401782" y="1705913"/>
+            <a:ext cx="1636776" cy="852029"/>
+          </a:xfrm>
+          <a:prstGeom prst="roundRect">
+            <a:avLst/>
+          </a:prstGeom>
+          <a:solidFill>
+            <a:schemeClr val="bg1"/>
+          </a:solidFill>
+        </p:spPr>
+        <p:style>
+          <a:lnRef idx="2">
+            <a:schemeClr val="accent1">
+              <a:shade val="50000"/>
+            </a:schemeClr>
+          </a:lnRef>
+          <a:fillRef idx="1">
+            <a:schemeClr val="accent1"/>
+          </a:fillRef>
+          <a:effectRef idx="0">
+            <a:schemeClr val="accent1"/>
+          </a:effectRef>
+          <a:fontRef idx="minor">
+            <a:schemeClr val="lt1"/>
+          </a:fontRef>
+        </p:style>
+        <p:txBody>
+          <a:bodyPr rtlCol="0" anchor="ctr"/>
+          <a:lstStyle/>
+          <a:p>
+            <a:pPr algn="ctr"/>
+            <a:r>
+              <a:rPr lang="en-US" altLang="zh-CN" sz="1200" dirty="0" smtClean="0">
+                <a:solidFill>
+                  <a:schemeClr val="tx1"/>
+                </a:solidFill>
+              </a:rPr>
+              <a:t>Coarse</a:t>
+            </a:r>
+          </a:p>
+          <a:p>
+            <a:pPr algn="ctr"/>
+            <a:r>
+              <a:rPr lang="en-US" altLang="zh-CN" sz="1200" dirty="0" smtClean="0">
+                <a:solidFill>
+                  <a:schemeClr val="tx1"/>
+                </a:solidFill>
+              </a:rPr>
+              <a:t>Coarse1</a:t>
+            </a:r>
+            <a:r>
+              <a:rPr lang="zh-CN" altLang="en-US" sz="1200" dirty="0" smtClean="0">
+                <a:solidFill>
+                  <a:schemeClr val="tx1"/>
+                </a:solidFill>
+              </a:rPr>
+              <a:t>和</a:t>
+            </a:r>
+            <a:r>
+              <a:rPr lang="en-US" altLang="zh-CN" sz="1200" dirty="0" smtClean="0">
+                <a:solidFill>
+                  <a:schemeClr val="tx1"/>
+                </a:solidFill>
+              </a:rPr>
+              <a:t>2</a:t>
+            </a:r>
+            <a:r>
+              <a:rPr lang="zh-CN" altLang="en-US" sz="1200" dirty="0" smtClean="0">
+                <a:solidFill>
+                  <a:schemeClr val="tx1"/>
+                </a:solidFill>
+              </a:rPr>
+              <a:t>算术平均</a:t>
+            </a:r>
+            <a:endParaRPr lang="en-US" altLang="zh-CN" sz="1200" dirty="0" smtClean="0">
+              <a:solidFill>
+                <a:schemeClr val="tx1"/>
+              </a:solidFill>
+            </a:endParaRPr>
+          </a:p>
+        </p:txBody>
+      </p:sp>
+      <p:sp>
+        <p:nvSpPr>
+          <p:cNvPr id="75" name="圆角矩形 74"/>
+          <p:cNvSpPr/>
+          <p:nvPr/>
+        </p:nvSpPr>
+        <p:spPr>
+          <a:xfrm>
+            <a:off x="10401782" y="3744060"/>
+            <a:ext cx="1636776" cy="603504"/>
+          </a:xfrm>
+          <a:prstGeom prst="roundRect">
+            <a:avLst/>
+          </a:prstGeom>
+          <a:solidFill>
+            <a:schemeClr val="bg1"/>
+          </a:solidFill>
+        </p:spPr>
+        <p:style>
+          <a:lnRef idx="2">
+            <a:schemeClr val="accent1">
+              <a:shade val="50000"/>
+            </a:schemeClr>
+          </a:lnRef>
+          <a:fillRef idx="1">
+            <a:schemeClr val="accent1"/>
+          </a:fillRef>
+          <a:effectRef idx="0">
+            <a:schemeClr val="accent1"/>
+          </a:effectRef>
+          <a:fontRef idx="minor">
+            <a:schemeClr val="lt1"/>
+          </a:fontRef>
+        </p:style>
+        <p:txBody>
+          <a:bodyPr rtlCol="0" anchor="ctr"/>
+          <a:lstStyle/>
+          <a:p>
+            <a:pPr algn="ctr"/>
+            <a:r>
+              <a:rPr lang="en-US" altLang="zh-CN" sz="1200" dirty="0" smtClean="0">
+                <a:solidFill>
+                  <a:schemeClr val="tx1"/>
+                </a:solidFill>
+              </a:rPr>
+              <a:t>Fine = Coarse + result</a:t>
+            </a:r>
+            <a:endParaRPr lang="zh-CN" altLang="en-US" sz="1200" dirty="0">
+              <a:solidFill>
+                <a:schemeClr val="tx1"/>
+              </a:solidFill>
+            </a:endParaRPr>
+          </a:p>
+        </p:txBody>
+      </p:sp>
+      <p:sp>
+        <p:nvSpPr>
+          <p:cNvPr id="76" name="圆角矩形 75"/>
+          <p:cNvSpPr/>
+          <p:nvPr/>
+        </p:nvSpPr>
+        <p:spPr>
+          <a:xfrm>
+            <a:off x="10401782" y="2749296"/>
+            <a:ext cx="1636776" cy="603504"/>
+          </a:xfrm>
+          <a:prstGeom prst="roundRect">
+            <a:avLst/>
+          </a:prstGeom>
+          <a:solidFill>
+            <a:schemeClr val="bg1"/>
+          </a:solidFill>
+        </p:spPr>
+        <p:style>
+          <a:lnRef idx="2">
+            <a:schemeClr val="accent1">
+              <a:shade val="50000"/>
+            </a:schemeClr>
+          </a:lnRef>
+          <a:fillRef idx="1">
+            <a:schemeClr val="accent1"/>
+          </a:fillRef>
+          <a:effectRef idx="0">
+            <a:schemeClr val="accent1"/>
+          </a:effectRef>
+          <a:fontRef idx="minor">
+            <a:schemeClr val="lt1"/>
+          </a:fontRef>
+        </p:style>
+        <p:txBody>
+          <a:bodyPr rtlCol="0" anchor="ctr"/>
+          <a:lstStyle/>
+          <a:p>
+            <a:pPr algn="ctr"/>
+            <a:r>
+              <a:rPr lang="en-US" altLang="zh-CN" sz="1200" dirty="0" smtClean="0">
+                <a:solidFill>
+                  <a:schemeClr val="tx1"/>
+                </a:solidFill>
+              </a:rPr>
+              <a:t>Result</a:t>
+            </a:r>
+            <a:endParaRPr lang="zh-CN" altLang="en-US" sz="1200" dirty="0">
+              <a:solidFill>
+                <a:schemeClr val="tx1"/>
+              </a:solidFill>
+            </a:endParaRPr>
+          </a:p>
+        </p:txBody>
+      </p:sp>
+      <p:cxnSp>
+        <p:nvCxnSpPr>
+          <p:cNvPr id="78" name="直接箭头连接符 77"/>
+          <p:cNvCxnSpPr>
+            <a:stCxn id="55" idx="3"/>
+            <a:endCxn id="76" idx="1"/>
+          </p:cNvCxnSpPr>
+          <p:nvPr/>
+        </p:nvCxnSpPr>
+        <p:spPr>
+          <a:xfrm>
+            <a:off x="10085832" y="3051048"/>
+            <a:ext cx="315950" cy="0"/>
+          </a:xfrm>
+          <a:prstGeom prst="straightConnector1">
+            <a:avLst/>
+          </a:prstGeom>
+          <a:ln>
+            <a:tailEnd type="triangle"/>
+          </a:ln>
+        </p:spPr>
+        <p:style>
+          <a:lnRef idx="1">
+            <a:schemeClr val="accent1"/>
+          </a:lnRef>
+          <a:fillRef idx="0">
+            <a:schemeClr val="accent1"/>
+          </a:fillRef>
+          <a:effectRef idx="0">
+            <a:schemeClr val="accent1"/>
+          </a:effectRef>
+          <a:fontRef idx="minor">
+            <a:schemeClr val="tx1"/>
+          </a:fontRef>
+        </p:style>
+      </p:cxnSp>
+    </p:spTree>
+    <p:extLst>
+      <p:ext uri="{BB962C8B-B14F-4D97-AF65-F5344CB8AC3E}">
+        <p14:creationId xmlns:p14="http://schemas.microsoft.com/office/powerpoint/2010/main" val="846477752"/>
       </p:ext>
     </p:extLst>
   </p:cSld>

--- a/note/Network.pptx
+++ b/note/Network.pptx
@@ -7,6 +7,7 @@
   <p:sldIdLst>
     <p:sldId id="256" r:id="rId2"/>
     <p:sldId id="257" r:id="rId3"/>
+    <p:sldId id="258" r:id="rId4"/>
   </p:sldIdLst>
   <p:sldSz cx="12192000" cy="6858000"/>
   <p:notesSz cx="6858000" cy="9144000"/>
@@ -244,7 +245,7 @@
           <a:p>
             <a:fld id="{41E7E009-EED8-4825-AE50-6EFD9C3C2188}" type="datetimeFigureOut">
               <a:rPr lang="zh-CN" altLang="en-US" smtClean="0"/>
-              <a:t>2020/9/5</a:t>
+              <a:t>2020/9/6</a:t>
             </a:fld>
             <a:endParaRPr lang="zh-CN" altLang="en-US"/>
           </a:p>
@@ -414,7 +415,7 @@
           <a:p>
             <a:fld id="{41E7E009-EED8-4825-AE50-6EFD9C3C2188}" type="datetimeFigureOut">
               <a:rPr lang="zh-CN" altLang="en-US" smtClean="0"/>
-              <a:t>2020/9/5</a:t>
+              <a:t>2020/9/6</a:t>
             </a:fld>
             <a:endParaRPr lang="zh-CN" altLang="en-US"/>
           </a:p>
@@ -594,7 +595,7 @@
           <a:p>
             <a:fld id="{41E7E009-EED8-4825-AE50-6EFD9C3C2188}" type="datetimeFigureOut">
               <a:rPr lang="zh-CN" altLang="en-US" smtClean="0"/>
-              <a:t>2020/9/5</a:t>
+              <a:t>2020/9/6</a:t>
             </a:fld>
             <a:endParaRPr lang="zh-CN" altLang="en-US"/>
           </a:p>
@@ -764,7 +765,7 @@
           <a:p>
             <a:fld id="{41E7E009-EED8-4825-AE50-6EFD9C3C2188}" type="datetimeFigureOut">
               <a:rPr lang="zh-CN" altLang="en-US" smtClean="0"/>
-              <a:t>2020/9/5</a:t>
+              <a:t>2020/9/6</a:t>
             </a:fld>
             <a:endParaRPr lang="zh-CN" altLang="en-US"/>
           </a:p>
@@ -1010,7 +1011,7 @@
           <a:p>
             <a:fld id="{41E7E009-EED8-4825-AE50-6EFD9C3C2188}" type="datetimeFigureOut">
               <a:rPr lang="zh-CN" altLang="en-US" smtClean="0"/>
-              <a:t>2020/9/5</a:t>
+              <a:t>2020/9/6</a:t>
             </a:fld>
             <a:endParaRPr lang="zh-CN" altLang="en-US"/>
           </a:p>
@@ -1242,7 +1243,7 @@
           <a:p>
             <a:fld id="{41E7E009-EED8-4825-AE50-6EFD9C3C2188}" type="datetimeFigureOut">
               <a:rPr lang="zh-CN" altLang="en-US" smtClean="0"/>
-              <a:t>2020/9/5</a:t>
+              <a:t>2020/9/6</a:t>
             </a:fld>
             <a:endParaRPr lang="zh-CN" altLang="en-US"/>
           </a:p>
@@ -1609,7 +1610,7 @@
           <a:p>
             <a:fld id="{41E7E009-EED8-4825-AE50-6EFD9C3C2188}" type="datetimeFigureOut">
               <a:rPr lang="zh-CN" altLang="en-US" smtClean="0"/>
-              <a:t>2020/9/5</a:t>
+              <a:t>2020/9/6</a:t>
             </a:fld>
             <a:endParaRPr lang="zh-CN" altLang="en-US"/>
           </a:p>
@@ -1727,7 +1728,7 @@
           <a:p>
             <a:fld id="{41E7E009-EED8-4825-AE50-6EFD9C3C2188}" type="datetimeFigureOut">
               <a:rPr lang="zh-CN" altLang="en-US" smtClean="0"/>
-              <a:t>2020/9/5</a:t>
+              <a:t>2020/9/6</a:t>
             </a:fld>
             <a:endParaRPr lang="zh-CN" altLang="en-US"/>
           </a:p>
@@ -1822,7 +1823,7 @@
           <a:p>
             <a:fld id="{41E7E009-EED8-4825-AE50-6EFD9C3C2188}" type="datetimeFigureOut">
               <a:rPr lang="zh-CN" altLang="en-US" smtClean="0"/>
-              <a:t>2020/9/5</a:t>
+              <a:t>2020/9/6</a:t>
             </a:fld>
             <a:endParaRPr lang="zh-CN" altLang="en-US"/>
           </a:p>
@@ -2099,7 +2100,7 @@
           <a:p>
             <a:fld id="{41E7E009-EED8-4825-AE50-6EFD9C3C2188}" type="datetimeFigureOut">
               <a:rPr lang="zh-CN" altLang="en-US" smtClean="0"/>
-              <a:t>2020/9/5</a:t>
+              <a:t>2020/9/6</a:t>
             </a:fld>
             <a:endParaRPr lang="zh-CN" altLang="en-US"/>
           </a:p>
@@ -2352,7 +2353,7 @@
           <a:p>
             <a:fld id="{41E7E009-EED8-4825-AE50-6EFD9C3C2188}" type="datetimeFigureOut">
               <a:rPr lang="zh-CN" altLang="en-US" smtClean="0"/>
-              <a:t>2020/9/5</a:t>
+              <a:t>2020/9/6</a:t>
             </a:fld>
             <a:endParaRPr lang="zh-CN" altLang="en-US"/>
           </a:p>
@@ -2565,7 +2566,7 @@
           <a:p>
             <a:fld id="{41E7E009-EED8-4825-AE50-6EFD9C3C2188}" type="datetimeFigureOut">
               <a:rPr lang="zh-CN" altLang="en-US" smtClean="0"/>
-              <a:t>2020/9/5</a:t>
+              <a:t>2020/9/6</a:t>
             </a:fld>
             <a:endParaRPr lang="zh-CN" altLang="en-US"/>
           </a:p>
@@ -4608,7 +4609,7 @@
         </p:nvSpPr>
         <p:spPr>
           <a:xfrm>
-            <a:off x="0" y="978408"/>
+            <a:off x="1931614" y="978408"/>
             <a:ext cx="1636776" cy="603504"/>
           </a:xfrm>
           <a:prstGeom prst="roundRect">
@@ -4640,28 +4641,12 @@
           <a:p>
             <a:pPr algn="ctr"/>
             <a:r>
-              <a:rPr lang="en-US" altLang="zh-CN" sz="1200" dirty="0" err="1" smtClean="0">
+              <a:rPr lang="en-US" altLang="zh-CN" sz="1200" dirty="0" smtClean="0">
                 <a:solidFill>
                   <a:schemeClr val="tx1"/>
                 </a:solidFill>
               </a:rPr>
-              <a:t>ShapeNet</a:t>
-            </a:r>
-            <a:r>
-              <a:rPr lang="zh-CN" altLang="en-US" sz="1200" dirty="0">
-                <a:solidFill>
-                  <a:schemeClr val="tx1"/>
-                </a:solidFill>
-              </a:rPr>
-              <a:t>不</a:t>
-            </a:r>
-            <a:r>
-              <a:rPr lang="zh-CN" altLang="en-US" sz="1200" dirty="0" smtClean="0">
-                <a:solidFill>
-                  <a:schemeClr val="tx1"/>
-                </a:solidFill>
-              </a:rPr>
-              <a:t>完整</a:t>
+              <a:t>Feature 1</a:t>
             </a:r>
             <a:endParaRPr lang="zh-CN" altLang="en-US" sz="1200" dirty="0">
               <a:solidFill>
@@ -4679,7 +4664,7 @@
         </p:nvSpPr>
         <p:spPr>
           <a:xfrm>
-            <a:off x="0" y="4478478"/>
+            <a:off x="1931614" y="4455060"/>
             <a:ext cx="1636776" cy="591312"/>
           </a:xfrm>
           <a:prstGeom prst="roundRect">
@@ -4711,20 +4696,12 @@
           <a:p>
             <a:pPr algn="ctr"/>
             <a:r>
-              <a:rPr lang="en-US" altLang="zh-CN" sz="1200" dirty="0" err="1" smtClean="0">
+              <a:rPr lang="en-US" altLang="zh-CN" sz="1200" dirty="0" smtClean="0">
                 <a:solidFill>
                   <a:schemeClr val="tx1"/>
                 </a:solidFill>
               </a:rPr>
-              <a:t>Shapenet</a:t>
-            </a:r>
-            <a:r>
-              <a:rPr lang="zh-CN" altLang="en-US" sz="1200" dirty="0" smtClean="0">
-                <a:solidFill>
-                  <a:schemeClr val="tx1"/>
-                </a:solidFill>
-              </a:rPr>
-              <a:t>完整</a:t>
+              <a:t>Feature 2</a:t>
             </a:r>
             <a:endParaRPr lang="en-US" altLang="zh-CN" sz="1200" dirty="0" smtClean="0">
               <a:solidFill>
@@ -4732,33 +4709,17 @@
               </a:solidFill>
             </a:endParaRPr>
           </a:p>
-          <a:p>
-            <a:pPr algn="ctr"/>
-            <a:r>
-              <a:rPr lang="zh-CN" altLang="en-US" sz="1200" smtClean="0">
-                <a:solidFill>
-                  <a:schemeClr val="tx1"/>
-                </a:solidFill>
-              </a:rPr>
-              <a:t>测试是不完整</a:t>
-            </a:r>
-            <a:endParaRPr lang="zh-CN" altLang="en-US" sz="1200" dirty="0">
-              <a:solidFill>
-                <a:schemeClr val="tx1"/>
-              </a:solidFill>
-            </a:endParaRPr>
-          </a:p>
-        </p:txBody>
-      </p:sp>
-      <p:sp>
-        <p:nvSpPr>
-          <p:cNvPr id="10" name="圆角矩形 9"/>
+        </p:txBody>
+      </p:sp>
+      <p:sp>
+        <p:nvSpPr>
+          <p:cNvPr id="36" name="圆角矩形 35"/>
           <p:cNvSpPr/>
           <p:nvPr/>
         </p:nvSpPr>
         <p:spPr>
           <a:xfrm>
-            <a:off x="1952950" y="978408"/>
+            <a:off x="3945524" y="978408"/>
             <a:ext cx="1615440" cy="603504"/>
           </a:xfrm>
           <a:prstGeom prst="roundRect">
@@ -4788,19 +4749,22 @@
             <a:pPr algn="ctr"/>
             <a:r>
               <a:rPr lang="en-US" altLang="zh-CN" sz="1200" dirty="0" smtClean="0"/>
-              <a:t>Encoder1</a:t>
-            </a:r>
-            <a:endParaRPr lang="en-US" altLang="zh-CN" sz="1200" dirty="0" smtClean="0"/>
+              <a:t>MLP1</a:t>
+            </a:r>
           </a:p>
           <a:p>
             <a:pPr algn="ctr"/>
             <a:r>
               <a:rPr lang="en-US" altLang="zh-CN" sz="1200" dirty="0" smtClean="0"/>
-              <a:t>PCN </a:t>
+              <a:t>PCN decoder</a:t>
+            </a:r>
+            <a:r>
+              <a:rPr lang="zh-CN" altLang="en-US" sz="1200" dirty="0" smtClean="0"/>
+              <a:t>的</a:t>
             </a:r>
             <a:r>
               <a:rPr lang="en-US" altLang="zh-CN" sz="1200" dirty="0" smtClean="0"/>
-              <a:t>encoder</a:t>
+              <a:t>MLP</a:t>
             </a:r>
             <a:endParaRPr lang="zh-CN" altLang="en-US" sz="1200" dirty="0"/>
           </a:p>
@@ -4808,14 +4772,14 @@
       </p:sp>
       <p:sp>
         <p:nvSpPr>
-          <p:cNvPr id="12" name="圆角矩形 11"/>
+          <p:cNvPr id="42" name="圆角矩形 41"/>
           <p:cNvSpPr/>
           <p:nvPr/>
         </p:nvSpPr>
         <p:spPr>
           <a:xfrm>
-            <a:off x="1952950" y="4423614"/>
-            <a:ext cx="1679448" cy="646176"/>
+            <a:off x="3945524" y="4442868"/>
+            <a:ext cx="1615440" cy="603504"/>
           </a:xfrm>
           <a:prstGeom prst="roundRect">
             <a:avLst/>
@@ -4844,192 +4808,6 @@
             <a:pPr algn="ctr"/>
             <a:r>
               <a:rPr lang="en-US" altLang="zh-CN" sz="1200" dirty="0" smtClean="0"/>
-              <a:t>Encoder2</a:t>
-            </a:r>
-            <a:endParaRPr lang="en-US" altLang="zh-CN" sz="1200" dirty="0" smtClean="0"/>
-          </a:p>
-          <a:p>
-            <a:pPr algn="ctr"/>
-            <a:r>
-              <a:rPr lang="en-US" altLang="zh-CN" sz="1200" dirty="0" smtClean="0"/>
-              <a:t>PCN </a:t>
-            </a:r>
-            <a:r>
-              <a:rPr lang="en-US" altLang="zh-CN" sz="1200" dirty="0" smtClean="0"/>
-              <a:t>encoder</a:t>
-            </a:r>
-            <a:endParaRPr lang="zh-CN" altLang="en-US" sz="1200" dirty="0"/>
-          </a:p>
-        </p:txBody>
-      </p:sp>
-      <p:cxnSp>
-        <p:nvCxnSpPr>
-          <p:cNvPr id="25" name="直接箭头连接符 24"/>
-          <p:cNvCxnSpPr>
-            <a:stCxn id="4" idx="3"/>
-            <a:endCxn id="10" idx="1"/>
-          </p:cNvCxnSpPr>
-          <p:nvPr/>
-        </p:nvCxnSpPr>
-        <p:spPr>
-          <a:xfrm>
-            <a:off x="1636776" y="1280160"/>
-            <a:ext cx="316174" cy="0"/>
-          </a:xfrm>
-          <a:prstGeom prst="straightConnector1">
-            <a:avLst/>
-          </a:prstGeom>
-          <a:ln>
-            <a:tailEnd type="triangle"/>
-          </a:ln>
-        </p:spPr>
-        <p:style>
-          <a:lnRef idx="1">
-            <a:schemeClr val="accent1"/>
-          </a:lnRef>
-          <a:fillRef idx="0">
-            <a:schemeClr val="accent1"/>
-          </a:fillRef>
-          <a:effectRef idx="0">
-            <a:schemeClr val="accent1"/>
-          </a:effectRef>
-          <a:fontRef idx="minor">
-            <a:schemeClr val="tx1"/>
-          </a:fontRef>
-        </p:style>
-      </p:cxnSp>
-      <p:cxnSp>
-        <p:nvCxnSpPr>
-          <p:cNvPr id="27" name="直接箭头连接符 26"/>
-          <p:cNvCxnSpPr>
-            <a:endCxn id="12" idx="1"/>
-          </p:cNvCxnSpPr>
-          <p:nvPr/>
-        </p:nvCxnSpPr>
-        <p:spPr>
-          <a:xfrm>
-            <a:off x="1636776" y="4738524"/>
-            <a:ext cx="316174" cy="8178"/>
-          </a:xfrm>
-          <a:prstGeom prst="straightConnector1">
-            <a:avLst/>
-          </a:prstGeom>
-          <a:ln>
-            <a:tailEnd type="triangle"/>
-          </a:ln>
-        </p:spPr>
-        <p:style>
-          <a:lnRef idx="1">
-            <a:schemeClr val="accent1"/>
-          </a:lnRef>
-          <a:fillRef idx="0">
-            <a:schemeClr val="accent1"/>
-          </a:fillRef>
-          <a:effectRef idx="0">
-            <a:schemeClr val="accent1"/>
-          </a:effectRef>
-          <a:fontRef idx="minor">
-            <a:schemeClr val="tx1"/>
-          </a:fontRef>
-        </p:style>
-      </p:cxnSp>
-      <p:sp>
-        <p:nvSpPr>
-          <p:cNvPr id="36" name="圆角矩形 35"/>
-          <p:cNvSpPr/>
-          <p:nvPr/>
-        </p:nvSpPr>
-        <p:spPr>
-          <a:xfrm>
-            <a:off x="3945524" y="978408"/>
-            <a:ext cx="1615440" cy="603504"/>
-          </a:xfrm>
-          <a:prstGeom prst="roundRect">
-            <a:avLst/>
-          </a:prstGeom>
-        </p:spPr>
-        <p:style>
-          <a:lnRef idx="2">
-            <a:schemeClr val="accent1">
-              <a:shade val="50000"/>
-            </a:schemeClr>
-          </a:lnRef>
-          <a:fillRef idx="1">
-            <a:schemeClr val="accent1"/>
-          </a:fillRef>
-          <a:effectRef idx="0">
-            <a:schemeClr val="accent1"/>
-          </a:effectRef>
-          <a:fontRef idx="minor">
-            <a:schemeClr val="lt1"/>
-          </a:fontRef>
-        </p:style>
-        <p:txBody>
-          <a:bodyPr rtlCol="0" anchor="ctr"/>
-          <a:lstStyle/>
-          <a:p>
-            <a:pPr algn="ctr"/>
-            <a:r>
-              <a:rPr lang="en-US" altLang="zh-CN" sz="1200" dirty="0" smtClean="0"/>
-              <a:t>MLP1</a:t>
-            </a:r>
-          </a:p>
-          <a:p>
-            <a:pPr algn="ctr"/>
-            <a:r>
-              <a:rPr lang="en-US" altLang="zh-CN" sz="1200" dirty="0" smtClean="0"/>
-              <a:t>PCN decoder</a:t>
-            </a:r>
-            <a:r>
-              <a:rPr lang="zh-CN" altLang="en-US" sz="1200" dirty="0" smtClean="0"/>
-              <a:t>的</a:t>
-            </a:r>
-            <a:r>
-              <a:rPr lang="en-US" altLang="zh-CN" sz="1200" dirty="0" smtClean="0"/>
-              <a:t>MLP</a:t>
-            </a:r>
-            <a:endParaRPr lang="zh-CN" altLang="en-US" sz="1200" dirty="0"/>
-          </a:p>
-        </p:txBody>
-      </p:sp>
-      <p:sp>
-        <p:nvSpPr>
-          <p:cNvPr id="42" name="圆角矩形 41"/>
-          <p:cNvSpPr/>
-          <p:nvPr/>
-        </p:nvSpPr>
-        <p:spPr>
-          <a:xfrm>
-            <a:off x="3945524" y="4442868"/>
-            <a:ext cx="1615440" cy="603504"/>
-          </a:xfrm>
-          <a:prstGeom prst="roundRect">
-            <a:avLst/>
-          </a:prstGeom>
-        </p:spPr>
-        <p:style>
-          <a:lnRef idx="2">
-            <a:schemeClr val="accent1">
-              <a:shade val="50000"/>
-            </a:schemeClr>
-          </a:lnRef>
-          <a:fillRef idx="1">
-            <a:schemeClr val="accent1"/>
-          </a:fillRef>
-          <a:effectRef idx="0">
-            <a:schemeClr val="accent1"/>
-          </a:effectRef>
-          <a:fontRef idx="minor">
-            <a:schemeClr val="lt1"/>
-          </a:fontRef>
-        </p:style>
-        <p:txBody>
-          <a:bodyPr rtlCol="0" anchor="ctr"/>
-          <a:lstStyle/>
-          <a:p>
-            <a:pPr algn="ctr"/>
-            <a:r>
-              <a:rPr lang="en-US" altLang="zh-CN" sz="1200" dirty="0" smtClean="0"/>
               <a:t>MLP2</a:t>
             </a:r>
           </a:p>
@@ -5055,7 +4833,6 @@
         <p:nvCxnSpPr>
           <p:cNvPr id="18" name="直接箭头连接符 17"/>
           <p:cNvCxnSpPr>
-            <a:stCxn id="10" idx="3"/>
             <a:endCxn id="36" idx="1"/>
           </p:cNvCxnSpPr>
           <p:nvPr/>
@@ -5091,15 +4868,15 @@
         <p:nvCxnSpPr>
           <p:cNvPr id="24" name="直接箭头连接符 23"/>
           <p:cNvCxnSpPr>
-            <a:stCxn id="12" idx="3"/>
+            <a:stCxn id="6" idx="3"/>
             <a:endCxn id="42" idx="1"/>
           </p:cNvCxnSpPr>
           <p:nvPr/>
         </p:nvCxnSpPr>
         <p:spPr>
           <a:xfrm flipV="1">
-            <a:off x="3632398" y="4744620"/>
-            <a:ext cx="313126" cy="2082"/>
+            <a:off x="3568390" y="4744620"/>
+            <a:ext cx="377134" cy="6096"/>
           </a:xfrm>
           <a:prstGeom prst="straightConnector1">
             <a:avLst/>
@@ -5273,12 +5050,12 @@
           <a:p>
             <a:pPr algn="ctr"/>
             <a:r>
-              <a:rPr lang="zh-CN" altLang="en-US" sz="1200" dirty="0" smtClean="0">
+              <a:rPr lang="en-US" altLang="zh-CN" sz="1200" dirty="0" smtClean="0">
                 <a:solidFill>
                   <a:schemeClr val="tx1"/>
                 </a:solidFill>
               </a:rPr>
-              <a:t>不完整特征</a:t>
+              <a:t>Feature 1</a:t>
             </a:r>
             <a:endParaRPr lang="zh-CN" altLang="en-US" sz="1200" dirty="0">
               <a:solidFill>
@@ -5328,12 +5105,12 @@
           <a:p>
             <a:pPr algn="ctr"/>
             <a:r>
-              <a:rPr lang="zh-CN" altLang="en-US" sz="1200" dirty="0" smtClean="0">
+              <a:rPr lang="en-US" altLang="zh-CN" sz="1200" dirty="0" smtClean="0">
                 <a:solidFill>
                   <a:schemeClr val="tx1"/>
                 </a:solidFill>
               </a:rPr>
-              <a:t>完整特征</a:t>
+              <a:t>Feature 2</a:t>
             </a:r>
             <a:endParaRPr lang="zh-CN" altLang="en-US" sz="1200" dirty="0">
               <a:solidFill>
@@ -5958,6 +5735,792 @@
     <p:extLst>
       <p:ext uri="{BB962C8B-B14F-4D97-AF65-F5344CB8AC3E}">
         <p14:creationId xmlns:p14="http://schemas.microsoft.com/office/powerpoint/2010/main" val="846477752"/>
+      </p:ext>
+    </p:extLst>
+  </p:cSld>
+  <p:clrMapOvr>
+    <a:masterClrMapping/>
+  </p:clrMapOvr>
+</p:sld>
+</file>
+
+<file path=ppt/slides/slide3.xml><?xml version="1.0" encoding="utf-8"?>
+<p:sld xmlns:a="http://schemas.openxmlformats.org/drawingml/2006/main" xmlns:r="http://schemas.openxmlformats.org/officeDocument/2006/relationships" xmlns:p="http://schemas.openxmlformats.org/presentationml/2006/main">
+  <p:cSld>
+    <p:spTree>
+      <p:nvGrpSpPr>
+        <p:cNvPr id="1" name=""/>
+        <p:cNvGrpSpPr/>
+        <p:nvPr/>
+      </p:nvGrpSpPr>
+      <p:grpSpPr>
+        <a:xfrm>
+          <a:off x="0" y="0"/>
+          <a:ext cx="0" cy="0"/>
+          <a:chOff x="0" y="0"/>
+          <a:chExt cx="0" cy="0"/>
+        </a:xfrm>
+      </p:grpSpPr>
+      <p:sp>
+        <p:nvSpPr>
+          <p:cNvPr id="4" name="圆角矩形 3"/>
+          <p:cNvSpPr/>
+          <p:nvPr/>
+        </p:nvSpPr>
+        <p:spPr>
+          <a:xfrm>
+            <a:off x="987552" y="1033272"/>
+            <a:ext cx="1636776" cy="603504"/>
+          </a:xfrm>
+          <a:prstGeom prst="roundRect">
+            <a:avLst/>
+          </a:prstGeom>
+          <a:solidFill>
+            <a:schemeClr val="bg1"/>
+          </a:solidFill>
+        </p:spPr>
+        <p:style>
+          <a:lnRef idx="2">
+            <a:schemeClr val="accent1">
+              <a:shade val="50000"/>
+            </a:schemeClr>
+          </a:lnRef>
+          <a:fillRef idx="1">
+            <a:schemeClr val="accent1"/>
+          </a:fillRef>
+          <a:effectRef idx="0">
+            <a:schemeClr val="accent1"/>
+          </a:effectRef>
+          <a:fontRef idx="minor">
+            <a:schemeClr val="lt1"/>
+          </a:fontRef>
+        </p:style>
+        <p:txBody>
+          <a:bodyPr rtlCol="0" anchor="ctr"/>
+          <a:lstStyle/>
+          <a:p>
+            <a:pPr algn="ctr"/>
+            <a:r>
+              <a:rPr lang="en-US" altLang="zh-CN" sz="1200" dirty="0" err="1" smtClean="0">
+                <a:solidFill>
+                  <a:schemeClr val="tx1"/>
+                </a:solidFill>
+              </a:rPr>
+              <a:t>ShapeNet</a:t>
+            </a:r>
+            <a:r>
+              <a:rPr lang="zh-CN" altLang="en-US" sz="1200" dirty="0">
+                <a:solidFill>
+                  <a:schemeClr val="tx1"/>
+                </a:solidFill>
+              </a:rPr>
+              <a:t>不</a:t>
+            </a:r>
+            <a:r>
+              <a:rPr lang="zh-CN" altLang="en-US" sz="1200" dirty="0" smtClean="0">
+                <a:solidFill>
+                  <a:schemeClr val="tx1"/>
+                </a:solidFill>
+              </a:rPr>
+              <a:t>完整</a:t>
+            </a:r>
+            <a:endParaRPr lang="zh-CN" altLang="en-US" sz="1200" dirty="0">
+              <a:solidFill>
+                <a:schemeClr val="tx1"/>
+              </a:solidFill>
+            </a:endParaRPr>
+          </a:p>
+        </p:txBody>
+      </p:sp>
+      <p:sp>
+        <p:nvSpPr>
+          <p:cNvPr id="5" name="圆角矩形 4"/>
+          <p:cNvSpPr/>
+          <p:nvPr/>
+        </p:nvSpPr>
+        <p:spPr>
+          <a:xfrm>
+            <a:off x="987552" y="4044621"/>
+            <a:ext cx="1636776" cy="591312"/>
+          </a:xfrm>
+          <a:prstGeom prst="roundRect">
+            <a:avLst/>
+          </a:prstGeom>
+          <a:solidFill>
+            <a:schemeClr val="bg1"/>
+          </a:solidFill>
+        </p:spPr>
+        <p:style>
+          <a:lnRef idx="2">
+            <a:schemeClr val="accent1">
+              <a:shade val="50000"/>
+            </a:schemeClr>
+          </a:lnRef>
+          <a:fillRef idx="1">
+            <a:schemeClr val="accent1"/>
+          </a:fillRef>
+          <a:effectRef idx="0">
+            <a:schemeClr val="accent1"/>
+          </a:effectRef>
+          <a:fontRef idx="minor">
+            <a:schemeClr val="lt1"/>
+          </a:fontRef>
+        </p:style>
+        <p:txBody>
+          <a:bodyPr rtlCol="0" anchor="ctr"/>
+          <a:lstStyle/>
+          <a:p>
+            <a:pPr algn="ctr"/>
+            <a:r>
+              <a:rPr lang="en-US" altLang="zh-CN" sz="1200" dirty="0" err="1" smtClean="0">
+                <a:solidFill>
+                  <a:schemeClr val="tx1"/>
+                </a:solidFill>
+              </a:rPr>
+              <a:t>Shapenet</a:t>
+            </a:r>
+            <a:r>
+              <a:rPr lang="zh-CN" altLang="en-US" sz="1200" dirty="0" smtClean="0">
+                <a:solidFill>
+                  <a:schemeClr val="tx1"/>
+                </a:solidFill>
+              </a:rPr>
+              <a:t>完整</a:t>
+            </a:r>
+            <a:endParaRPr lang="en-US" altLang="zh-CN" sz="1200" dirty="0" smtClean="0">
+              <a:solidFill>
+                <a:schemeClr val="tx1"/>
+              </a:solidFill>
+            </a:endParaRPr>
+          </a:p>
+          <a:p>
+            <a:pPr algn="ctr"/>
+            <a:r>
+              <a:rPr lang="en-US" altLang="zh-CN" sz="1200" dirty="0" smtClean="0">
+                <a:solidFill>
+                  <a:schemeClr val="tx1"/>
+                </a:solidFill>
+              </a:rPr>
+              <a:t>Positive</a:t>
+            </a:r>
+            <a:endParaRPr lang="en-US" altLang="zh-CN" sz="1200" dirty="0" smtClean="0">
+              <a:solidFill>
+                <a:schemeClr val="tx1"/>
+              </a:solidFill>
+            </a:endParaRPr>
+          </a:p>
+        </p:txBody>
+      </p:sp>
+      <p:sp>
+        <p:nvSpPr>
+          <p:cNvPr id="6" name="圆角矩形 5"/>
+          <p:cNvSpPr/>
+          <p:nvPr/>
+        </p:nvSpPr>
+        <p:spPr>
+          <a:xfrm>
+            <a:off x="2940502" y="1033272"/>
+            <a:ext cx="1615440" cy="603504"/>
+          </a:xfrm>
+          <a:prstGeom prst="roundRect">
+            <a:avLst/>
+          </a:prstGeom>
+        </p:spPr>
+        <p:style>
+          <a:lnRef idx="2">
+            <a:schemeClr val="accent1">
+              <a:shade val="50000"/>
+            </a:schemeClr>
+          </a:lnRef>
+          <a:fillRef idx="1">
+            <a:schemeClr val="accent1"/>
+          </a:fillRef>
+          <a:effectRef idx="0">
+            <a:schemeClr val="accent1"/>
+          </a:effectRef>
+          <a:fontRef idx="minor">
+            <a:schemeClr val="lt1"/>
+          </a:fontRef>
+        </p:style>
+        <p:txBody>
+          <a:bodyPr rtlCol="0" anchor="ctr"/>
+          <a:lstStyle/>
+          <a:p>
+            <a:pPr algn="ctr"/>
+            <a:r>
+              <a:rPr lang="en-US" altLang="zh-CN" sz="1200" dirty="0" smtClean="0"/>
+              <a:t>Encoder1</a:t>
+            </a:r>
+          </a:p>
+          <a:p>
+            <a:pPr algn="ctr"/>
+            <a:r>
+              <a:rPr lang="en-US" altLang="zh-CN" sz="1200" dirty="0" smtClean="0"/>
+              <a:t>PCN encoder</a:t>
+            </a:r>
+            <a:endParaRPr lang="zh-CN" altLang="en-US" sz="1200" dirty="0"/>
+          </a:p>
+        </p:txBody>
+      </p:sp>
+      <p:sp>
+        <p:nvSpPr>
+          <p:cNvPr id="7" name="圆角矩形 6"/>
+          <p:cNvSpPr/>
+          <p:nvPr/>
+        </p:nvSpPr>
+        <p:spPr>
+          <a:xfrm>
+            <a:off x="2876494" y="4468255"/>
+            <a:ext cx="1679448" cy="646176"/>
+          </a:xfrm>
+          <a:prstGeom prst="roundRect">
+            <a:avLst/>
+          </a:prstGeom>
+        </p:spPr>
+        <p:style>
+          <a:lnRef idx="2">
+            <a:schemeClr val="accent1">
+              <a:shade val="50000"/>
+            </a:schemeClr>
+          </a:lnRef>
+          <a:fillRef idx="1">
+            <a:schemeClr val="accent1"/>
+          </a:fillRef>
+          <a:effectRef idx="0">
+            <a:schemeClr val="accent1"/>
+          </a:effectRef>
+          <a:fontRef idx="minor">
+            <a:schemeClr val="lt1"/>
+          </a:fontRef>
+        </p:style>
+        <p:txBody>
+          <a:bodyPr rtlCol="0" anchor="ctr"/>
+          <a:lstStyle/>
+          <a:p>
+            <a:pPr algn="ctr"/>
+            <a:r>
+              <a:rPr lang="en-US" altLang="zh-CN" sz="1200" dirty="0" smtClean="0"/>
+              <a:t>Encoder2</a:t>
+            </a:r>
+          </a:p>
+          <a:p>
+            <a:pPr algn="ctr"/>
+            <a:r>
+              <a:rPr lang="en-US" altLang="zh-CN" sz="1200" dirty="0" smtClean="0"/>
+              <a:t>PCN encoder</a:t>
+            </a:r>
+            <a:endParaRPr lang="zh-CN" altLang="en-US" sz="1200" dirty="0"/>
+          </a:p>
+        </p:txBody>
+      </p:sp>
+      <p:cxnSp>
+        <p:nvCxnSpPr>
+          <p:cNvPr id="8" name="直接箭头连接符 7"/>
+          <p:cNvCxnSpPr>
+            <a:stCxn id="4" idx="3"/>
+            <a:endCxn id="6" idx="1"/>
+          </p:cNvCxnSpPr>
+          <p:nvPr/>
+        </p:nvCxnSpPr>
+        <p:spPr>
+          <a:xfrm>
+            <a:off x="2624328" y="1335024"/>
+            <a:ext cx="316174" cy="0"/>
+          </a:xfrm>
+          <a:prstGeom prst="straightConnector1">
+            <a:avLst/>
+          </a:prstGeom>
+          <a:ln>
+            <a:tailEnd type="triangle"/>
+          </a:ln>
+        </p:spPr>
+        <p:style>
+          <a:lnRef idx="1">
+            <a:schemeClr val="accent1"/>
+          </a:lnRef>
+          <a:fillRef idx="0">
+            <a:schemeClr val="accent1"/>
+          </a:fillRef>
+          <a:effectRef idx="0">
+            <a:schemeClr val="accent1"/>
+          </a:effectRef>
+          <a:fontRef idx="minor">
+            <a:schemeClr val="tx1"/>
+          </a:fontRef>
+        </p:style>
+      </p:cxnSp>
+      <p:sp>
+        <p:nvSpPr>
+          <p:cNvPr id="12" name="圆角矩形 11"/>
+          <p:cNvSpPr/>
+          <p:nvPr/>
+        </p:nvSpPr>
+        <p:spPr>
+          <a:xfrm>
+            <a:off x="5003998" y="3057144"/>
+            <a:ext cx="1615440" cy="603504"/>
+          </a:xfrm>
+          <a:prstGeom prst="roundRect">
+            <a:avLst/>
+          </a:prstGeom>
+        </p:spPr>
+        <p:style>
+          <a:lnRef idx="2">
+            <a:schemeClr val="accent1">
+              <a:shade val="50000"/>
+            </a:schemeClr>
+          </a:lnRef>
+          <a:fillRef idx="1">
+            <a:schemeClr val="accent1"/>
+          </a:fillRef>
+          <a:effectRef idx="0">
+            <a:schemeClr val="accent1"/>
+          </a:effectRef>
+          <a:fontRef idx="minor">
+            <a:schemeClr val="lt1"/>
+          </a:fontRef>
+        </p:style>
+        <p:txBody>
+          <a:bodyPr rtlCol="0" anchor="ctr"/>
+          <a:lstStyle/>
+          <a:p>
+            <a:pPr algn="ctr"/>
+            <a:r>
+              <a:rPr lang="en-US" altLang="zh-CN" sz="1200" dirty="0" smtClean="0"/>
+              <a:t>Decoder</a:t>
+            </a:r>
+          </a:p>
+        </p:txBody>
+      </p:sp>
+      <p:sp>
+        <p:nvSpPr>
+          <p:cNvPr id="13" name="圆角矩形 12"/>
+          <p:cNvSpPr/>
+          <p:nvPr/>
+        </p:nvSpPr>
+        <p:spPr>
+          <a:xfrm>
+            <a:off x="5003998" y="1770888"/>
+            <a:ext cx="1636776" cy="603504"/>
+          </a:xfrm>
+          <a:prstGeom prst="roundRect">
+            <a:avLst/>
+          </a:prstGeom>
+          <a:solidFill>
+            <a:schemeClr val="bg1"/>
+          </a:solidFill>
+        </p:spPr>
+        <p:style>
+          <a:lnRef idx="2">
+            <a:schemeClr val="accent1">
+              <a:shade val="50000"/>
+            </a:schemeClr>
+          </a:lnRef>
+          <a:fillRef idx="1">
+            <a:schemeClr val="accent1"/>
+          </a:fillRef>
+          <a:effectRef idx="0">
+            <a:schemeClr val="accent1"/>
+          </a:effectRef>
+          <a:fontRef idx="minor">
+            <a:schemeClr val="lt1"/>
+          </a:fontRef>
+        </p:style>
+        <p:txBody>
+          <a:bodyPr rtlCol="0" anchor="ctr"/>
+          <a:lstStyle/>
+          <a:p>
+            <a:pPr algn="ctr"/>
+            <a:r>
+              <a:rPr lang="en-US" altLang="zh-CN" sz="1200" dirty="0" smtClean="0">
+                <a:solidFill>
+                  <a:schemeClr val="tx1"/>
+                </a:solidFill>
+              </a:rPr>
+              <a:t>Triplet loss</a:t>
+            </a:r>
+            <a:endParaRPr lang="zh-CN" altLang="en-US" sz="1200" dirty="0">
+              <a:solidFill>
+                <a:schemeClr val="tx1"/>
+              </a:solidFill>
+            </a:endParaRPr>
+          </a:p>
+        </p:txBody>
+      </p:sp>
+      <p:sp>
+        <p:nvSpPr>
+          <p:cNvPr id="14" name="圆角矩形 13"/>
+          <p:cNvSpPr/>
+          <p:nvPr/>
+        </p:nvSpPr>
+        <p:spPr>
+          <a:xfrm>
+            <a:off x="987552" y="5124654"/>
+            <a:ext cx="1636776" cy="591312"/>
+          </a:xfrm>
+          <a:prstGeom prst="roundRect">
+            <a:avLst/>
+          </a:prstGeom>
+          <a:solidFill>
+            <a:schemeClr val="bg1"/>
+          </a:solidFill>
+        </p:spPr>
+        <p:style>
+          <a:lnRef idx="2">
+            <a:schemeClr val="accent1">
+              <a:shade val="50000"/>
+            </a:schemeClr>
+          </a:lnRef>
+          <a:fillRef idx="1">
+            <a:schemeClr val="accent1"/>
+          </a:fillRef>
+          <a:effectRef idx="0">
+            <a:schemeClr val="accent1"/>
+          </a:effectRef>
+          <a:fontRef idx="minor">
+            <a:schemeClr val="lt1"/>
+          </a:fontRef>
+        </p:style>
+        <p:txBody>
+          <a:bodyPr rtlCol="0" anchor="ctr"/>
+          <a:lstStyle/>
+          <a:p>
+            <a:pPr algn="ctr"/>
+            <a:r>
+              <a:rPr lang="en-US" altLang="zh-CN" sz="1200" dirty="0" smtClean="0">
+                <a:solidFill>
+                  <a:schemeClr val="tx1"/>
+                </a:solidFill>
+              </a:rPr>
+              <a:t>Negative</a:t>
+            </a:r>
+            <a:endParaRPr lang="en-US" altLang="zh-CN" sz="1200" dirty="0" smtClean="0">
+              <a:solidFill>
+                <a:schemeClr val="tx1"/>
+              </a:solidFill>
+            </a:endParaRPr>
+          </a:p>
+        </p:txBody>
+      </p:sp>
+      <p:cxnSp>
+        <p:nvCxnSpPr>
+          <p:cNvPr id="16" name="直接箭头连接符 15"/>
+          <p:cNvCxnSpPr>
+            <a:stCxn id="5" idx="3"/>
+            <a:endCxn id="7" idx="1"/>
+          </p:cNvCxnSpPr>
+          <p:nvPr/>
+        </p:nvCxnSpPr>
+        <p:spPr>
+          <a:xfrm>
+            <a:off x="2624328" y="4340277"/>
+            <a:ext cx="252166" cy="451066"/>
+          </a:xfrm>
+          <a:prstGeom prst="straightConnector1">
+            <a:avLst/>
+          </a:prstGeom>
+          <a:ln>
+            <a:tailEnd type="triangle"/>
+          </a:ln>
+        </p:spPr>
+        <p:style>
+          <a:lnRef idx="1">
+            <a:schemeClr val="accent1"/>
+          </a:lnRef>
+          <a:fillRef idx="0">
+            <a:schemeClr val="accent1"/>
+          </a:fillRef>
+          <a:effectRef idx="0">
+            <a:schemeClr val="accent1"/>
+          </a:effectRef>
+          <a:fontRef idx="minor">
+            <a:schemeClr val="tx1"/>
+          </a:fontRef>
+        </p:style>
+      </p:cxnSp>
+      <p:cxnSp>
+        <p:nvCxnSpPr>
+          <p:cNvPr id="18" name="直接箭头连接符 17"/>
+          <p:cNvCxnSpPr>
+            <a:stCxn id="14" idx="3"/>
+            <a:endCxn id="7" idx="1"/>
+          </p:cNvCxnSpPr>
+          <p:nvPr/>
+        </p:nvCxnSpPr>
+        <p:spPr>
+          <a:xfrm flipV="1">
+            <a:off x="2624328" y="4791343"/>
+            <a:ext cx="252166" cy="628967"/>
+          </a:xfrm>
+          <a:prstGeom prst="straightConnector1">
+            <a:avLst/>
+          </a:prstGeom>
+          <a:ln>
+            <a:tailEnd type="triangle"/>
+          </a:ln>
+        </p:spPr>
+        <p:style>
+          <a:lnRef idx="1">
+            <a:schemeClr val="accent1"/>
+          </a:lnRef>
+          <a:fillRef idx="0">
+            <a:schemeClr val="accent1"/>
+          </a:fillRef>
+          <a:effectRef idx="0">
+            <a:schemeClr val="accent1"/>
+          </a:effectRef>
+          <a:fontRef idx="minor">
+            <a:schemeClr val="tx1"/>
+          </a:fontRef>
+        </p:style>
+      </p:cxnSp>
+      <p:cxnSp>
+        <p:nvCxnSpPr>
+          <p:cNvPr id="20" name="肘形连接符 19"/>
+          <p:cNvCxnSpPr>
+            <a:stCxn id="6" idx="3"/>
+            <a:endCxn id="13" idx="1"/>
+          </p:cNvCxnSpPr>
+          <p:nvPr/>
+        </p:nvCxnSpPr>
+        <p:spPr>
+          <a:xfrm>
+            <a:off x="4555942" y="1335024"/>
+            <a:ext cx="448056" cy="737616"/>
+          </a:xfrm>
+          <a:prstGeom prst="bentConnector3">
+            <a:avLst/>
+          </a:prstGeom>
+          <a:ln>
+            <a:tailEnd type="triangle"/>
+          </a:ln>
+        </p:spPr>
+        <p:style>
+          <a:lnRef idx="1">
+            <a:schemeClr val="accent1"/>
+          </a:lnRef>
+          <a:fillRef idx="0">
+            <a:schemeClr val="accent1"/>
+          </a:fillRef>
+          <a:effectRef idx="0">
+            <a:schemeClr val="accent1"/>
+          </a:effectRef>
+          <a:fontRef idx="minor">
+            <a:schemeClr val="tx1"/>
+          </a:fontRef>
+        </p:style>
+      </p:cxnSp>
+      <p:cxnSp>
+        <p:nvCxnSpPr>
+          <p:cNvPr id="22" name="肘形连接符 21"/>
+          <p:cNvCxnSpPr>
+            <a:stCxn id="7" idx="3"/>
+            <a:endCxn id="13" idx="1"/>
+          </p:cNvCxnSpPr>
+          <p:nvPr/>
+        </p:nvCxnSpPr>
+        <p:spPr>
+          <a:xfrm flipV="1">
+            <a:off x="4555942" y="2072640"/>
+            <a:ext cx="448056" cy="2718703"/>
+          </a:xfrm>
+          <a:prstGeom prst="bentConnector3">
+            <a:avLst/>
+          </a:prstGeom>
+          <a:ln>
+            <a:tailEnd type="triangle"/>
+          </a:ln>
+        </p:spPr>
+        <p:style>
+          <a:lnRef idx="1">
+            <a:schemeClr val="accent1"/>
+          </a:lnRef>
+          <a:fillRef idx="0">
+            <a:schemeClr val="accent1"/>
+          </a:fillRef>
+          <a:effectRef idx="0">
+            <a:schemeClr val="accent1"/>
+          </a:effectRef>
+          <a:fontRef idx="minor">
+            <a:schemeClr val="tx1"/>
+          </a:fontRef>
+        </p:style>
+      </p:cxnSp>
+      <p:cxnSp>
+        <p:nvCxnSpPr>
+          <p:cNvPr id="27" name="肘形连接符 26"/>
+          <p:cNvCxnSpPr>
+            <a:stCxn id="7" idx="3"/>
+            <a:endCxn id="12" idx="1"/>
+          </p:cNvCxnSpPr>
+          <p:nvPr/>
+        </p:nvCxnSpPr>
+        <p:spPr>
+          <a:xfrm flipV="1">
+            <a:off x="4555942" y="3358896"/>
+            <a:ext cx="448056" cy="1432447"/>
+          </a:xfrm>
+          <a:prstGeom prst="bentConnector3">
+            <a:avLst/>
+          </a:prstGeom>
+          <a:ln>
+            <a:tailEnd type="triangle"/>
+          </a:ln>
+        </p:spPr>
+        <p:style>
+          <a:lnRef idx="1">
+            <a:schemeClr val="accent1"/>
+          </a:lnRef>
+          <a:fillRef idx="0">
+            <a:schemeClr val="accent1"/>
+          </a:fillRef>
+          <a:effectRef idx="0">
+            <a:schemeClr val="accent1"/>
+          </a:effectRef>
+          <a:fontRef idx="minor">
+            <a:schemeClr val="tx1"/>
+          </a:fontRef>
+        </p:style>
+      </p:cxnSp>
+      <p:cxnSp>
+        <p:nvCxnSpPr>
+          <p:cNvPr id="29" name="肘形连接符 28"/>
+          <p:cNvCxnSpPr>
+            <a:stCxn id="6" idx="3"/>
+            <a:endCxn id="12" idx="1"/>
+          </p:cNvCxnSpPr>
+          <p:nvPr/>
+        </p:nvCxnSpPr>
+        <p:spPr>
+          <a:xfrm>
+            <a:off x="4555942" y="1335024"/>
+            <a:ext cx="448056" cy="2023872"/>
+          </a:xfrm>
+          <a:prstGeom prst="bentConnector3">
+            <a:avLst/>
+          </a:prstGeom>
+          <a:ln>
+            <a:tailEnd type="triangle"/>
+          </a:ln>
+        </p:spPr>
+        <p:style>
+          <a:lnRef idx="1">
+            <a:schemeClr val="accent1"/>
+          </a:lnRef>
+          <a:fillRef idx="0">
+            <a:schemeClr val="accent1"/>
+          </a:fillRef>
+          <a:effectRef idx="0">
+            <a:schemeClr val="accent1"/>
+          </a:effectRef>
+          <a:fontRef idx="minor">
+            <a:schemeClr val="tx1"/>
+          </a:fontRef>
+        </p:style>
+      </p:cxnSp>
+      <p:sp>
+        <p:nvSpPr>
+          <p:cNvPr id="31" name="圆角矩形 30"/>
+          <p:cNvSpPr/>
+          <p:nvPr/>
+        </p:nvSpPr>
+        <p:spPr>
+          <a:xfrm>
+            <a:off x="7067494" y="3057144"/>
+            <a:ext cx="1636776" cy="603504"/>
+          </a:xfrm>
+          <a:prstGeom prst="roundRect">
+            <a:avLst/>
+          </a:prstGeom>
+          <a:solidFill>
+            <a:schemeClr val="bg1"/>
+          </a:solidFill>
+        </p:spPr>
+        <p:style>
+          <a:lnRef idx="2">
+            <a:schemeClr val="accent1">
+              <a:shade val="50000"/>
+            </a:schemeClr>
+          </a:lnRef>
+          <a:fillRef idx="1">
+            <a:schemeClr val="accent1"/>
+          </a:fillRef>
+          <a:effectRef idx="0">
+            <a:schemeClr val="accent1"/>
+          </a:effectRef>
+          <a:fontRef idx="minor">
+            <a:schemeClr val="lt1"/>
+          </a:fontRef>
+        </p:style>
+        <p:txBody>
+          <a:bodyPr rtlCol="0" anchor="ctr"/>
+          <a:lstStyle/>
+          <a:p>
+            <a:pPr algn="ctr"/>
+            <a:r>
+              <a:rPr lang="zh-CN" altLang="en-US" sz="1200" dirty="0" smtClean="0">
+                <a:solidFill>
+                  <a:schemeClr val="tx1"/>
+                </a:solidFill>
+              </a:rPr>
+              <a:t>重建</a:t>
+            </a:r>
+            <a:r>
+              <a:rPr lang="en-US" altLang="zh-CN" sz="1200" dirty="0" smtClean="0">
+                <a:solidFill>
+                  <a:schemeClr val="tx1"/>
+                </a:solidFill>
+              </a:rPr>
+              <a:t>loss</a:t>
+            </a:r>
+            <a:endParaRPr lang="zh-CN" altLang="en-US" sz="1200" dirty="0">
+              <a:solidFill>
+                <a:schemeClr val="tx1"/>
+              </a:solidFill>
+            </a:endParaRPr>
+          </a:p>
+        </p:txBody>
+      </p:sp>
+      <p:cxnSp>
+        <p:nvCxnSpPr>
+          <p:cNvPr id="33" name="直接箭头连接符 32"/>
+          <p:cNvCxnSpPr>
+            <a:stCxn id="12" idx="3"/>
+            <a:endCxn id="31" idx="1"/>
+          </p:cNvCxnSpPr>
+          <p:nvPr/>
+        </p:nvCxnSpPr>
+        <p:spPr>
+          <a:xfrm>
+            <a:off x="6619438" y="3358896"/>
+            <a:ext cx="448056" cy="0"/>
+          </a:xfrm>
+          <a:prstGeom prst="straightConnector1">
+            <a:avLst/>
+          </a:prstGeom>
+          <a:ln>
+            <a:tailEnd type="triangle"/>
+          </a:ln>
+        </p:spPr>
+        <p:style>
+          <a:lnRef idx="1">
+            <a:schemeClr val="accent1"/>
+          </a:lnRef>
+          <a:fillRef idx="0">
+            <a:schemeClr val="accent1"/>
+          </a:fillRef>
+          <a:effectRef idx="0">
+            <a:schemeClr val="accent1"/>
+          </a:effectRef>
+          <a:fontRef idx="minor">
+            <a:schemeClr val="tx1"/>
+          </a:fontRef>
+        </p:style>
+      </p:cxnSp>
+    </p:spTree>
+    <p:extLst>
+      <p:ext uri="{BB962C8B-B14F-4D97-AF65-F5344CB8AC3E}">
+        <p14:creationId xmlns:p14="http://schemas.microsoft.com/office/powerpoint/2010/main" val="2575983156"/>
       </p:ext>
     </p:extLst>
   </p:cSld>

--- a/note/Network.pptx
+++ b/note/Network.pptx
@@ -8,6 +8,8 @@
     <p:sldId id="256" r:id="rId2"/>
     <p:sldId id="257" r:id="rId3"/>
     <p:sldId id="258" r:id="rId4"/>
+    <p:sldId id="259" r:id="rId5"/>
+    <p:sldId id="260" r:id="rId6"/>
   </p:sldIdLst>
   <p:sldSz cx="12192000" cy="6858000"/>
   <p:notesSz cx="6858000" cy="9144000"/>
@@ -245,7 +247,7 @@
           <a:p>
             <a:fld id="{41E7E009-EED8-4825-AE50-6EFD9C3C2188}" type="datetimeFigureOut">
               <a:rPr lang="zh-CN" altLang="en-US" smtClean="0"/>
-              <a:t>2020/9/6</a:t>
+              <a:t>2020/9/10</a:t>
             </a:fld>
             <a:endParaRPr lang="zh-CN" altLang="en-US"/>
           </a:p>
@@ -415,7 +417,7 @@
           <a:p>
             <a:fld id="{41E7E009-EED8-4825-AE50-6EFD9C3C2188}" type="datetimeFigureOut">
               <a:rPr lang="zh-CN" altLang="en-US" smtClean="0"/>
-              <a:t>2020/9/6</a:t>
+              <a:t>2020/9/10</a:t>
             </a:fld>
             <a:endParaRPr lang="zh-CN" altLang="en-US"/>
           </a:p>
@@ -595,7 +597,7 @@
           <a:p>
             <a:fld id="{41E7E009-EED8-4825-AE50-6EFD9C3C2188}" type="datetimeFigureOut">
               <a:rPr lang="zh-CN" altLang="en-US" smtClean="0"/>
-              <a:t>2020/9/6</a:t>
+              <a:t>2020/9/10</a:t>
             </a:fld>
             <a:endParaRPr lang="zh-CN" altLang="en-US"/>
           </a:p>
@@ -765,7 +767,7 @@
           <a:p>
             <a:fld id="{41E7E009-EED8-4825-AE50-6EFD9C3C2188}" type="datetimeFigureOut">
               <a:rPr lang="zh-CN" altLang="en-US" smtClean="0"/>
-              <a:t>2020/9/6</a:t>
+              <a:t>2020/9/10</a:t>
             </a:fld>
             <a:endParaRPr lang="zh-CN" altLang="en-US"/>
           </a:p>
@@ -1011,7 +1013,7 @@
           <a:p>
             <a:fld id="{41E7E009-EED8-4825-AE50-6EFD9C3C2188}" type="datetimeFigureOut">
               <a:rPr lang="zh-CN" altLang="en-US" smtClean="0"/>
-              <a:t>2020/9/6</a:t>
+              <a:t>2020/9/10</a:t>
             </a:fld>
             <a:endParaRPr lang="zh-CN" altLang="en-US"/>
           </a:p>
@@ -1243,7 +1245,7 @@
           <a:p>
             <a:fld id="{41E7E009-EED8-4825-AE50-6EFD9C3C2188}" type="datetimeFigureOut">
               <a:rPr lang="zh-CN" altLang="en-US" smtClean="0"/>
-              <a:t>2020/9/6</a:t>
+              <a:t>2020/9/10</a:t>
             </a:fld>
             <a:endParaRPr lang="zh-CN" altLang="en-US"/>
           </a:p>
@@ -1610,7 +1612,7 @@
           <a:p>
             <a:fld id="{41E7E009-EED8-4825-AE50-6EFD9C3C2188}" type="datetimeFigureOut">
               <a:rPr lang="zh-CN" altLang="en-US" smtClean="0"/>
-              <a:t>2020/9/6</a:t>
+              <a:t>2020/9/10</a:t>
             </a:fld>
             <a:endParaRPr lang="zh-CN" altLang="en-US"/>
           </a:p>
@@ -1728,7 +1730,7 @@
           <a:p>
             <a:fld id="{41E7E009-EED8-4825-AE50-6EFD9C3C2188}" type="datetimeFigureOut">
               <a:rPr lang="zh-CN" altLang="en-US" smtClean="0"/>
-              <a:t>2020/9/6</a:t>
+              <a:t>2020/9/10</a:t>
             </a:fld>
             <a:endParaRPr lang="zh-CN" altLang="en-US"/>
           </a:p>
@@ -1823,7 +1825,7 @@
           <a:p>
             <a:fld id="{41E7E009-EED8-4825-AE50-6EFD9C3C2188}" type="datetimeFigureOut">
               <a:rPr lang="zh-CN" altLang="en-US" smtClean="0"/>
-              <a:t>2020/9/6</a:t>
+              <a:t>2020/9/10</a:t>
             </a:fld>
             <a:endParaRPr lang="zh-CN" altLang="en-US"/>
           </a:p>
@@ -2100,7 +2102,7 @@
           <a:p>
             <a:fld id="{41E7E009-EED8-4825-AE50-6EFD9C3C2188}" type="datetimeFigureOut">
               <a:rPr lang="zh-CN" altLang="en-US" smtClean="0"/>
-              <a:t>2020/9/6</a:t>
+              <a:t>2020/9/10</a:t>
             </a:fld>
             <a:endParaRPr lang="zh-CN" altLang="en-US"/>
           </a:p>
@@ -2353,7 +2355,7 @@
           <a:p>
             <a:fld id="{41E7E009-EED8-4825-AE50-6EFD9C3C2188}" type="datetimeFigureOut">
               <a:rPr lang="zh-CN" altLang="en-US" smtClean="0"/>
-              <a:t>2020/9/6</a:t>
+              <a:t>2020/9/10</a:t>
             </a:fld>
             <a:endParaRPr lang="zh-CN" altLang="en-US"/>
           </a:p>
@@ -2566,7 +2568,7 @@
           <a:p>
             <a:fld id="{41E7E009-EED8-4825-AE50-6EFD9C3C2188}" type="datetimeFigureOut">
               <a:rPr lang="zh-CN" altLang="en-US" smtClean="0"/>
-              <a:t>2020/9/6</a:t>
+              <a:t>2020/9/10</a:t>
             </a:fld>
             <a:endParaRPr lang="zh-CN" altLang="en-US"/>
           </a:p>
@@ -4703,11 +4705,6 @@
               </a:rPr>
               <a:t>Feature 2</a:t>
             </a:r>
-            <a:endParaRPr lang="en-US" altLang="zh-CN" sz="1200" dirty="0" smtClean="0">
-              <a:solidFill>
-                <a:schemeClr val="tx1"/>
-              </a:solidFill>
-            </a:endParaRPr>
           </a:p>
         </p:txBody>
       </p:sp>
@@ -5763,21 +5760,18 @@
       </p:grpSpPr>
       <p:sp>
         <p:nvSpPr>
-          <p:cNvPr id="4" name="圆角矩形 3"/>
+          <p:cNvPr id="6" name="圆角矩形 5"/>
           <p:cNvSpPr/>
           <p:nvPr/>
         </p:nvSpPr>
         <p:spPr>
           <a:xfrm>
-            <a:off x="987552" y="1033272"/>
-            <a:ext cx="1636776" cy="603504"/>
+            <a:off x="3359763" y="839318"/>
+            <a:ext cx="2063496" cy="1039368"/>
           </a:xfrm>
           <a:prstGeom prst="roundRect">
             <a:avLst/>
           </a:prstGeom>
-          <a:solidFill>
-            <a:schemeClr val="bg1"/>
-          </a:solidFill>
         </p:spPr>
         <p:style>
           <a:lnRef idx="2">
@@ -5801,54 +5795,69 @@
           <a:p>
             <a:pPr algn="ctr"/>
             <a:r>
-              <a:rPr lang="en-US" altLang="zh-CN" sz="1200" dirty="0" err="1" smtClean="0">
-                <a:solidFill>
-                  <a:schemeClr val="tx1"/>
-                </a:solidFill>
+              <a:rPr lang="en-US" altLang="zh-CN" dirty="0" smtClean="0">
+                <a:latin typeface="微软雅黑" panose="020B0503020204020204" pitchFamily="34" charset="-122"/>
+                <a:ea typeface="微软雅黑" panose="020B0503020204020204" pitchFamily="34" charset="-122"/>
               </a:rPr>
-              <a:t>ShapeNet</a:t>
-            </a:r>
-            <a:r>
-              <a:rPr lang="zh-CN" altLang="en-US" sz="1200" dirty="0">
-                <a:solidFill>
-                  <a:schemeClr val="tx1"/>
-                </a:solidFill>
-              </a:rPr>
-              <a:t>不</a:t>
-            </a:r>
-            <a:r>
-              <a:rPr lang="zh-CN" altLang="en-US" sz="1200" dirty="0" smtClean="0">
-                <a:solidFill>
-                  <a:schemeClr val="tx1"/>
-                </a:solidFill>
-              </a:rPr>
-              <a:t>完整</a:t>
-            </a:r>
-            <a:endParaRPr lang="zh-CN" altLang="en-US" sz="1200" dirty="0">
-              <a:solidFill>
-                <a:schemeClr val="tx1"/>
-              </a:solidFill>
+              <a:t>Encoder1</a:t>
+            </a:r>
+            <a:endParaRPr lang="en-US" altLang="zh-CN" dirty="0" smtClean="0">
+              <a:latin typeface="微软雅黑" panose="020B0503020204020204" pitchFamily="34" charset="-122"/>
+              <a:ea typeface="微软雅黑" panose="020B0503020204020204" pitchFamily="34" charset="-122"/>
             </a:endParaRPr>
           </a:p>
         </p:txBody>
       </p:sp>
-      <p:sp>
-        <p:nvSpPr>
-          <p:cNvPr id="5" name="圆角矩形 4"/>
+      <p:cxnSp>
+        <p:nvCxnSpPr>
+          <p:cNvPr id="8" name="直接箭头连接符 7"/>
+          <p:cNvCxnSpPr>
+            <a:stCxn id="30" idx="3"/>
+            <a:endCxn id="6" idx="1"/>
+          </p:cNvCxnSpPr>
+          <p:nvPr/>
+        </p:nvCxnSpPr>
+        <p:spPr>
+          <a:xfrm>
+            <a:off x="2608285" y="1347961"/>
+            <a:ext cx="751478" cy="11041"/>
+          </a:xfrm>
+          <a:prstGeom prst="straightConnector1">
+            <a:avLst/>
+          </a:prstGeom>
+          <a:ln>
+            <a:tailEnd type="triangle"/>
+          </a:ln>
+        </p:spPr>
+        <p:style>
+          <a:lnRef idx="1">
+            <a:schemeClr val="accent1"/>
+          </a:lnRef>
+          <a:fillRef idx="0">
+            <a:schemeClr val="accent1"/>
+          </a:fillRef>
+          <a:effectRef idx="0">
+            <a:schemeClr val="accent1"/>
+          </a:effectRef>
+          <a:fontRef idx="minor">
+            <a:schemeClr val="tx1"/>
+          </a:fontRef>
+        </p:style>
+      </p:cxnSp>
+      <p:sp>
+        <p:nvSpPr>
+          <p:cNvPr id="12" name="圆角矩形 11"/>
           <p:cNvSpPr/>
           <p:nvPr/>
         </p:nvSpPr>
         <p:spPr>
           <a:xfrm>
-            <a:off x="987552" y="4044621"/>
-            <a:ext cx="1636776" cy="591312"/>
+            <a:off x="7626951" y="942188"/>
+            <a:ext cx="1801207" cy="833627"/>
           </a:xfrm>
           <a:prstGeom prst="roundRect">
             <a:avLst/>
           </a:prstGeom>
-          <a:solidFill>
-            <a:schemeClr val="bg1"/>
-          </a:solidFill>
         </p:spPr>
         <p:style>
           <a:lnRef idx="2">
@@ -5872,59 +5881,36 @@
           <a:p>
             <a:pPr algn="ctr"/>
             <a:r>
-              <a:rPr lang="en-US" altLang="zh-CN" sz="1200" dirty="0" err="1" smtClean="0">
-                <a:solidFill>
-                  <a:schemeClr val="tx1"/>
-                </a:solidFill>
+              <a:rPr lang="en-US" altLang="zh-CN" dirty="0" smtClean="0">
+                <a:latin typeface="微软雅黑" panose="020B0503020204020204" pitchFamily="34" charset="-122"/>
+                <a:ea typeface="微软雅黑" panose="020B0503020204020204" pitchFamily="34" charset="-122"/>
               </a:rPr>
-              <a:t>Shapenet</a:t>
-            </a:r>
-            <a:r>
-              <a:rPr lang="zh-CN" altLang="en-US" sz="1200" dirty="0" smtClean="0">
-                <a:solidFill>
-                  <a:schemeClr val="tx1"/>
-                </a:solidFill>
-              </a:rPr>
-              <a:t>完整</a:t>
-            </a:r>
-            <a:endParaRPr lang="en-US" altLang="zh-CN" sz="1200" dirty="0" smtClean="0">
-              <a:solidFill>
-                <a:schemeClr val="tx1"/>
-              </a:solidFill>
+              <a:t>Decoder</a:t>
+            </a:r>
+            <a:endParaRPr lang="en-US" altLang="zh-CN" dirty="0" smtClean="0">
+              <a:latin typeface="微软雅黑" panose="020B0503020204020204" pitchFamily="34" charset="-122"/>
+              <a:ea typeface="微软雅黑" panose="020B0503020204020204" pitchFamily="34" charset="-122"/>
             </a:endParaRPr>
           </a:p>
-          <a:p>
-            <a:pPr algn="ctr"/>
-            <a:r>
-              <a:rPr lang="en-US" altLang="zh-CN" sz="1200" dirty="0" smtClean="0">
-                <a:solidFill>
-                  <a:schemeClr val="tx1"/>
-                </a:solidFill>
-              </a:rPr>
-              <a:t>Positive</a:t>
-            </a:r>
-            <a:endParaRPr lang="en-US" altLang="zh-CN" sz="1200" dirty="0" smtClean="0">
-              <a:solidFill>
-                <a:schemeClr val="tx1"/>
-              </a:solidFill>
-            </a:endParaRPr>
-          </a:p>
-        </p:txBody>
-      </p:sp>
-      <p:sp>
-        <p:nvSpPr>
-          <p:cNvPr id="6" name="圆角矩形 5"/>
+        </p:txBody>
+      </p:sp>
+      <p:sp>
+        <p:nvSpPr>
+          <p:cNvPr id="13" name="圆角矩形 12"/>
           <p:cNvSpPr/>
           <p:nvPr/>
         </p:nvSpPr>
         <p:spPr>
           <a:xfrm>
-            <a:off x="2940502" y="1033272"/>
-            <a:ext cx="1615440" cy="603504"/>
+            <a:off x="7626951" y="4480982"/>
+            <a:ext cx="2130366" cy="821436"/>
           </a:xfrm>
           <a:prstGeom prst="roundRect">
             <a:avLst/>
           </a:prstGeom>
+          <a:solidFill>
+            <a:schemeClr val="bg1"/>
+          </a:solidFill>
         </p:spPr>
         <p:style>
           <a:lnRef idx="2">
@@ -5948,198 +5934,14 @@
           <a:p>
             <a:pPr algn="ctr"/>
             <a:r>
-              <a:rPr lang="en-US" altLang="zh-CN" sz="1200" dirty="0" smtClean="0"/>
-              <a:t>Encoder1</a:t>
-            </a:r>
-          </a:p>
-          <a:p>
-            <a:pPr algn="ctr"/>
-            <a:r>
-              <a:rPr lang="en-US" altLang="zh-CN" sz="1200" dirty="0" smtClean="0"/>
-              <a:t>PCN encoder</a:t>
-            </a:r>
-            <a:endParaRPr lang="zh-CN" altLang="en-US" sz="1200" dirty="0"/>
-          </a:p>
-        </p:txBody>
-      </p:sp>
-      <p:sp>
-        <p:nvSpPr>
-          <p:cNvPr id="7" name="圆角矩形 6"/>
-          <p:cNvSpPr/>
-          <p:nvPr/>
-        </p:nvSpPr>
-        <p:spPr>
-          <a:xfrm>
-            <a:off x="2876494" y="4468255"/>
-            <a:ext cx="1679448" cy="646176"/>
-          </a:xfrm>
-          <a:prstGeom prst="roundRect">
-            <a:avLst/>
-          </a:prstGeom>
-        </p:spPr>
-        <p:style>
-          <a:lnRef idx="2">
-            <a:schemeClr val="accent1">
-              <a:shade val="50000"/>
-            </a:schemeClr>
-          </a:lnRef>
-          <a:fillRef idx="1">
-            <a:schemeClr val="accent1"/>
-          </a:fillRef>
-          <a:effectRef idx="0">
-            <a:schemeClr val="accent1"/>
-          </a:effectRef>
-          <a:fontRef idx="minor">
-            <a:schemeClr val="lt1"/>
-          </a:fontRef>
-        </p:style>
-        <p:txBody>
-          <a:bodyPr rtlCol="0" anchor="ctr"/>
-          <a:lstStyle/>
-          <a:p>
-            <a:pPr algn="ctr"/>
-            <a:r>
-              <a:rPr lang="en-US" altLang="zh-CN" sz="1200" dirty="0" smtClean="0"/>
-              <a:t>Encoder2</a:t>
-            </a:r>
-          </a:p>
-          <a:p>
-            <a:pPr algn="ctr"/>
-            <a:r>
-              <a:rPr lang="en-US" altLang="zh-CN" sz="1200" dirty="0" smtClean="0"/>
-              <a:t>PCN encoder</a:t>
-            </a:r>
-            <a:endParaRPr lang="zh-CN" altLang="en-US" sz="1200" dirty="0"/>
-          </a:p>
-        </p:txBody>
-      </p:sp>
-      <p:cxnSp>
-        <p:nvCxnSpPr>
-          <p:cNvPr id="8" name="直接箭头连接符 7"/>
-          <p:cNvCxnSpPr>
-            <a:stCxn id="4" idx="3"/>
-            <a:endCxn id="6" idx="1"/>
-          </p:cNvCxnSpPr>
-          <p:nvPr/>
-        </p:nvCxnSpPr>
-        <p:spPr>
-          <a:xfrm>
-            <a:off x="2624328" y="1335024"/>
-            <a:ext cx="316174" cy="0"/>
-          </a:xfrm>
-          <a:prstGeom prst="straightConnector1">
-            <a:avLst/>
-          </a:prstGeom>
-          <a:ln>
-            <a:tailEnd type="triangle"/>
-          </a:ln>
-        </p:spPr>
-        <p:style>
-          <a:lnRef idx="1">
-            <a:schemeClr val="accent1"/>
-          </a:lnRef>
-          <a:fillRef idx="0">
-            <a:schemeClr val="accent1"/>
-          </a:fillRef>
-          <a:effectRef idx="0">
-            <a:schemeClr val="accent1"/>
-          </a:effectRef>
-          <a:fontRef idx="minor">
-            <a:schemeClr val="tx1"/>
-          </a:fontRef>
-        </p:style>
-      </p:cxnSp>
-      <p:sp>
-        <p:nvSpPr>
-          <p:cNvPr id="12" name="圆角矩形 11"/>
-          <p:cNvSpPr/>
-          <p:nvPr/>
-        </p:nvSpPr>
-        <p:spPr>
-          <a:xfrm>
-            <a:off x="5003998" y="3057144"/>
-            <a:ext cx="1615440" cy="603504"/>
-          </a:xfrm>
-          <a:prstGeom prst="roundRect">
-            <a:avLst/>
-          </a:prstGeom>
-        </p:spPr>
-        <p:style>
-          <a:lnRef idx="2">
-            <a:schemeClr val="accent1">
-              <a:shade val="50000"/>
-            </a:schemeClr>
-          </a:lnRef>
-          <a:fillRef idx="1">
-            <a:schemeClr val="accent1"/>
-          </a:fillRef>
-          <a:effectRef idx="0">
-            <a:schemeClr val="accent1"/>
-          </a:effectRef>
-          <a:fontRef idx="minor">
-            <a:schemeClr val="lt1"/>
-          </a:fontRef>
-        </p:style>
-        <p:txBody>
-          <a:bodyPr rtlCol="0" anchor="ctr"/>
-          <a:lstStyle/>
-          <a:p>
-            <a:pPr algn="ctr"/>
-            <a:r>
-              <a:rPr lang="en-US" altLang="zh-CN" sz="1200" dirty="0" smtClean="0"/>
-              <a:t>Decoder</a:t>
-            </a:r>
-          </a:p>
-        </p:txBody>
-      </p:sp>
-      <p:sp>
-        <p:nvSpPr>
-          <p:cNvPr id="13" name="圆角矩形 12"/>
-          <p:cNvSpPr/>
-          <p:nvPr/>
-        </p:nvSpPr>
-        <p:spPr>
-          <a:xfrm>
-            <a:off x="5003998" y="1770888"/>
-            <a:ext cx="1636776" cy="603504"/>
-          </a:xfrm>
-          <a:prstGeom prst="roundRect">
-            <a:avLst/>
-          </a:prstGeom>
-          <a:solidFill>
-            <a:schemeClr val="bg1"/>
-          </a:solidFill>
-        </p:spPr>
-        <p:style>
-          <a:lnRef idx="2">
-            <a:schemeClr val="accent1">
-              <a:shade val="50000"/>
-            </a:schemeClr>
-          </a:lnRef>
-          <a:fillRef idx="1">
-            <a:schemeClr val="accent1"/>
-          </a:fillRef>
-          <a:effectRef idx="0">
-            <a:schemeClr val="accent1"/>
-          </a:effectRef>
-          <a:fontRef idx="minor">
-            <a:schemeClr val="lt1"/>
-          </a:fontRef>
-        </p:style>
-        <p:txBody>
-          <a:bodyPr rtlCol="0" anchor="ctr"/>
-          <a:lstStyle/>
-          <a:p>
-            <a:pPr algn="ctr"/>
-            <a:r>
-              <a:rPr lang="en-US" altLang="zh-CN" sz="1200" dirty="0" smtClean="0">
+              <a:rPr lang="en-US" altLang="zh-CN" sz="2000" dirty="0" smtClean="0">
                 <a:solidFill>
                   <a:schemeClr val="tx1"/>
                 </a:solidFill>
               </a:rPr>
               <a:t>Triplet loss</a:t>
             </a:r>
-            <a:endParaRPr lang="zh-CN" altLang="en-US" sz="1200" dirty="0">
+            <a:endParaRPr lang="zh-CN" altLang="en-US" sz="2000" dirty="0">
               <a:solidFill>
                 <a:schemeClr val="tx1"/>
               </a:solidFill>
@@ -6147,74 +5949,19 @@
           </a:p>
         </p:txBody>
       </p:sp>
-      <p:sp>
-        <p:nvSpPr>
-          <p:cNvPr id="14" name="圆角矩形 13"/>
-          <p:cNvSpPr/>
-          <p:nvPr/>
-        </p:nvSpPr>
-        <p:spPr>
-          <a:xfrm>
-            <a:off x="987552" y="5124654"/>
-            <a:ext cx="1636776" cy="591312"/>
-          </a:xfrm>
-          <a:prstGeom prst="roundRect">
-            <a:avLst/>
-          </a:prstGeom>
-          <a:solidFill>
-            <a:schemeClr val="bg1"/>
-          </a:solidFill>
-        </p:spPr>
-        <p:style>
-          <a:lnRef idx="2">
-            <a:schemeClr val="accent1">
-              <a:shade val="50000"/>
-            </a:schemeClr>
-          </a:lnRef>
-          <a:fillRef idx="1">
-            <a:schemeClr val="accent1"/>
-          </a:fillRef>
-          <a:effectRef idx="0">
-            <a:schemeClr val="accent1"/>
-          </a:effectRef>
-          <a:fontRef idx="minor">
-            <a:schemeClr val="lt1"/>
-          </a:fontRef>
-        </p:style>
-        <p:txBody>
-          <a:bodyPr rtlCol="0" anchor="ctr"/>
-          <a:lstStyle/>
-          <a:p>
-            <a:pPr algn="ctr"/>
-            <a:r>
-              <a:rPr lang="en-US" altLang="zh-CN" sz="1200" dirty="0" smtClean="0">
-                <a:solidFill>
-                  <a:schemeClr val="tx1"/>
-                </a:solidFill>
-              </a:rPr>
-              <a:t>Negative</a:t>
-            </a:r>
-            <a:endParaRPr lang="en-US" altLang="zh-CN" sz="1200" dirty="0" smtClean="0">
-              <a:solidFill>
-                <a:schemeClr val="tx1"/>
-              </a:solidFill>
-            </a:endParaRPr>
-          </a:p>
-        </p:txBody>
-      </p:sp>
       <p:cxnSp>
         <p:nvCxnSpPr>
           <p:cNvPr id="16" name="直接箭头连接符 15"/>
           <p:cNvCxnSpPr>
-            <a:stCxn id="5" idx="3"/>
-            <a:endCxn id="7" idx="1"/>
+            <a:stCxn id="47" idx="3"/>
+            <a:endCxn id="44" idx="1"/>
           </p:cNvCxnSpPr>
           <p:nvPr/>
         </p:nvCxnSpPr>
         <p:spPr>
           <a:xfrm>
-            <a:off x="2624328" y="4340277"/>
-            <a:ext cx="252166" cy="451066"/>
+            <a:off x="2566987" y="4319647"/>
+            <a:ext cx="792776" cy="540314"/>
           </a:xfrm>
           <a:prstGeom prst="straightConnector1">
             <a:avLst/>
@@ -6242,15 +5989,15 @@
         <p:nvCxnSpPr>
           <p:cNvPr id="18" name="直接箭头连接符 17"/>
           <p:cNvCxnSpPr>
-            <a:stCxn id="14" idx="3"/>
-            <a:endCxn id="7" idx="1"/>
+            <a:stCxn id="62" idx="3"/>
+            <a:endCxn id="44" idx="1"/>
           </p:cNvCxnSpPr>
           <p:nvPr/>
         </p:nvCxnSpPr>
         <p:spPr>
           <a:xfrm flipV="1">
-            <a:off x="2624328" y="4791343"/>
-            <a:ext cx="252166" cy="628967"/>
+            <a:off x="2163966" y="4859961"/>
+            <a:ext cx="1195797" cy="767751"/>
           </a:xfrm>
           <a:prstGeom prst="straightConnector1">
             <a:avLst/>
@@ -6274,150 +6021,6 @@
           </a:fontRef>
         </p:style>
       </p:cxnSp>
-      <p:cxnSp>
-        <p:nvCxnSpPr>
-          <p:cNvPr id="20" name="肘形连接符 19"/>
-          <p:cNvCxnSpPr>
-            <a:stCxn id="6" idx="3"/>
-            <a:endCxn id="13" idx="1"/>
-          </p:cNvCxnSpPr>
-          <p:nvPr/>
-        </p:nvCxnSpPr>
-        <p:spPr>
-          <a:xfrm>
-            <a:off x="4555942" y="1335024"/>
-            <a:ext cx="448056" cy="737616"/>
-          </a:xfrm>
-          <a:prstGeom prst="bentConnector3">
-            <a:avLst/>
-          </a:prstGeom>
-          <a:ln>
-            <a:tailEnd type="triangle"/>
-          </a:ln>
-        </p:spPr>
-        <p:style>
-          <a:lnRef idx="1">
-            <a:schemeClr val="accent1"/>
-          </a:lnRef>
-          <a:fillRef idx="0">
-            <a:schemeClr val="accent1"/>
-          </a:fillRef>
-          <a:effectRef idx="0">
-            <a:schemeClr val="accent1"/>
-          </a:effectRef>
-          <a:fontRef idx="minor">
-            <a:schemeClr val="tx1"/>
-          </a:fontRef>
-        </p:style>
-      </p:cxnSp>
-      <p:cxnSp>
-        <p:nvCxnSpPr>
-          <p:cNvPr id="22" name="肘形连接符 21"/>
-          <p:cNvCxnSpPr>
-            <a:stCxn id="7" idx="3"/>
-            <a:endCxn id="13" idx="1"/>
-          </p:cNvCxnSpPr>
-          <p:nvPr/>
-        </p:nvCxnSpPr>
-        <p:spPr>
-          <a:xfrm flipV="1">
-            <a:off x="4555942" y="2072640"/>
-            <a:ext cx="448056" cy="2718703"/>
-          </a:xfrm>
-          <a:prstGeom prst="bentConnector3">
-            <a:avLst/>
-          </a:prstGeom>
-          <a:ln>
-            <a:tailEnd type="triangle"/>
-          </a:ln>
-        </p:spPr>
-        <p:style>
-          <a:lnRef idx="1">
-            <a:schemeClr val="accent1"/>
-          </a:lnRef>
-          <a:fillRef idx="0">
-            <a:schemeClr val="accent1"/>
-          </a:fillRef>
-          <a:effectRef idx="0">
-            <a:schemeClr val="accent1"/>
-          </a:effectRef>
-          <a:fontRef idx="minor">
-            <a:schemeClr val="tx1"/>
-          </a:fontRef>
-        </p:style>
-      </p:cxnSp>
-      <p:cxnSp>
-        <p:nvCxnSpPr>
-          <p:cNvPr id="27" name="肘形连接符 26"/>
-          <p:cNvCxnSpPr>
-            <a:stCxn id="7" idx="3"/>
-            <a:endCxn id="12" idx="1"/>
-          </p:cNvCxnSpPr>
-          <p:nvPr/>
-        </p:nvCxnSpPr>
-        <p:spPr>
-          <a:xfrm flipV="1">
-            <a:off x="4555942" y="3358896"/>
-            <a:ext cx="448056" cy="1432447"/>
-          </a:xfrm>
-          <a:prstGeom prst="bentConnector3">
-            <a:avLst/>
-          </a:prstGeom>
-          <a:ln>
-            <a:tailEnd type="triangle"/>
-          </a:ln>
-        </p:spPr>
-        <p:style>
-          <a:lnRef idx="1">
-            <a:schemeClr val="accent1"/>
-          </a:lnRef>
-          <a:fillRef idx="0">
-            <a:schemeClr val="accent1"/>
-          </a:fillRef>
-          <a:effectRef idx="0">
-            <a:schemeClr val="accent1"/>
-          </a:effectRef>
-          <a:fontRef idx="minor">
-            <a:schemeClr val="tx1"/>
-          </a:fontRef>
-        </p:style>
-      </p:cxnSp>
-      <p:cxnSp>
-        <p:nvCxnSpPr>
-          <p:cNvPr id="29" name="肘形连接符 28"/>
-          <p:cNvCxnSpPr>
-            <a:stCxn id="6" idx="3"/>
-            <a:endCxn id="12" idx="1"/>
-          </p:cNvCxnSpPr>
-          <p:nvPr/>
-        </p:nvCxnSpPr>
-        <p:spPr>
-          <a:xfrm>
-            <a:off x="4555942" y="1335024"/>
-            <a:ext cx="448056" cy="2023872"/>
-          </a:xfrm>
-          <a:prstGeom prst="bentConnector3">
-            <a:avLst/>
-          </a:prstGeom>
-          <a:ln>
-            <a:tailEnd type="triangle"/>
-          </a:ln>
-        </p:spPr>
-        <p:style>
-          <a:lnRef idx="1">
-            <a:schemeClr val="accent1"/>
-          </a:lnRef>
-          <a:fillRef idx="0">
-            <a:schemeClr val="accent1"/>
-          </a:fillRef>
-          <a:effectRef idx="0">
-            <a:schemeClr val="accent1"/>
-          </a:effectRef>
-          <a:fontRef idx="minor">
-            <a:schemeClr val="tx1"/>
-          </a:fontRef>
-        </p:style>
-      </p:cxnSp>
       <p:sp>
         <p:nvSpPr>
           <p:cNvPr id="31" name="圆角矩形 30"/>
@@ -6426,8 +6029,8 @@
         </p:nvSpPr>
         <p:spPr>
           <a:xfrm>
-            <a:off x="7067494" y="3057144"/>
-            <a:ext cx="1636776" cy="603504"/>
+            <a:off x="10044869" y="942188"/>
+            <a:ext cx="1909237" cy="833627"/>
           </a:xfrm>
           <a:prstGeom prst="roundRect">
             <a:avLst/>
@@ -6458,22 +6061,14 @@
           <a:p>
             <a:pPr algn="ctr"/>
             <a:r>
-              <a:rPr lang="zh-CN" altLang="en-US" sz="1200" dirty="0" smtClean="0">
+              <a:rPr lang="en-US" altLang="zh-CN" sz="2000" dirty="0" smtClean="0">
                 <a:solidFill>
                   <a:schemeClr val="tx1"/>
                 </a:solidFill>
               </a:rPr>
-              <a:t>重建</a:t>
-            </a:r>
-            <a:r>
-              <a:rPr lang="en-US" altLang="zh-CN" sz="1200" dirty="0" smtClean="0">
-                <a:solidFill>
-                  <a:schemeClr val="tx1"/>
-                </a:solidFill>
-              </a:rPr>
-              <a:t>loss</a:t>
-            </a:r>
-            <a:endParaRPr lang="zh-CN" altLang="en-US" sz="1200" dirty="0">
+              <a:t>Reconstruction CD</a:t>
+            </a:r>
+            <a:endParaRPr lang="zh-CN" altLang="en-US" sz="2000" dirty="0">
               <a:solidFill>
                 <a:schemeClr val="tx1"/>
               </a:solidFill>
@@ -6492,10 +6087,820 @@
         </p:nvCxnSpPr>
         <p:spPr>
           <a:xfrm>
-            <a:off x="6619438" y="3358896"/>
-            <a:ext cx="448056" cy="0"/>
+            <a:off x="9428158" y="1359002"/>
+            <a:ext cx="616711" cy="0"/>
           </a:xfrm>
           <a:prstGeom prst="straightConnector1">
+            <a:avLst/>
+          </a:prstGeom>
+          <a:ln>
+            <a:tailEnd type="triangle"/>
+          </a:ln>
+        </p:spPr>
+        <p:style>
+          <a:lnRef idx="1">
+            <a:schemeClr val="accent1"/>
+          </a:lnRef>
+          <a:fillRef idx="0">
+            <a:schemeClr val="accent1"/>
+          </a:fillRef>
+          <a:effectRef idx="0">
+            <a:schemeClr val="accent1"/>
+          </a:effectRef>
+          <a:fontRef idx="minor">
+            <a:schemeClr val="tx1"/>
+          </a:fontRef>
+        </p:style>
+      </p:cxnSp>
+      <p:pic>
+        <p:nvPicPr>
+          <p:cNvPr id="30" name="图片 29"/>
+          <p:cNvPicPr>
+            <a:picLocks noChangeAspect="1"/>
+          </p:cNvPicPr>
+          <p:nvPr/>
+        </p:nvPicPr>
+        <p:blipFill>
+          <a:blip r:embed="rId2"/>
+          <a:stretch>
+            <a:fillRect/>
+          </a:stretch>
+        </p:blipFill>
+        <p:spPr>
+          <a:xfrm>
+            <a:off x="370258" y="839318"/>
+            <a:ext cx="2238027" cy="1017285"/>
+          </a:xfrm>
+          <a:prstGeom prst="rect">
+            <a:avLst/>
+          </a:prstGeom>
+        </p:spPr>
+      </p:pic>
+      <p:sp>
+        <p:nvSpPr>
+          <p:cNvPr id="32" name="文本框 31"/>
+          <p:cNvSpPr txBox="1"/>
+          <p:nvPr/>
+        </p:nvSpPr>
+        <p:spPr>
+          <a:xfrm>
+            <a:off x="144903" y="1604815"/>
+            <a:ext cx="2690994" cy="646331"/>
+          </a:xfrm>
+          <a:prstGeom prst="rect">
+            <a:avLst/>
+          </a:prstGeom>
+          <a:noFill/>
+        </p:spPr>
+        <p:txBody>
+          <a:bodyPr wrap="none" rtlCol="0">
+            <a:spAutoFit/>
+          </a:bodyPr>
+          <a:lstStyle/>
+          <a:p>
+            <a:pPr algn="ctr"/>
+            <a:r>
+              <a:rPr lang="en-US" altLang="zh-CN" dirty="0" err="1" smtClean="0">
+                <a:latin typeface="微软雅黑" panose="020B0503020204020204" pitchFamily="34" charset="-122"/>
+                <a:ea typeface="微软雅黑" panose="020B0503020204020204" pitchFamily="34" charset="-122"/>
+              </a:rPr>
+              <a:t>ShapeNet</a:t>
+            </a:r>
+            <a:r>
+              <a:rPr lang="en-US" altLang="zh-CN" dirty="0" smtClean="0">
+                <a:latin typeface="微软雅黑" panose="020B0503020204020204" pitchFamily="34" charset="-122"/>
+                <a:ea typeface="微软雅黑" panose="020B0503020204020204" pitchFamily="34" charset="-122"/>
+              </a:rPr>
+              <a:t> Partial Input</a:t>
+            </a:r>
+          </a:p>
+          <a:p>
+            <a:pPr algn="ctr"/>
+            <a:r>
+              <a:rPr lang="zh-CN" altLang="en-US" dirty="0" smtClean="0">
+                <a:latin typeface="微软雅黑" panose="020B0503020204020204" pitchFamily="34" charset="-122"/>
+                <a:ea typeface="微软雅黑" panose="020B0503020204020204" pitchFamily="34" charset="-122"/>
+              </a:rPr>
+              <a:t>（</a:t>
+            </a:r>
+            <a:r>
+              <a:rPr lang="en-US" altLang="zh-CN" dirty="0" smtClean="0">
+                <a:latin typeface="微软雅黑" panose="020B0503020204020204" pitchFamily="34" charset="-122"/>
+                <a:ea typeface="微软雅黑" panose="020B0503020204020204" pitchFamily="34" charset="-122"/>
+              </a:rPr>
+              <a:t>Anchor</a:t>
+            </a:r>
+            <a:r>
+              <a:rPr lang="zh-CN" altLang="en-US" dirty="0" smtClean="0">
+                <a:latin typeface="微软雅黑" panose="020B0503020204020204" pitchFamily="34" charset="-122"/>
+                <a:ea typeface="微软雅黑" panose="020B0503020204020204" pitchFamily="34" charset="-122"/>
+              </a:rPr>
+              <a:t>）</a:t>
+            </a:r>
+            <a:endParaRPr lang="zh-CN" altLang="en-US" dirty="0">
+              <a:latin typeface="微软雅黑" panose="020B0503020204020204" pitchFamily="34" charset="-122"/>
+              <a:ea typeface="微软雅黑" panose="020B0503020204020204" pitchFamily="34" charset="-122"/>
+            </a:endParaRPr>
+          </a:p>
+        </p:txBody>
+      </p:sp>
+      <p:sp>
+        <p:nvSpPr>
+          <p:cNvPr id="44" name="圆角矩形 43"/>
+          <p:cNvSpPr/>
+          <p:nvPr/>
+        </p:nvSpPr>
+        <p:spPr>
+          <a:xfrm>
+            <a:off x="3359763" y="4340277"/>
+            <a:ext cx="2063496" cy="1039368"/>
+          </a:xfrm>
+          <a:prstGeom prst="roundRect">
+            <a:avLst/>
+          </a:prstGeom>
+        </p:spPr>
+        <p:style>
+          <a:lnRef idx="2">
+            <a:schemeClr val="accent1">
+              <a:shade val="50000"/>
+            </a:schemeClr>
+          </a:lnRef>
+          <a:fillRef idx="1">
+            <a:schemeClr val="accent1"/>
+          </a:fillRef>
+          <a:effectRef idx="0">
+            <a:schemeClr val="accent1"/>
+          </a:effectRef>
+          <a:fontRef idx="minor">
+            <a:schemeClr val="lt1"/>
+          </a:fontRef>
+        </p:style>
+        <p:txBody>
+          <a:bodyPr rtlCol="0" anchor="ctr"/>
+          <a:lstStyle/>
+          <a:p>
+            <a:pPr algn="ctr"/>
+            <a:r>
+              <a:rPr lang="en-US" altLang="zh-CN" dirty="0" smtClean="0">
+                <a:latin typeface="微软雅黑" panose="020B0503020204020204" pitchFamily="34" charset="-122"/>
+                <a:ea typeface="微软雅黑" panose="020B0503020204020204" pitchFamily="34" charset="-122"/>
+              </a:rPr>
+              <a:t>Encoder2</a:t>
+            </a:r>
+            <a:endParaRPr lang="en-US" altLang="zh-CN" dirty="0" smtClean="0">
+              <a:latin typeface="微软雅黑" panose="020B0503020204020204" pitchFamily="34" charset="-122"/>
+              <a:ea typeface="微软雅黑" panose="020B0503020204020204" pitchFamily="34" charset="-122"/>
+            </a:endParaRPr>
+          </a:p>
+        </p:txBody>
+      </p:sp>
+      <p:sp>
+        <p:nvSpPr>
+          <p:cNvPr id="46" name="文本框 45"/>
+          <p:cNvSpPr txBox="1"/>
+          <p:nvPr/>
+        </p:nvSpPr>
+        <p:spPr>
+          <a:xfrm>
+            <a:off x="144903" y="3158400"/>
+            <a:ext cx="3145737" cy="646331"/>
+          </a:xfrm>
+          <a:prstGeom prst="rect">
+            <a:avLst/>
+          </a:prstGeom>
+          <a:noFill/>
+        </p:spPr>
+        <p:txBody>
+          <a:bodyPr wrap="square" rtlCol="0">
+            <a:spAutoFit/>
+          </a:bodyPr>
+          <a:lstStyle/>
+          <a:p>
+            <a:pPr algn="ctr"/>
+            <a:r>
+              <a:rPr lang="en-US" altLang="zh-CN" dirty="0" err="1" smtClean="0">
+                <a:latin typeface="微软雅黑" panose="020B0503020204020204" pitchFamily="34" charset="-122"/>
+                <a:ea typeface="微软雅黑" panose="020B0503020204020204" pitchFamily="34" charset="-122"/>
+              </a:rPr>
+              <a:t>ShapeNet</a:t>
+            </a:r>
+            <a:r>
+              <a:rPr lang="en-US" altLang="zh-CN" dirty="0" smtClean="0">
+                <a:latin typeface="微软雅黑" panose="020B0503020204020204" pitchFamily="34" charset="-122"/>
+                <a:ea typeface="微软雅黑" panose="020B0503020204020204" pitchFamily="34" charset="-122"/>
+              </a:rPr>
+              <a:t> Complete Input</a:t>
+            </a:r>
+          </a:p>
+          <a:p>
+            <a:pPr algn="ctr"/>
+            <a:r>
+              <a:rPr lang="zh-CN" altLang="en-US" dirty="0" smtClean="0">
+                <a:latin typeface="微软雅黑" panose="020B0503020204020204" pitchFamily="34" charset="-122"/>
+                <a:ea typeface="微软雅黑" panose="020B0503020204020204" pitchFamily="34" charset="-122"/>
+              </a:rPr>
+              <a:t>（</a:t>
+            </a:r>
+            <a:r>
+              <a:rPr lang="en-US" altLang="zh-CN" dirty="0" smtClean="0">
+                <a:latin typeface="微软雅黑" panose="020B0503020204020204" pitchFamily="34" charset="-122"/>
+                <a:ea typeface="微软雅黑" panose="020B0503020204020204" pitchFamily="34" charset="-122"/>
+              </a:rPr>
+              <a:t>Positive</a:t>
+            </a:r>
+            <a:r>
+              <a:rPr lang="zh-CN" altLang="en-US" dirty="0" smtClean="0">
+                <a:latin typeface="微软雅黑" panose="020B0503020204020204" pitchFamily="34" charset="-122"/>
+                <a:ea typeface="微软雅黑" panose="020B0503020204020204" pitchFamily="34" charset="-122"/>
+              </a:rPr>
+              <a:t>）</a:t>
+            </a:r>
+            <a:endParaRPr lang="zh-CN" altLang="en-US" dirty="0">
+              <a:latin typeface="微软雅黑" panose="020B0503020204020204" pitchFamily="34" charset="-122"/>
+              <a:ea typeface="微软雅黑" panose="020B0503020204020204" pitchFamily="34" charset="-122"/>
+            </a:endParaRPr>
+          </a:p>
+        </p:txBody>
+      </p:sp>
+      <p:pic>
+        <p:nvPicPr>
+          <p:cNvPr id="47" name="图片 46"/>
+          <p:cNvPicPr>
+            <a:picLocks noChangeAspect="1"/>
+          </p:cNvPicPr>
+          <p:nvPr/>
+        </p:nvPicPr>
+        <p:blipFill>
+          <a:blip r:embed="rId3"/>
+          <a:stretch>
+            <a:fillRect/>
+          </a:stretch>
+        </p:blipFill>
+        <p:spPr>
+          <a:xfrm>
+            <a:off x="576778" y="3763761"/>
+            <a:ext cx="1990209" cy="1111772"/>
+          </a:xfrm>
+          <a:prstGeom prst="rect">
+            <a:avLst/>
+          </a:prstGeom>
+        </p:spPr>
+      </p:pic>
+      <p:sp>
+        <p:nvSpPr>
+          <p:cNvPr id="49" name="文本框 48"/>
+          <p:cNvSpPr txBox="1"/>
+          <p:nvPr/>
+        </p:nvSpPr>
+        <p:spPr>
+          <a:xfrm>
+            <a:off x="264441" y="6168026"/>
+            <a:ext cx="2980563" cy="646331"/>
+          </a:xfrm>
+          <a:prstGeom prst="rect">
+            <a:avLst/>
+          </a:prstGeom>
+          <a:noFill/>
+        </p:spPr>
+        <p:txBody>
+          <a:bodyPr wrap="square" rtlCol="0">
+            <a:spAutoFit/>
+          </a:bodyPr>
+          <a:lstStyle/>
+          <a:p>
+            <a:pPr algn="ctr"/>
+            <a:r>
+              <a:rPr lang="en-US" altLang="zh-CN" dirty="0" err="1" smtClean="0">
+                <a:latin typeface="微软雅黑" panose="020B0503020204020204" pitchFamily="34" charset="-122"/>
+                <a:ea typeface="微软雅黑" panose="020B0503020204020204" pitchFamily="34" charset="-122"/>
+              </a:rPr>
+              <a:t>ScanNet</a:t>
+            </a:r>
+            <a:r>
+              <a:rPr lang="en-US" altLang="zh-CN" dirty="0" smtClean="0">
+                <a:latin typeface="微软雅黑" panose="020B0503020204020204" pitchFamily="34" charset="-122"/>
+                <a:ea typeface="微软雅黑" panose="020B0503020204020204" pitchFamily="34" charset="-122"/>
+              </a:rPr>
+              <a:t> Partial Input</a:t>
+            </a:r>
+          </a:p>
+          <a:p>
+            <a:pPr algn="ctr"/>
+            <a:r>
+              <a:rPr lang="en-US" altLang="zh-CN" dirty="0" smtClean="0">
+                <a:latin typeface="微软雅黑" panose="020B0503020204020204" pitchFamily="34" charset="-122"/>
+                <a:ea typeface="微软雅黑" panose="020B0503020204020204" pitchFamily="34" charset="-122"/>
+              </a:rPr>
+              <a:t>(Negative)</a:t>
+            </a:r>
+            <a:endParaRPr lang="en-US" altLang="zh-CN" dirty="0">
+              <a:latin typeface="微软雅黑" panose="020B0503020204020204" pitchFamily="34" charset="-122"/>
+              <a:ea typeface="微软雅黑" panose="020B0503020204020204" pitchFamily="34" charset="-122"/>
+            </a:endParaRPr>
+          </a:p>
+        </p:txBody>
+      </p:sp>
+      <p:sp>
+        <p:nvSpPr>
+          <p:cNvPr id="58" name="矩形 57"/>
+          <p:cNvSpPr/>
+          <p:nvPr/>
+        </p:nvSpPr>
+        <p:spPr>
+          <a:xfrm>
+            <a:off x="5828097" y="901802"/>
+            <a:ext cx="914400" cy="914400"/>
+          </a:xfrm>
+          <a:prstGeom prst="rect">
+            <a:avLst/>
+          </a:prstGeom>
+          <a:solidFill>
+            <a:srgbClr val="FF0000"/>
+          </a:solidFill>
+        </p:spPr>
+        <p:style>
+          <a:lnRef idx="2">
+            <a:schemeClr val="accent1">
+              <a:shade val="50000"/>
+            </a:schemeClr>
+          </a:lnRef>
+          <a:fillRef idx="1">
+            <a:schemeClr val="accent1"/>
+          </a:fillRef>
+          <a:effectRef idx="0">
+            <a:schemeClr val="accent1"/>
+          </a:effectRef>
+          <a:fontRef idx="minor">
+            <a:schemeClr val="lt1"/>
+          </a:fontRef>
+        </p:style>
+        <p:txBody>
+          <a:bodyPr rtlCol="0" anchor="ctr"/>
+          <a:lstStyle/>
+          <a:p>
+            <a:pPr algn="ctr"/>
+            <a:endParaRPr lang="zh-CN" altLang="en-US"/>
+          </a:p>
+        </p:txBody>
+      </p:sp>
+      <p:sp>
+        <p:nvSpPr>
+          <p:cNvPr id="59" name="矩形 58"/>
+          <p:cNvSpPr/>
+          <p:nvPr/>
+        </p:nvSpPr>
+        <p:spPr>
+          <a:xfrm>
+            <a:off x="5828097" y="5269425"/>
+            <a:ext cx="914400" cy="914400"/>
+          </a:xfrm>
+          <a:prstGeom prst="rect">
+            <a:avLst/>
+          </a:prstGeom>
+          <a:solidFill>
+            <a:srgbClr val="FFFF00"/>
+          </a:solidFill>
+        </p:spPr>
+        <p:style>
+          <a:lnRef idx="2">
+            <a:schemeClr val="accent1">
+              <a:shade val="50000"/>
+            </a:schemeClr>
+          </a:lnRef>
+          <a:fillRef idx="1">
+            <a:schemeClr val="accent1"/>
+          </a:fillRef>
+          <a:effectRef idx="0">
+            <a:schemeClr val="accent1"/>
+          </a:effectRef>
+          <a:fontRef idx="minor">
+            <a:schemeClr val="lt1"/>
+          </a:fontRef>
+        </p:style>
+        <p:txBody>
+          <a:bodyPr rtlCol="0" anchor="ctr"/>
+          <a:lstStyle/>
+          <a:p>
+            <a:pPr algn="ctr"/>
+            <a:endParaRPr lang="zh-CN" altLang="en-US"/>
+          </a:p>
+        </p:txBody>
+      </p:sp>
+      <p:sp>
+        <p:nvSpPr>
+          <p:cNvPr id="60" name="矩形 59"/>
+          <p:cNvSpPr/>
+          <p:nvPr/>
+        </p:nvSpPr>
+        <p:spPr>
+          <a:xfrm>
+            <a:off x="5828097" y="3512797"/>
+            <a:ext cx="914400" cy="914400"/>
+          </a:xfrm>
+          <a:prstGeom prst="rect">
+            <a:avLst/>
+          </a:prstGeom>
+          <a:solidFill>
+            <a:srgbClr val="00B050"/>
+          </a:solidFill>
+        </p:spPr>
+        <p:style>
+          <a:lnRef idx="2">
+            <a:schemeClr val="accent1">
+              <a:shade val="50000"/>
+            </a:schemeClr>
+          </a:lnRef>
+          <a:fillRef idx="1">
+            <a:schemeClr val="accent1"/>
+          </a:fillRef>
+          <a:effectRef idx="0">
+            <a:schemeClr val="accent1"/>
+          </a:effectRef>
+          <a:fontRef idx="minor">
+            <a:schemeClr val="lt1"/>
+          </a:fontRef>
+        </p:style>
+        <p:txBody>
+          <a:bodyPr rtlCol="0" anchor="ctr"/>
+          <a:lstStyle/>
+          <a:p>
+            <a:pPr algn="ctr"/>
+            <a:endParaRPr lang="zh-CN" altLang="en-US"/>
+          </a:p>
+        </p:txBody>
+      </p:sp>
+      <p:sp>
+        <p:nvSpPr>
+          <p:cNvPr id="61" name="文本框 60"/>
+          <p:cNvSpPr txBox="1"/>
+          <p:nvPr/>
+        </p:nvSpPr>
+        <p:spPr>
+          <a:xfrm>
+            <a:off x="5423259" y="538579"/>
+            <a:ext cx="1880579" cy="369332"/>
+          </a:xfrm>
+          <a:prstGeom prst="rect">
+            <a:avLst/>
+          </a:prstGeom>
+          <a:noFill/>
+        </p:spPr>
+        <p:txBody>
+          <a:bodyPr wrap="none" rtlCol="0">
+            <a:spAutoFit/>
+          </a:bodyPr>
+          <a:lstStyle/>
+          <a:p>
+            <a:pPr algn="ctr"/>
+            <a:r>
+              <a:rPr lang="en-US" altLang="zh-CN" dirty="0" smtClean="0">
+                <a:latin typeface="微软雅黑" panose="020B0503020204020204" pitchFamily="34" charset="-122"/>
+                <a:ea typeface="微软雅黑" panose="020B0503020204020204" pitchFamily="34" charset="-122"/>
+              </a:rPr>
+              <a:t>Feature Anchor</a:t>
+            </a:r>
+            <a:endParaRPr lang="zh-CN" altLang="en-US" dirty="0">
+              <a:latin typeface="微软雅黑" panose="020B0503020204020204" pitchFamily="34" charset="-122"/>
+              <a:ea typeface="微软雅黑" panose="020B0503020204020204" pitchFamily="34" charset="-122"/>
+            </a:endParaRPr>
+          </a:p>
+        </p:txBody>
+      </p:sp>
+      <p:pic>
+        <p:nvPicPr>
+          <p:cNvPr id="62" name="图片 61"/>
+          <p:cNvPicPr>
+            <a:picLocks noChangeAspect="1"/>
+          </p:cNvPicPr>
+          <p:nvPr/>
+        </p:nvPicPr>
+        <p:blipFill>
+          <a:blip r:embed="rId4">
+            <a:extLst>
+              <a:ext uri="{28A0092B-C50C-407E-A947-70E740481C1C}">
+                <a14:useLocalDpi xmlns:a14="http://schemas.microsoft.com/office/drawing/2010/main" val="0"/>
+              </a:ext>
+            </a:extLst>
+          </a:blip>
+          <a:stretch>
+            <a:fillRect/>
+          </a:stretch>
+        </p:blipFill>
+        <p:spPr>
+          <a:xfrm>
+            <a:off x="656826" y="5033551"/>
+            <a:ext cx="1507140" cy="1188322"/>
+          </a:xfrm>
+          <a:prstGeom prst="rect">
+            <a:avLst/>
+          </a:prstGeom>
+        </p:spPr>
+      </p:pic>
+      <p:sp>
+        <p:nvSpPr>
+          <p:cNvPr id="65" name="文本框 64"/>
+          <p:cNvSpPr txBox="1"/>
+          <p:nvPr/>
+        </p:nvSpPr>
+        <p:spPr>
+          <a:xfrm>
+            <a:off x="5320708" y="3068763"/>
+            <a:ext cx="1929182" cy="369332"/>
+          </a:xfrm>
+          <a:prstGeom prst="rect">
+            <a:avLst/>
+          </a:prstGeom>
+          <a:noFill/>
+        </p:spPr>
+        <p:txBody>
+          <a:bodyPr wrap="none" rtlCol="0">
+            <a:spAutoFit/>
+          </a:bodyPr>
+          <a:lstStyle/>
+          <a:p>
+            <a:pPr algn="ctr"/>
+            <a:r>
+              <a:rPr lang="en-US" altLang="zh-CN" dirty="0" smtClean="0">
+                <a:latin typeface="微软雅黑" panose="020B0503020204020204" pitchFamily="34" charset="-122"/>
+                <a:ea typeface="微软雅黑" panose="020B0503020204020204" pitchFamily="34" charset="-122"/>
+              </a:rPr>
+              <a:t>Feature Positive</a:t>
+            </a:r>
+            <a:endParaRPr lang="zh-CN" altLang="en-US" dirty="0">
+              <a:latin typeface="微软雅黑" panose="020B0503020204020204" pitchFamily="34" charset="-122"/>
+              <a:ea typeface="微软雅黑" panose="020B0503020204020204" pitchFamily="34" charset="-122"/>
+            </a:endParaRPr>
+          </a:p>
+        </p:txBody>
+      </p:sp>
+      <p:sp>
+        <p:nvSpPr>
+          <p:cNvPr id="68" name="文本框 67"/>
+          <p:cNvSpPr txBox="1"/>
+          <p:nvPr/>
+        </p:nvSpPr>
+        <p:spPr>
+          <a:xfrm>
+            <a:off x="5247163" y="6221873"/>
+            <a:ext cx="2076274" cy="369332"/>
+          </a:xfrm>
+          <a:prstGeom prst="rect">
+            <a:avLst/>
+          </a:prstGeom>
+          <a:noFill/>
+        </p:spPr>
+        <p:txBody>
+          <a:bodyPr wrap="none" rtlCol="0">
+            <a:spAutoFit/>
+          </a:bodyPr>
+          <a:lstStyle/>
+          <a:p>
+            <a:pPr algn="ctr"/>
+            <a:r>
+              <a:rPr lang="en-US" altLang="zh-CN" dirty="0" smtClean="0">
+                <a:latin typeface="微软雅黑" panose="020B0503020204020204" pitchFamily="34" charset="-122"/>
+                <a:ea typeface="微软雅黑" panose="020B0503020204020204" pitchFamily="34" charset="-122"/>
+              </a:rPr>
+              <a:t>Feature Negative</a:t>
+            </a:r>
+            <a:endParaRPr lang="zh-CN" altLang="en-US" dirty="0">
+              <a:latin typeface="微软雅黑" panose="020B0503020204020204" pitchFamily="34" charset="-122"/>
+              <a:ea typeface="微软雅黑" panose="020B0503020204020204" pitchFamily="34" charset="-122"/>
+            </a:endParaRPr>
+          </a:p>
+        </p:txBody>
+      </p:sp>
+      <p:cxnSp>
+        <p:nvCxnSpPr>
+          <p:cNvPr id="73" name="直接箭头连接符 72"/>
+          <p:cNvCxnSpPr>
+            <a:stCxn id="6" idx="3"/>
+            <a:endCxn id="58" idx="1"/>
+          </p:cNvCxnSpPr>
+          <p:nvPr/>
+        </p:nvCxnSpPr>
+        <p:spPr>
+          <a:xfrm>
+            <a:off x="5423259" y="1359002"/>
+            <a:ext cx="404838" cy="0"/>
+          </a:xfrm>
+          <a:prstGeom prst="straightConnector1">
+            <a:avLst/>
+          </a:prstGeom>
+          <a:ln>
+            <a:tailEnd type="triangle"/>
+          </a:ln>
+        </p:spPr>
+        <p:style>
+          <a:lnRef idx="1">
+            <a:schemeClr val="accent1"/>
+          </a:lnRef>
+          <a:fillRef idx="0">
+            <a:schemeClr val="accent1"/>
+          </a:fillRef>
+          <a:effectRef idx="0">
+            <a:schemeClr val="accent1"/>
+          </a:effectRef>
+          <a:fontRef idx="minor">
+            <a:schemeClr val="tx1"/>
+          </a:fontRef>
+        </p:style>
+      </p:cxnSp>
+      <p:cxnSp>
+        <p:nvCxnSpPr>
+          <p:cNvPr id="76" name="直接箭头连接符 75"/>
+          <p:cNvCxnSpPr>
+            <a:stCxn id="58" idx="3"/>
+            <a:endCxn id="12" idx="1"/>
+          </p:cNvCxnSpPr>
+          <p:nvPr/>
+        </p:nvCxnSpPr>
+        <p:spPr>
+          <a:xfrm>
+            <a:off x="6742497" y="1359002"/>
+            <a:ext cx="884454" cy="0"/>
+          </a:xfrm>
+          <a:prstGeom prst="straightConnector1">
+            <a:avLst/>
+          </a:prstGeom>
+          <a:ln>
+            <a:tailEnd type="triangle"/>
+          </a:ln>
+        </p:spPr>
+        <p:style>
+          <a:lnRef idx="1">
+            <a:schemeClr val="accent1"/>
+          </a:lnRef>
+          <a:fillRef idx="0">
+            <a:schemeClr val="accent1"/>
+          </a:fillRef>
+          <a:effectRef idx="0">
+            <a:schemeClr val="accent1"/>
+          </a:effectRef>
+          <a:fontRef idx="minor">
+            <a:schemeClr val="tx1"/>
+          </a:fontRef>
+        </p:style>
+      </p:cxnSp>
+      <p:cxnSp>
+        <p:nvCxnSpPr>
+          <p:cNvPr id="81" name="直接箭头连接符 80"/>
+          <p:cNvCxnSpPr>
+            <a:stCxn id="44" idx="3"/>
+            <a:endCxn id="60" idx="1"/>
+          </p:cNvCxnSpPr>
+          <p:nvPr/>
+        </p:nvCxnSpPr>
+        <p:spPr>
+          <a:xfrm flipV="1">
+            <a:off x="5423259" y="3969997"/>
+            <a:ext cx="404838" cy="889964"/>
+          </a:xfrm>
+          <a:prstGeom prst="straightConnector1">
+            <a:avLst/>
+          </a:prstGeom>
+          <a:ln>
+            <a:tailEnd type="triangle"/>
+          </a:ln>
+        </p:spPr>
+        <p:style>
+          <a:lnRef idx="1">
+            <a:schemeClr val="accent1"/>
+          </a:lnRef>
+          <a:fillRef idx="0">
+            <a:schemeClr val="accent1"/>
+          </a:fillRef>
+          <a:effectRef idx="0">
+            <a:schemeClr val="accent1"/>
+          </a:effectRef>
+          <a:fontRef idx="minor">
+            <a:schemeClr val="tx1"/>
+          </a:fontRef>
+        </p:style>
+      </p:cxnSp>
+      <p:cxnSp>
+        <p:nvCxnSpPr>
+          <p:cNvPr id="83" name="直接箭头连接符 82"/>
+          <p:cNvCxnSpPr>
+            <a:stCxn id="44" idx="3"/>
+            <a:endCxn id="59" idx="1"/>
+          </p:cNvCxnSpPr>
+          <p:nvPr/>
+        </p:nvCxnSpPr>
+        <p:spPr>
+          <a:xfrm>
+            <a:off x="5423259" y="4859961"/>
+            <a:ext cx="404838" cy="866664"/>
+          </a:xfrm>
+          <a:prstGeom prst="straightConnector1">
+            <a:avLst/>
+          </a:prstGeom>
+          <a:ln>
+            <a:tailEnd type="triangle"/>
+          </a:ln>
+        </p:spPr>
+        <p:style>
+          <a:lnRef idx="1">
+            <a:schemeClr val="accent1"/>
+          </a:lnRef>
+          <a:fillRef idx="0">
+            <a:schemeClr val="accent1"/>
+          </a:fillRef>
+          <a:effectRef idx="0">
+            <a:schemeClr val="accent1"/>
+          </a:effectRef>
+          <a:fontRef idx="minor">
+            <a:schemeClr val="tx1"/>
+          </a:fontRef>
+        </p:style>
+      </p:cxnSp>
+      <p:cxnSp>
+        <p:nvCxnSpPr>
+          <p:cNvPr id="85" name="肘形连接符 84"/>
+          <p:cNvCxnSpPr>
+            <a:stCxn id="60" idx="3"/>
+            <a:endCxn id="13" idx="1"/>
+          </p:cNvCxnSpPr>
+          <p:nvPr/>
+        </p:nvCxnSpPr>
+        <p:spPr>
+          <a:xfrm>
+            <a:off x="6742497" y="3969997"/>
+            <a:ext cx="884454" cy="921703"/>
+          </a:xfrm>
+          <a:prstGeom prst="bentConnector3">
+            <a:avLst/>
+          </a:prstGeom>
+          <a:ln>
+            <a:tailEnd type="triangle"/>
+          </a:ln>
+        </p:spPr>
+        <p:style>
+          <a:lnRef idx="1">
+            <a:schemeClr val="accent1"/>
+          </a:lnRef>
+          <a:fillRef idx="0">
+            <a:schemeClr val="accent1"/>
+          </a:fillRef>
+          <a:effectRef idx="0">
+            <a:schemeClr val="accent1"/>
+          </a:effectRef>
+          <a:fontRef idx="minor">
+            <a:schemeClr val="tx1"/>
+          </a:fontRef>
+        </p:style>
+      </p:cxnSp>
+      <p:cxnSp>
+        <p:nvCxnSpPr>
+          <p:cNvPr id="87" name="肘形连接符 86"/>
+          <p:cNvCxnSpPr>
+            <a:stCxn id="59" idx="3"/>
+            <a:endCxn id="13" idx="1"/>
+          </p:cNvCxnSpPr>
+          <p:nvPr/>
+        </p:nvCxnSpPr>
+        <p:spPr>
+          <a:xfrm flipV="1">
+            <a:off x="6742497" y="4891700"/>
+            <a:ext cx="884454" cy="834925"/>
+          </a:xfrm>
+          <a:prstGeom prst="bentConnector3">
+            <a:avLst/>
+          </a:prstGeom>
+          <a:ln>
+            <a:tailEnd type="triangle"/>
+          </a:ln>
+        </p:spPr>
+        <p:style>
+          <a:lnRef idx="1">
+            <a:schemeClr val="accent1"/>
+          </a:lnRef>
+          <a:fillRef idx="0">
+            <a:schemeClr val="accent1"/>
+          </a:fillRef>
+          <a:effectRef idx="0">
+            <a:schemeClr val="accent1"/>
+          </a:effectRef>
+          <a:fontRef idx="minor">
+            <a:schemeClr val="tx1"/>
+          </a:fontRef>
+        </p:style>
+      </p:cxnSp>
+      <p:cxnSp>
+        <p:nvCxnSpPr>
+          <p:cNvPr id="89" name="肘形连接符 88"/>
+          <p:cNvCxnSpPr>
+            <a:stCxn id="58" idx="3"/>
+            <a:endCxn id="13" idx="1"/>
+          </p:cNvCxnSpPr>
+          <p:nvPr/>
+        </p:nvCxnSpPr>
+        <p:spPr>
+          <a:xfrm>
+            <a:off x="6742497" y="1359002"/>
+            <a:ext cx="884454" cy="3532698"/>
+          </a:xfrm>
+          <a:prstGeom prst="bentConnector3">
             <a:avLst/>
           </a:prstGeom>
           <a:ln>
@@ -6527,6 +6932,2639 @@
   <p:clrMapOvr>
     <a:masterClrMapping/>
   </p:clrMapOvr>
+  <p:timing>
+    <p:tnLst>
+      <p:par>
+        <p:cTn id="1" dur="indefinite" restart="never" nodeType="tmRoot"/>
+      </p:par>
+    </p:tnLst>
+  </p:timing>
+</p:sld>
+</file>
+
+<file path=ppt/slides/slide4.xml><?xml version="1.0" encoding="utf-8"?>
+<p:sld xmlns:a="http://schemas.openxmlformats.org/drawingml/2006/main" xmlns:r="http://schemas.openxmlformats.org/officeDocument/2006/relationships" xmlns:p="http://schemas.openxmlformats.org/presentationml/2006/main">
+  <p:cSld>
+    <p:spTree>
+      <p:nvGrpSpPr>
+        <p:cNvPr id="1" name=""/>
+        <p:cNvGrpSpPr/>
+        <p:nvPr/>
+      </p:nvGrpSpPr>
+      <p:grpSpPr>
+        <a:xfrm>
+          <a:off x="0" y="0"/>
+          <a:ext cx="0" cy="0"/>
+          <a:chOff x="0" y="0"/>
+          <a:chExt cx="0" cy="0"/>
+        </a:xfrm>
+      </p:grpSpPr>
+      <p:pic>
+        <p:nvPicPr>
+          <p:cNvPr id="5" name="图片 4"/>
+          <p:cNvPicPr>
+            <a:picLocks noChangeAspect="1"/>
+          </p:cNvPicPr>
+          <p:nvPr/>
+        </p:nvPicPr>
+        <p:blipFill>
+          <a:blip r:embed="rId2"/>
+          <a:stretch>
+            <a:fillRect/>
+          </a:stretch>
+        </p:blipFill>
+        <p:spPr>
+          <a:xfrm>
+            <a:off x="640926" y="4211760"/>
+            <a:ext cx="2238027" cy="1017285"/>
+          </a:xfrm>
+          <a:prstGeom prst="rect">
+            <a:avLst/>
+          </a:prstGeom>
+        </p:spPr>
+      </p:pic>
+      <p:sp>
+        <p:nvSpPr>
+          <p:cNvPr id="9" name="圆角矩形 8"/>
+          <p:cNvSpPr/>
+          <p:nvPr/>
+        </p:nvSpPr>
+        <p:spPr>
+          <a:xfrm>
+            <a:off x="3139585" y="4354813"/>
+            <a:ext cx="1699713" cy="700010"/>
+          </a:xfrm>
+          <a:prstGeom prst="roundRect">
+            <a:avLst/>
+          </a:prstGeom>
+        </p:spPr>
+        <p:style>
+          <a:lnRef idx="2">
+            <a:schemeClr val="accent1">
+              <a:shade val="50000"/>
+            </a:schemeClr>
+          </a:lnRef>
+          <a:fillRef idx="1">
+            <a:schemeClr val="accent1"/>
+          </a:fillRef>
+          <a:effectRef idx="0">
+            <a:schemeClr val="accent1"/>
+          </a:effectRef>
+          <a:fontRef idx="minor">
+            <a:schemeClr val="lt1"/>
+          </a:fontRef>
+        </p:style>
+        <p:txBody>
+          <a:bodyPr rtlCol="0" anchor="ctr"/>
+          <a:lstStyle/>
+          <a:p>
+            <a:pPr algn="ctr"/>
+            <a:r>
+              <a:rPr lang="en-US" altLang="zh-CN" dirty="0" smtClean="0">
+                <a:latin typeface="微软雅黑" panose="020B0503020204020204" pitchFamily="34" charset="-122"/>
+                <a:ea typeface="微软雅黑" panose="020B0503020204020204" pitchFamily="34" charset="-122"/>
+              </a:rPr>
+              <a:t>Conv1d</a:t>
+            </a:r>
+            <a:endParaRPr lang="en-US" altLang="zh-CN" dirty="0" smtClean="0">
+              <a:latin typeface="微软雅黑" panose="020B0503020204020204" pitchFamily="34" charset="-122"/>
+              <a:ea typeface="微软雅黑" panose="020B0503020204020204" pitchFamily="34" charset="-122"/>
+            </a:endParaRPr>
+          </a:p>
+        </p:txBody>
+      </p:sp>
+      <p:cxnSp>
+        <p:nvCxnSpPr>
+          <p:cNvPr id="23" name="直接箭头连接符 22"/>
+          <p:cNvCxnSpPr>
+            <a:endCxn id="9" idx="1"/>
+          </p:cNvCxnSpPr>
+          <p:nvPr/>
+        </p:nvCxnSpPr>
+        <p:spPr>
+          <a:xfrm flipV="1">
+            <a:off x="2620537" y="4704818"/>
+            <a:ext cx="519048" cy="15584"/>
+          </a:xfrm>
+          <a:prstGeom prst="straightConnector1">
+            <a:avLst/>
+          </a:prstGeom>
+          <a:ln>
+            <a:tailEnd type="triangle"/>
+          </a:ln>
+        </p:spPr>
+        <p:style>
+          <a:lnRef idx="1">
+            <a:schemeClr val="accent1"/>
+          </a:lnRef>
+          <a:fillRef idx="0">
+            <a:schemeClr val="accent1"/>
+          </a:fillRef>
+          <a:effectRef idx="0">
+            <a:schemeClr val="accent1"/>
+          </a:effectRef>
+          <a:fontRef idx="minor">
+            <a:schemeClr val="tx1"/>
+          </a:fontRef>
+        </p:style>
+      </p:cxnSp>
+      <p:sp>
+        <p:nvSpPr>
+          <p:cNvPr id="21" name="文本框 20"/>
+          <p:cNvSpPr txBox="1"/>
+          <p:nvPr/>
+        </p:nvSpPr>
+        <p:spPr>
+          <a:xfrm>
+            <a:off x="946163" y="5227490"/>
+            <a:ext cx="1533625" cy="369332"/>
+          </a:xfrm>
+          <a:prstGeom prst="rect">
+            <a:avLst/>
+          </a:prstGeom>
+          <a:noFill/>
+        </p:spPr>
+        <p:txBody>
+          <a:bodyPr wrap="none" rtlCol="0">
+            <a:spAutoFit/>
+          </a:bodyPr>
+          <a:lstStyle/>
+          <a:p>
+            <a:r>
+              <a:rPr lang="en-US" altLang="zh-CN" dirty="0" smtClean="0">
+                <a:latin typeface="微软雅黑" panose="020B0503020204020204" pitchFamily="34" charset="-122"/>
+                <a:ea typeface="微软雅黑" panose="020B0503020204020204" pitchFamily="34" charset="-122"/>
+              </a:rPr>
+              <a:t>Partial Input</a:t>
+            </a:r>
+            <a:endParaRPr lang="zh-CN" altLang="en-US" dirty="0">
+              <a:latin typeface="微软雅黑" panose="020B0503020204020204" pitchFamily="34" charset="-122"/>
+              <a:ea typeface="微软雅黑" panose="020B0503020204020204" pitchFamily="34" charset="-122"/>
+            </a:endParaRPr>
+          </a:p>
+        </p:txBody>
+      </p:sp>
+      <p:sp>
+        <p:nvSpPr>
+          <p:cNvPr id="6" name="矩形 5"/>
+          <p:cNvSpPr/>
+          <p:nvPr/>
+        </p:nvSpPr>
+        <p:spPr>
+          <a:xfrm>
+            <a:off x="5490594" y="4219292"/>
+            <a:ext cx="521263" cy="971052"/>
+          </a:xfrm>
+          <a:prstGeom prst="rect">
+            <a:avLst/>
+          </a:prstGeom>
+          <a:solidFill>
+            <a:schemeClr val="accent3"/>
+          </a:solidFill>
+        </p:spPr>
+        <p:style>
+          <a:lnRef idx="2">
+            <a:schemeClr val="accent1">
+              <a:shade val="50000"/>
+            </a:schemeClr>
+          </a:lnRef>
+          <a:fillRef idx="1">
+            <a:schemeClr val="accent1"/>
+          </a:fillRef>
+          <a:effectRef idx="0">
+            <a:schemeClr val="accent1"/>
+          </a:effectRef>
+          <a:fontRef idx="minor">
+            <a:schemeClr val="lt1"/>
+          </a:fontRef>
+        </p:style>
+        <p:txBody>
+          <a:bodyPr rtlCol="0" anchor="ctr"/>
+          <a:lstStyle/>
+          <a:p>
+            <a:pPr algn="ctr"/>
+            <a:endParaRPr lang="zh-CN" altLang="en-US"/>
+          </a:p>
+        </p:txBody>
+      </p:sp>
+      <p:sp>
+        <p:nvSpPr>
+          <p:cNvPr id="26" name="圆角矩形 25"/>
+          <p:cNvSpPr/>
+          <p:nvPr/>
+        </p:nvSpPr>
+        <p:spPr>
+          <a:xfrm>
+            <a:off x="6425690" y="4354813"/>
+            <a:ext cx="1790921" cy="714177"/>
+          </a:xfrm>
+          <a:prstGeom prst="roundRect">
+            <a:avLst/>
+          </a:prstGeom>
+        </p:spPr>
+        <p:style>
+          <a:lnRef idx="2">
+            <a:schemeClr val="accent1">
+              <a:shade val="50000"/>
+            </a:schemeClr>
+          </a:lnRef>
+          <a:fillRef idx="1">
+            <a:schemeClr val="accent1"/>
+          </a:fillRef>
+          <a:effectRef idx="0">
+            <a:schemeClr val="accent1"/>
+          </a:effectRef>
+          <a:fontRef idx="minor">
+            <a:schemeClr val="lt1"/>
+          </a:fontRef>
+        </p:style>
+        <p:txBody>
+          <a:bodyPr rtlCol="0" anchor="ctr"/>
+          <a:lstStyle/>
+          <a:p>
+            <a:pPr algn="ctr"/>
+            <a:r>
+              <a:rPr lang="en-US" altLang="zh-CN" dirty="0" smtClean="0">
+                <a:latin typeface="微软雅黑" panose="020B0503020204020204" pitchFamily="34" charset="-122"/>
+                <a:ea typeface="微软雅黑" panose="020B0503020204020204" pitchFamily="34" charset="-122"/>
+              </a:rPr>
+              <a:t>Pointwise</a:t>
+            </a:r>
+          </a:p>
+          <a:p>
+            <a:pPr algn="ctr"/>
+            <a:r>
+              <a:rPr lang="en-US" altLang="zh-CN" dirty="0" err="1" smtClean="0">
+                <a:latin typeface="微软雅黑" panose="020B0503020204020204" pitchFamily="34" charset="-122"/>
+                <a:ea typeface="微软雅黑" panose="020B0503020204020204" pitchFamily="34" charset="-122"/>
+              </a:rPr>
+              <a:t>Maxpool</a:t>
+            </a:r>
+            <a:endParaRPr lang="en-US" altLang="zh-CN" dirty="0" smtClean="0">
+              <a:latin typeface="微软雅黑" panose="020B0503020204020204" pitchFamily="34" charset="-122"/>
+              <a:ea typeface="微软雅黑" panose="020B0503020204020204" pitchFamily="34" charset="-122"/>
+            </a:endParaRPr>
+          </a:p>
+        </p:txBody>
+      </p:sp>
+      <p:sp>
+        <p:nvSpPr>
+          <p:cNvPr id="30" name="文本框 29"/>
+          <p:cNvSpPr txBox="1"/>
+          <p:nvPr/>
+        </p:nvSpPr>
+        <p:spPr>
+          <a:xfrm>
+            <a:off x="4946998" y="5231658"/>
+            <a:ext cx="1608454" cy="369332"/>
+          </a:xfrm>
+          <a:prstGeom prst="rect">
+            <a:avLst/>
+          </a:prstGeom>
+          <a:noFill/>
+        </p:spPr>
+        <p:txBody>
+          <a:bodyPr wrap="none" rtlCol="0">
+            <a:spAutoFit/>
+          </a:bodyPr>
+          <a:lstStyle/>
+          <a:p>
+            <a:r>
+              <a:rPr lang="en-US" altLang="zh-CN" dirty="0" smtClean="0">
+                <a:latin typeface="微软雅黑" panose="020B0503020204020204" pitchFamily="34" charset="-122"/>
+                <a:ea typeface="微软雅黑" panose="020B0503020204020204" pitchFamily="34" charset="-122"/>
+              </a:rPr>
+              <a:t>Point feature</a:t>
+            </a:r>
+            <a:endParaRPr lang="zh-CN" altLang="en-US" dirty="0">
+              <a:latin typeface="微软雅黑" panose="020B0503020204020204" pitchFamily="34" charset="-122"/>
+              <a:ea typeface="微软雅黑" panose="020B0503020204020204" pitchFamily="34" charset="-122"/>
+            </a:endParaRPr>
+          </a:p>
+        </p:txBody>
+      </p:sp>
+      <p:sp>
+        <p:nvSpPr>
+          <p:cNvPr id="34" name="矩形 33"/>
+          <p:cNvSpPr/>
+          <p:nvPr/>
+        </p:nvSpPr>
+        <p:spPr>
+          <a:xfrm>
+            <a:off x="8569889" y="4226375"/>
+            <a:ext cx="521263" cy="971052"/>
+          </a:xfrm>
+          <a:prstGeom prst="rect">
+            <a:avLst/>
+          </a:prstGeom>
+          <a:solidFill>
+            <a:schemeClr val="accent6">
+              <a:lumMod val="50000"/>
+            </a:schemeClr>
+          </a:solidFill>
+        </p:spPr>
+        <p:style>
+          <a:lnRef idx="2">
+            <a:schemeClr val="accent1">
+              <a:shade val="50000"/>
+            </a:schemeClr>
+          </a:lnRef>
+          <a:fillRef idx="1">
+            <a:schemeClr val="accent1"/>
+          </a:fillRef>
+          <a:effectRef idx="0">
+            <a:schemeClr val="accent1"/>
+          </a:effectRef>
+          <a:fontRef idx="minor">
+            <a:schemeClr val="lt1"/>
+          </a:fontRef>
+        </p:style>
+        <p:txBody>
+          <a:bodyPr rtlCol="0" anchor="ctr"/>
+          <a:lstStyle/>
+          <a:p>
+            <a:pPr algn="ctr"/>
+            <a:endParaRPr lang="zh-CN" altLang="en-US"/>
+          </a:p>
+        </p:txBody>
+      </p:sp>
+      <p:sp>
+        <p:nvSpPr>
+          <p:cNvPr id="36" name="文本框 35"/>
+          <p:cNvSpPr txBox="1"/>
+          <p:nvPr/>
+        </p:nvSpPr>
+        <p:spPr>
+          <a:xfrm>
+            <a:off x="8017737" y="5228706"/>
+            <a:ext cx="1752275" cy="369332"/>
+          </a:xfrm>
+          <a:prstGeom prst="rect">
+            <a:avLst/>
+          </a:prstGeom>
+          <a:noFill/>
+        </p:spPr>
+        <p:txBody>
+          <a:bodyPr wrap="none" rtlCol="0">
+            <a:spAutoFit/>
+          </a:bodyPr>
+          <a:lstStyle/>
+          <a:p>
+            <a:r>
+              <a:rPr lang="en-US" altLang="zh-CN" dirty="0" smtClean="0">
+                <a:latin typeface="微软雅黑" panose="020B0503020204020204" pitchFamily="34" charset="-122"/>
+                <a:ea typeface="微软雅黑" panose="020B0503020204020204" pitchFamily="34" charset="-122"/>
+              </a:rPr>
+              <a:t>Global feature</a:t>
+            </a:r>
+            <a:endParaRPr lang="zh-CN" altLang="en-US" dirty="0">
+              <a:latin typeface="微软雅黑" panose="020B0503020204020204" pitchFamily="34" charset="-122"/>
+              <a:ea typeface="微软雅黑" panose="020B0503020204020204" pitchFamily="34" charset="-122"/>
+            </a:endParaRPr>
+          </a:p>
+        </p:txBody>
+      </p:sp>
+      <p:sp>
+        <p:nvSpPr>
+          <p:cNvPr id="37" name="圆角矩形 36"/>
+          <p:cNvSpPr/>
+          <p:nvPr/>
+        </p:nvSpPr>
+        <p:spPr>
+          <a:xfrm>
+            <a:off x="6516898" y="1384871"/>
+            <a:ext cx="1699713" cy="700010"/>
+          </a:xfrm>
+          <a:prstGeom prst="roundRect">
+            <a:avLst/>
+          </a:prstGeom>
+        </p:spPr>
+        <p:style>
+          <a:lnRef idx="2">
+            <a:schemeClr val="accent1">
+              <a:shade val="50000"/>
+            </a:schemeClr>
+          </a:lnRef>
+          <a:fillRef idx="1">
+            <a:schemeClr val="accent1"/>
+          </a:fillRef>
+          <a:effectRef idx="0">
+            <a:schemeClr val="accent1"/>
+          </a:effectRef>
+          <a:fontRef idx="minor">
+            <a:schemeClr val="lt1"/>
+          </a:fontRef>
+        </p:style>
+        <p:txBody>
+          <a:bodyPr rtlCol="0" anchor="ctr"/>
+          <a:lstStyle/>
+          <a:p>
+            <a:pPr algn="ctr"/>
+            <a:r>
+              <a:rPr lang="en-US" altLang="zh-CN" dirty="0" smtClean="0">
+                <a:latin typeface="微软雅黑" panose="020B0503020204020204" pitchFamily="34" charset="-122"/>
+                <a:ea typeface="微软雅黑" panose="020B0503020204020204" pitchFamily="34" charset="-122"/>
+              </a:rPr>
+              <a:t>Conv1d</a:t>
+            </a:r>
+            <a:endParaRPr lang="en-US" altLang="zh-CN" dirty="0" smtClean="0">
+              <a:latin typeface="微软雅黑" panose="020B0503020204020204" pitchFamily="34" charset="-122"/>
+              <a:ea typeface="微软雅黑" panose="020B0503020204020204" pitchFamily="34" charset="-122"/>
+            </a:endParaRPr>
+          </a:p>
+        </p:txBody>
+      </p:sp>
+      <p:sp>
+        <p:nvSpPr>
+          <p:cNvPr id="39" name="圆角矩形 38"/>
+          <p:cNvSpPr/>
+          <p:nvPr/>
+        </p:nvSpPr>
+        <p:spPr>
+          <a:xfrm>
+            <a:off x="4162755" y="1377787"/>
+            <a:ext cx="1790921" cy="714177"/>
+          </a:xfrm>
+          <a:prstGeom prst="roundRect">
+            <a:avLst/>
+          </a:prstGeom>
+        </p:spPr>
+        <p:style>
+          <a:lnRef idx="2">
+            <a:schemeClr val="accent1">
+              <a:shade val="50000"/>
+            </a:schemeClr>
+          </a:lnRef>
+          <a:fillRef idx="1">
+            <a:schemeClr val="accent1"/>
+          </a:fillRef>
+          <a:effectRef idx="0">
+            <a:schemeClr val="accent1"/>
+          </a:effectRef>
+          <a:fontRef idx="minor">
+            <a:schemeClr val="lt1"/>
+          </a:fontRef>
+        </p:style>
+        <p:txBody>
+          <a:bodyPr rtlCol="0" anchor="ctr"/>
+          <a:lstStyle/>
+          <a:p>
+            <a:pPr algn="ctr"/>
+            <a:r>
+              <a:rPr lang="en-US" altLang="zh-CN" dirty="0" smtClean="0">
+                <a:latin typeface="微软雅黑" panose="020B0503020204020204" pitchFamily="34" charset="-122"/>
+                <a:ea typeface="微软雅黑" panose="020B0503020204020204" pitchFamily="34" charset="-122"/>
+              </a:rPr>
+              <a:t>Pointwise</a:t>
+            </a:r>
+          </a:p>
+          <a:p>
+            <a:pPr algn="ctr"/>
+            <a:r>
+              <a:rPr lang="en-US" altLang="zh-CN" dirty="0" err="1" smtClean="0">
+                <a:latin typeface="微软雅黑" panose="020B0503020204020204" pitchFamily="34" charset="-122"/>
+                <a:ea typeface="微软雅黑" panose="020B0503020204020204" pitchFamily="34" charset="-122"/>
+              </a:rPr>
+              <a:t>Maxpool</a:t>
+            </a:r>
+            <a:endParaRPr lang="en-US" altLang="zh-CN" dirty="0" smtClean="0">
+              <a:latin typeface="微软雅黑" panose="020B0503020204020204" pitchFamily="34" charset="-122"/>
+              <a:ea typeface="微软雅黑" panose="020B0503020204020204" pitchFamily="34" charset="-122"/>
+            </a:endParaRPr>
+          </a:p>
+        </p:txBody>
+      </p:sp>
+      <p:sp>
+        <p:nvSpPr>
+          <p:cNvPr id="41" name="矩形 40"/>
+          <p:cNvSpPr/>
+          <p:nvPr/>
+        </p:nvSpPr>
+        <p:spPr>
+          <a:xfrm>
+            <a:off x="3097820" y="1249350"/>
+            <a:ext cx="521263" cy="971052"/>
+          </a:xfrm>
+          <a:prstGeom prst="rect">
+            <a:avLst/>
+          </a:prstGeom>
+          <a:solidFill>
+            <a:schemeClr val="accent4">
+              <a:lumMod val="50000"/>
+            </a:schemeClr>
+          </a:solidFill>
+        </p:spPr>
+        <p:style>
+          <a:lnRef idx="2">
+            <a:schemeClr val="accent1">
+              <a:shade val="50000"/>
+            </a:schemeClr>
+          </a:lnRef>
+          <a:fillRef idx="1">
+            <a:schemeClr val="accent1"/>
+          </a:fillRef>
+          <a:effectRef idx="0">
+            <a:schemeClr val="accent1"/>
+          </a:effectRef>
+          <a:fontRef idx="minor">
+            <a:schemeClr val="lt1"/>
+          </a:fontRef>
+        </p:style>
+        <p:txBody>
+          <a:bodyPr rtlCol="0" anchor="ctr"/>
+          <a:lstStyle/>
+          <a:p>
+            <a:pPr algn="ctr"/>
+            <a:endParaRPr lang="zh-CN" altLang="en-US"/>
+          </a:p>
+        </p:txBody>
+      </p:sp>
+      <p:sp>
+        <p:nvSpPr>
+          <p:cNvPr id="42" name="文本框 41"/>
+          <p:cNvSpPr txBox="1"/>
+          <p:nvPr/>
+        </p:nvSpPr>
+        <p:spPr>
+          <a:xfrm>
+            <a:off x="2851774" y="858457"/>
+            <a:ext cx="1013354" cy="369332"/>
+          </a:xfrm>
+          <a:prstGeom prst="rect">
+            <a:avLst/>
+          </a:prstGeom>
+          <a:noFill/>
+        </p:spPr>
+        <p:txBody>
+          <a:bodyPr wrap="none" rtlCol="0">
+            <a:spAutoFit/>
+          </a:bodyPr>
+          <a:lstStyle/>
+          <a:p>
+            <a:r>
+              <a:rPr lang="en-US" altLang="zh-CN" dirty="0" smtClean="0">
+                <a:latin typeface="微软雅黑" panose="020B0503020204020204" pitchFamily="34" charset="-122"/>
+                <a:ea typeface="微软雅黑" panose="020B0503020204020204" pitchFamily="34" charset="-122"/>
+              </a:rPr>
+              <a:t>Feature</a:t>
+            </a:r>
+            <a:endParaRPr lang="zh-CN" altLang="en-US" dirty="0">
+              <a:latin typeface="微软雅黑" panose="020B0503020204020204" pitchFamily="34" charset="-122"/>
+              <a:ea typeface="微软雅黑" panose="020B0503020204020204" pitchFamily="34" charset="-122"/>
+            </a:endParaRPr>
+          </a:p>
+        </p:txBody>
+      </p:sp>
+      <p:cxnSp>
+        <p:nvCxnSpPr>
+          <p:cNvPr id="11" name="直接箭头连接符 10"/>
+          <p:cNvCxnSpPr>
+            <a:stCxn id="41" idx="1"/>
+          </p:cNvCxnSpPr>
+          <p:nvPr/>
+        </p:nvCxnSpPr>
+        <p:spPr>
+          <a:xfrm flipH="1" flipV="1">
+            <a:off x="1137424" y="1722025"/>
+            <a:ext cx="1960396" cy="12851"/>
+          </a:xfrm>
+          <a:prstGeom prst="straightConnector1">
+            <a:avLst/>
+          </a:prstGeom>
+          <a:ln>
+            <a:tailEnd type="triangle"/>
+          </a:ln>
+        </p:spPr>
+        <p:style>
+          <a:lnRef idx="1">
+            <a:schemeClr val="accent1"/>
+          </a:lnRef>
+          <a:fillRef idx="0">
+            <a:schemeClr val="accent1"/>
+          </a:fillRef>
+          <a:effectRef idx="0">
+            <a:schemeClr val="accent1"/>
+          </a:effectRef>
+          <a:fontRef idx="minor">
+            <a:schemeClr val="tx1"/>
+          </a:fontRef>
+        </p:style>
+      </p:cxnSp>
+      <p:cxnSp>
+        <p:nvCxnSpPr>
+          <p:cNvPr id="22" name="直接箭头连接符 21"/>
+          <p:cNvCxnSpPr>
+            <a:stCxn id="9" idx="3"/>
+          </p:cNvCxnSpPr>
+          <p:nvPr/>
+        </p:nvCxnSpPr>
+        <p:spPr>
+          <a:xfrm>
+            <a:off x="4839298" y="4704818"/>
+            <a:ext cx="641547" cy="0"/>
+          </a:xfrm>
+          <a:prstGeom prst="straightConnector1">
+            <a:avLst/>
+          </a:prstGeom>
+          <a:ln>
+            <a:tailEnd type="triangle"/>
+          </a:ln>
+        </p:spPr>
+        <p:style>
+          <a:lnRef idx="1">
+            <a:schemeClr val="accent1"/>
+          </a:lnRef>
+          <a:fillRef idx="0">
+            <a:schemeClr val="accent1"/>
+          </a:fillRef>
+          <a:effectRef idx="0">
+            <a:schemeClr val="accent1"/>
+          </a:effectRef>
+          <a:fontRef idx="minor">
+            <a:schemeClr val="tx1"/>
+          </a:fontRef>
+        </p:style>
+      </p:cxnSp>
+      <p:cxnSp>
+        <p:nvCxnSpPr>
+          <p:cNvPr id="28" name="直接箭头连接符 27"/>
+          <p:cNvCxnSpPr>
+            <a:stCxn id="6" idx="3"/>
+            <a:endCxn id="26" idx="1"/>
+          </p:cNvCxnSpPr>
+          <p:nvPr/>
+        </p:nvCxnSpPr>
+        <p:spPr>
+          <a:xfrm>
+            <a:off x="6011857" y="4704818"/>
+            <a:ext cx="413833" cy="7084"/>
+          </a:xfrm>
+          <a:prstGeom prst="straightConnector1">
+            <a:avLst/>
+          </a:prstGeom>
+          <a:ln>
+            <a:tailEnd type="triangle"/>
+          </a:ln>
+        </p:spPr>
+        <p:style>
+          <a:lnRef idx="1">
+            <a:schemeClr val="accent1"/>
+          </a:lnRef>
+          <a:fillRef idx="0">
+            <a:schemeClr val="accent1"/>
+          </a:fillRef>
+          <a:effectRef idx="0">
+            <a:schemeClr val="accent1"/>
+          </a:effectRef>
+          <a:fontRef idx="minor">
+            <a:schemeClr val="tx1"/>
+          </a:fontRef>
+        </p:style>
+      </p:cxnSp>
+      <p:cxnSp>
+        <p:nvCxnSpPr>
+          <p:cNvPr id="45" name="直接箭头连接符 44"/>
+          <p:cNvCxnSpPr>
+            <a:stCxn id="26" idx="3"/>
+            <a:endCxn id="34" idx="1"/>
+          </p:cNvCxnSpPr>
+          <p:nvPr/>
+        </p:nvCxnSpPr>
+        <p:spPr>
+          <a:xfrm flipV="1">
+            <a:off x="8216611" y="4711901"/>
+            <a:ext cx="353278" cy="1"/>
+          </a:xfrm>
+          <a:prstGeom prst="straightConnector1">
+            <a:avLst/>
+          </a:prstGeom>
+          <a:ln>
+            <a:tailEnd type="triangle"/>
+          </a:ln>
+        </p:spPr>
+        <p:style>
+          <a:lnRef idx="1">
+            <a:schemeClr val="accent1"/>
+          </a:lnRef>
+          <a:fillRef idx="0">
+            <a:schemeClr val="accent1"/>
+          </a:fillRef>
+          <a:effectRef idx="0">
+            <a:schemeClr val="accent1"/>
+          </a:effectRef>
+          <a:fontRef idx="minor">
+            <a:schemeClr val="tx1"/>
+          </a:fontRef>
+        </p:style>
+      </p:cxnSp>
+      <p:sp>
+        <p:nvSpPr>
+          <p:cNvPr id="47" name="矩形 46"/>
+          <p:cNvSpPr/>
+          <p:nvPr/>
+        </p:nvSpPr>
+        <p:spPr>
+          <a:xfrm>
+            <a:off x="9590526" y="1249350"/>
+            <a:ext cx="521263" cy="971052"/>
+          </a:xfrm>
+          <a:prstGeom prst="rect">
+            <a:avLst/>
+          </a:prstGeom>
+          <a:solidFill>
+            <a:schemeClr val="accent3"/>
+          </a:solidFill>
+        </p:spPr>
+        <p:style>
+          <a:lnRef idx="2">
+            <a:schemeClr val="accent1">
+              <a:shade val="50000"/>
+            </a:schemeClr>
+          </a:lnRef>
+          <a:fillRef idx="1">
+            <a:schemeClr val="accent1"/>
+          </a:fillRef>
+          <a:effectRef idx="0">
+            <a:schemeClr val="accent1"/>
+          </a:effectRef>
+          <a:fontRef idx="minor">
+            <a:schemeClr val="lt1"/>
+          </a:fontRef>
+        </p:style>
+        <p:txBody>
+          <a:bodyPr rtlCol="0" anchor="ctr"/>
+          <a:lstStyle/>
+          <a:p>
+            <a:pPr algn="ctr"/>
+            <a:endParaRPr lang="zh-CN" altLang="en-US"/>
+          </a:p>
+        </p:txBody>
+      </p:sp>
+      <p:sp>
+        <p:nvSpPr>
+          <p:cNvPr id="48" name="矩形 47"/>
+          <p:cNvSpPr/>
+          <p:nvPr/>
+        </p:nvSpPr>
+        <p:spPr>
+          <a:xfrm>
+            <a:off x="10111789" y="1249350"/>
+            <a:ext cx="521263" cy="971052"/>
+          </a:xfrm>
+          <a:prstGeom prst="rect">
+            <a:avLst/>
+          </a:prstGeom>
+          <a:solidFill>
+            <a:schemeClr val="accent6">
+              <a:lumMod val="50000"/>
+            </a:schemeClr>
+          </a:solidFill>
+        </p:spPr>
+        <p:style>
+          <a:lnRef idx="2">
+            <a:schemeClr val="accent1">
+              <a:shade val="50000"/>
+            </a:schemeClr>
+          </a:lnRef>
+          <a:fillRef idx="1">
+            <a:schemeClr val="accent1"/>
+          </a:fillRef>
+          <a:effectRef idx="0">
+            <a:schemeClr val="accent1"/>
+          </a:effectRef>
+          <a:fontRef idx="minor">
+            <a:schemeClr val="lt1"/>
+          </a:fontRef>
+        </p:style>
+        <p:txBody>
+          <a:bodyPr rtlCol="0" anchor="ctr"/>
+          <a:lstStyle/>
+          <a:p>
+            <a:pPr algn="ctr"/>
+            <a:endParaRPr lang="zh-CN" altLang="en-US"/>
+          </a:p>
+        </p:txBody>
+      </p:sp>
+      <p:sp>
+        <p:nvSpPr>
+          <p:cNvPr id="49" name="文本框 48"/>
+          <p:cNvSpPr txBox="1"/>
+          <p:nvPr/>
+        </p:nvSpPr>
+        <p:spPr>
+          <a:xfrm>
+            <a:off x="9066663" y="880018"/>
+            <a:ext cx="2090252" cy="369332"/>
+          </a:xfrm>
+          <a:prstGeom prst="rect">
+            <a:avLst/>
+          </a:prstGeom>
+          <a:noFill/>
+        </p:spPr>
+        <p:txBody>
+          <a:bodyPr wrap="none" rtlCol="0">
+            <a:spAutoFit/>
+          </a:bodyPr>
+          <a:lstStyle/>
+          <a:p>
+            <a:r>
+              <a:rPr lang="en-US" altLang="zh-CN" dirty="0" err="1" smtClean="0">
+                <a:latin typeface="微软雅黑" panose="020B0503020204020204" pitchFamily="34" charset="-122"/>
+                <a:ea typeface="微软雅黑" panose="020B0503020204020204" pitchFamily="34" charset="-122"/>
+              </a:rPr>
+              <a:t>Concated</a:t>
+            </a:r>
+            <a:r>
+              <a:rPr lang="en-US" altLang="zh-CN" dirty="0" smtClean="0">
+                <a:latin typeface="微软雅黑" panose="020B0503020204020204" pitchFamily="34" charset="-122"/>
+                <a:ea typeface="微软雅黑" panose="020B0503020204020204" pitchFamily="34" charset="-122"/>
+              </a:rPr>
+              <a:t> feature</a:t>
+            </a:r>
+            <a:endParaRPr lang="zh-CN" altLang="en-US" dirty="0">
+              <a:latin typeface="微软雅黑" panose="020B0503020204020204" pitchFamily="34" charset="-122"/>
+              <a:ea typeface="微软雅黑" panose="020B0503020204020204" pitchFamily="34" charset="-122"/>
+            </a:endParaRPr>
+          </a:p>
+        </p:txBody>
+      </p:sp>
+      <p:cxnSp>
+        <p:nvCxnSpPr>
+          <p:cNvPr id="51" name="肘形连接符 50"/>
+          <p:cNvCxnSpPr>
+            <a:stCxn id="34" idx="3"/>
+            <a:endCxn id="48" idx="2"/>
+          </p:cNvCxnSpPr>
+          <p:nvPr/>
+        </p:nvCxnSpPr>
+        <p:spPr>
+          <a:xfrm flipV="1">
+            <a:off x="9091152" y="2220402"/>
+            <a:ext cx="1281269" cy="2491499"/>
+          </a:xfrm>
+          <a:prstGeom prst="bentConnector2">
+            <a:avLst/>
+          </a:prstGeom>
+          <a:ln>
+            <a:tailEnd type="triangle"/>
+          </a:ln>
+        </p:spPr>
+        <p:style>
+          <a:lnRef idx="1">
+            <a:schemeClr val="accent1"/>
+          </a:lnRef>
+          <a:fillRef idx="0">
+            <a:schemeClr val="accent1"/>
+          </a:fillRef>
+          <a:effectRef idx="0">
+            <a:schemeClr val="accent1"/>
+          </a:effectRef>
+          <a:fontRef idx="minor">
+            <a:schemeClr val="tx1"/>
+          </a:fontRef>
+        </p:style>
+      </p:cxnSp>
+      <p:cxnSp>
+        <p:nvCxnSpPr>
+          <p:cNvPr id="53" name="肘形连接符 52"/>
+          <p:cNvCxnSpPr>
+            <a:stCxn id="6" idx="0"/>
+            <a:endCxn id="47" idx="2"/>
+          </p:cNvCxnSpPr>
+          <p:nvPr/>
+        </p:nvCxnSpPr>
+        <p:spPr>
+          <a:xfrm rot="5400000" flipH="1" flipV="1">
+            <a:off x="6801747" y="1169881"/>
+            <a:ext cx="1998890" cy="4099932"/>
+          </a:xfrm>
+          <a:prstGeom prst="bentConnector3">
+            <a:avLst/>
+          </a:prstGeom>
+          <a:ln>
+            <a:tailEnd type="triangle"/>
+          </a:ln>
+        </p:spPr>
+        <p:style>
+          <a:lnRef idx="1">
+            <a:schemeClr val="accent1"/>
+          </a:lnRef>
+          <a:fillRef idx="0">
+            <a:schemeClr val="accent1"/>
+          </a:fillRef>
+          <a:effectRef idx="0">
+            <a:schemeClr val="accent1"/>
+          </a:effectRef>
+          <a:fontRef idx="minor">
+            <a:schemeClr val="tx1"/>
+          </a:fontRef>
+        </p:style>
+      </p:cxnSp>
+      <p:cxnSp>
+        <p:nvCxnSpPr>
+          <p:cNvPr id="55" name="直接箭头连接符 54"/>
+          <p:cNvCxnSpPr>
+            <a:stCxn id="47" idx="1"/>
+            <a:endCxn id="37" idx="3"/>
+          </p:cNvCxnSpPr>
+          <p:nvPr/>
+        </p:nvCxnSpPr>
+        <p:spPr>
+          <a:xfrm flipH="1">
+            <a:off x="8216611" y="1734876"/>
+            <a:ext cx="1373915" cy="0"/>
+          </a:xfrm>
+          <a:prstGeom prst="straightConnector1">
+            <a:avLst/>
+          </a:prstGeom>
+          <a:ln>
+            <a:tailEnd type="triangle"/>
+          </a:ln>
+        </p:spPr>
+        <p:style>
+          <a:lnRef idx="1">
+            <a:schemeClr val="accent1"/>
+          </a:lnRef>
+          <a:fillRef idx="0">
+            <a:schemeClr val="accent1"/>
+          </a:fillRef>
+          <a:effectRef idx="0">
+            <a:schemeClr val="accent1"/>
+          </a:effectRef>
+          <a:fontRef idx="minor">
+            <a:schemeClr val="tx1"/>
+          </a:fontRef>
+        </p:style>
+      </p:cxnSp>
+      <p:cxnSp>
+        <p:nvCxnSpPr>
+          <p:cNvPr id="57" name="直接箭头连接符 56"/>
+          <p:cNvCxnSpPr>
+            <a:stCxn id="37" idx="1"/>
+            <a:endCxn id="39" idx="3"/>
+          </p:cNvCxnSpPr>
+          <p:nvPr/>
+        </p:nvCxnSpPr>
+        <p:spPr>
+          <a:xfrm flipH="1">
+            <a:off x="5953676" y="1734876"/>
+            <a:ext cx="563222" cy="0"/>
+          </a:xfrm>
+          <a:prstGeom prst="straightConnector1">
+            <a:avLst/>
+          </a:prstGeom>
+          <a:ln>
+            <a:tailEnd type="triangle"/>
+          </a:ln>
+        </p:spPr>
+        <p:style>
+          <a:lnRef idx="1">
+            <a:schemeClr val="accent1"/>
+          </a:lnRef>
+          <a:fillRef idx="0">
+            <a:schemeClr val="accent1"/>
+          </a:fillRef>
+          <a:effectRef idx="0">
+            <a:schemeClr val="accent1"/>
+          </a:effectRef>
+          <a:fontRef idx="minor">
+            <a:schemeClr val="tx1"/>
+          </a:fontRef>
+        </p:style>
+      </p:cxnSp>
+      <p:cxnSp>
+        <p:nvCxnSpPr>
+          <p:cNvPr id="60" name="直接箭头连接符 59"/>
+          <p:cNvCxnSpPr>
+            <a:stCxn id="39" idx="1"/>
+            <a:endCxn id="41" idx="3"/>
+          </p:cNvCxnSpPr>
+          <p:nvPr/>
+        </p:nvCxnSpPr>
+        <p:spPr>
+          <a:xfrm flipH="1">
+            <a:off x="3619083" y="1734876"/>
+            <a:ext cx="543672" cy="0"/>
+          </a:xfrm>
+          <a:prstGeom prst="straightConnector1">
+            <a:avLst/>
+          </a:prstGeom>
+          <a:ln>
+            <a:tailEnd type="triangle"/>
+          </a:ln>
+        </p:spPr>
+        <p:style>
+          <a:lnRef idx="1">
+            <a:schemeClr val="accent1"/>
+          </a:lnRef>
+          <a:fillRef idx="0">
+            <a:schemeClr val="accent1"/>
+          </a:fillRef>
+          <a:effectRef idx="0">
+            <a:schemeClr val="accent1"/>
+          </a:effectRef>
+          <a:fontRef idx="minor">
+            <a:schemeClr val="tx1"/>
+          </a:fontRef>
+        </p:style>
+      </p:cxnSp>
+    </p:spTree>
+    <p:extLst>
+      <p:ext uri="{BB962C8B-B14F-4D97-AF65-F5344CB8AC3E}">
+        <p14:creationId xmlns:p14="http://schemas.microsoft.com/office/powerpoint/2010/main" val="515161226"/>
+      </p:ext>
+    </p:extLst>
+  </p:cSld>
+  <p:clrMapOvr>
+    <a:masterClrMapping/>
+  </p:clrMapOvr>
+  <p:timing>
+    <p:tnLst>
+      <p:par>
+        <p:cTn id="1" dur="indefinite" restart="never" nodeType="tmRoot"/>
+      </p:par>
+    </p:tnLst>
+  </p:timing>
+</p:sld>
+</file>
+
+<file path=ppt/slides/slide5.xml><?xml version="1.0" encoding="utf-8"?>
+<p:sld xmlns:a="http://schemas.openxmlformats.org/drawingml/2006/main" xmlns:r="http://schemas.openxmlformats.org/officeDocument/2006/relationships" xmlns:p="http://schemas.openxmlformats.org/presentationml/2006/main">
+  <p:cSld>
+    <p:spTree>
+      <p:nvGrpSpPr>
+        <p:cNvPr id="1" name=""/>
+        <p:cNvGrpSpPr/>
+        <p:nvPr/>
+      </p:nvGrpSpPr>
+      <p:grpSpPr>
+        <a:xfrm>
+          <a:off x="0" y="0"/>
+          <a:ext cx="0" cy="0"/>
+          <a:chOff x="0" y="0"/>
+          <a:chExt cx="0" cy="0"/>
+        </a:xfrm>
+      </p:grpSpPr>
+      <p:pic>
+        <p:nvPicPr>
+          <p:cNvPr id="4" name="图片 3"/>
+          <p:cNvPicPr>
+            <a:picLocks noChangeAspect="1"/>
+          </p:cNvPicPr>
+          <p:nvPr/>
+        </p:nvPicPr>
+        <p:blipFill>
+          <a:blip r:embed="rId2"/>
+          <a:stretch>
+            <a:fillRect/>
+          </a:stretch>
+        </p:blipFill>
+        <p:spPr>
+          <a:xfrm>
+            <a:off x="9598072" y="456597"/>
+            <a:ext cx="1419225" cy="809625"/>
+          </a:xfrm>
+          <a:prstGeom prst="rect">
+            <a:avLst/>
+          </a:prstGeom>
+        </p:spPr>
+      </p:pic>
+      <p:pic>
+        <p:nvPicPr>
+          <p:cNvPr id="5" name="图片 4"/>
+          <p:cNvPicPr>
+            <a:picLocks noChangeAspect="1"/>
+          </p:cNvPicPr>
+          <p:nvPr/>
+        </p:nvPicPr>
+        <p:blipFill>
+          <a:blip r:embed="rId3"/>
+          <a:stretch>
+            <a:fillRect/>
+          </a:stretch>
+        </p:blipFill>
+        <p:spPr>
+          <a:xfrm>
+            <a:off x="4521915" y="2499109"/>
+            <a:ext cx="1612010" cy="788609"/>
+          </a:xfrm>
+          <a:prstGeom prst="rect">
+            <a:avLst/>
+          </a:prstGeom>
+        </p:spPr>
+      </p:pic>
+      <p:sp>
+        <p:nvSpPr>
+          <p:cNvPr id="7" name="圆角矩形 6"/>
+          <p:cNvSpPr/>
+          <p:nvPr/>
+        </p:nvSpPr>
+        <p:spPr>
+          <a:xfrm>
+            <a:off x="2294875" y="2610661"/>
+            <a:ext cx="1738129" cy="603504"/>
+          </a:xfrm>
+          <a:prstGeom prst="roundRect">
+            <a:avLst/>
+          </a:prstGeom>
+        </p:spPr>
+        <p:style>
+          <a:lnRef idx="2">
+            <a:schemeClr val="accent1">
+              <a:shade val="50000"/>
+            </a:schemeClr>
+          </a:lnRef>
+          <a:fillRef idx="1">
+            <a:schemeClr val="accent1"/>
+          </a:fillRef>
+          <a:effectRef idx="0">
+            <a:schemeClr val="accent1"/>
+          </a:effectRef>
+          <a:fontRef idx="minor">
+            <a:schemeClr val="lt1"/>
+          </a:fontRef>
+        </p:style>
+        <p:txBody>
+          <a:bodyPr rtlCol="0" anchor="ctr"/>
+          <a:lstStyle/>
+          <a:p>
+            <a:pPr algn="ctr"/>
+            <a:r>
+              <a:rPr lang="en-US" altLang="zh-CN" dirty="0" smtClean="0">
+                <a:latin typeface="微软雅黑" panose="020B0503020204020204" pitchFamily="34" charset="-122"/>
+                <a:ea typeface="微软雅黑" panose="020B0503020204020204" pitchFamily="34" charset="-122"/>
+              </a:rPr>
+              <a:t>MLP</a:t>
+            </a:r>
+            <a:endParaRPr lang="en-US" altLang="zh-CN" dirty="0" smtClean="0">
+              <a:latin typeface="微软雅黑" panose="020B0503020204020204" pitchFamily="34" charset="-122"/>
+              <a:ea typeface="微软雅黑" panose="020B0503020204020204" pitchFamily="34" charset="-122"/>
+            </a:endParaRPr>
+          </a:p>
+        </p:txBody>
+      </p:sp>
+      <p:sp>
+        <p:nvSpPr>
+          <p:cNvPr id="9" name="圆角矩形 8"/>
+          <p:cNvSpPr/>
+          <p:nvPr/>
+        </p:nvSpPr>
+        <p:spPr>
+          <a:xfrm>
+            <a:off x="6646247" y="4731163"/>
+            <a:ext cx="1636776" cy="603504"/>
+          </a:xfrm>
+          <a:prstGeom prst="roundRect">
+            <a:avLst/>
+          </a:prstGeom>
+          <a:solidFill>
+            <a:schemeClr val="bg1"/>
+          </a:solidFill>
+        </p:spPr>
+        <p:style>
+          <a:lnRef idx="2">
+            <a:schemeClr val="accent1">
+              <a:shade val="50000"/>
+            </a:schemeClr>
+          </a:lnRef>
+          <a:fillRef idx="1">
+            <a:schemeClr val="accent1"/>
+          </a:fillRef>
+          <a:effectRef idx="0">
+            <a:schemeClr val="accent1"/>
+          </a:effectRef>
+          <a:fontRef idx="minor">
+            <a:schemeClr val="lt1"/>
+          </a:fontRef>
+        </p:style>
+        <p:txBody>
+          <a:bodyPr rtlCol="0" anchor="ctr"/>
+          <a:lstStyle/>
+          <a:p>
+            <a:pPr algn="ctr"/>
+            <a:r>
+              <a:rPr lang="en-US" altLang="zh-CN" dirty="0" smtClean="0">
+                <a:solidFill>
+                  <a:schemeClr val="tx1"/>
+                </a:solidFill>
+                <a:latin typeface="微软雅黑" panose="020B0503020204020204" pitchFamily="34" charset="-122"/>
+                <a:ea typeface="微软雅黑" panose="020B0503020204020204" pitchFamily="34" charset="-122"/>
+              </a:rPr>
+              <a:t>Repeat</a:t>
+            </a:r>
+            <a:endParaRPr lang="zh-CN" altLang="en-US" dirty="0">
+              <a:solidFill>
+                <a:schemeClr val="tx1"/>
+              </a:solidFill>
+              <a:latin typeface="微软雅黑" panose="020B0503020204020204" pitchFamily="34" charset="-122"/>
+              <a:ea typeface="微软雅黑" panose="020B0503020204020204" pitchFamily="34" charset="-122"/>
+            </a:endParaRPr>
+          </a:p>
+        </p:txBody>
+      </p:sp>
+      <p:sp>
+        <p:nvSpPr>
+          <p:cNvPr id="10" name="圆角矩形 9"/>
+          <p:cNvSpPr/>
+          <p:nvPr/>
+        </p:nvSpPr>
+        <p:spPr>
+          <a:xfrm>
+            <a:off x="6646247" y="2610661"/>
+            <a:ext cx="1636776" cy="603504"/>
+          </a:xfrm>
+          <a:prstGeom prst="roundRect">
+            <a:avLst/>
+          </a:prstGeom>
+          <a:solidFill>
+            <a:schemeClr val="bg1"/>
+          </a:solidFill>
+        </p:spPr>
+        <p:style>
+          <a:lnRef idx="2">
+            <a:schemeClr val="accent1">
+              <a:shade val="50000"/>
+            </a:schemeClr>
+          </a:lnRef>
+          <a:fillRef idx="1">
+            <a:schemeClr val="accent1"/>
+          </a:fillRef>
+          <a:effectRef idx="0">
+            <a:schemeClr val="accent1"/>
+          </a:effectRef>
+          <a:fontRef idx="minor">
+            <a:schemeClr val="lt1"/>
+          </a:fontRef>
+        </p:style>
+        <p:txBody>
+          <a:bodyPr rtlCol="0" anchor="ctr"/>
+          <a:lstStyle/>
+          <a:p>
+            <a:pPr algn="ctr"/>
+            <a:r>
+              <a:rPr lang="en-US" altLang="zh-CN" dirty="0" smtClean="0">
+                <a:solidFill>
+                  <a:schemeClr val="tx1"/>
+                </a:solidFill>
+                <a:latin typeface="微软雅黑" panose="020B0503020204020204" pitchFamily="34" charset="-122"/>
+                <a:ea typeface="微软雅黑" panose="020B0503020204020204" pitchFamily="34" charset="-122"/>
+              </a:rPr>
+              <a:t>Reshape + Repeat</a:t>
+            </a:r>
+            <a:endParaRPr lang="zh-CN" altLang="en-US" dirty="0">
+              <a:solidFill>
+                <a:schemeClr val="tx1"/>
+              </a:solidFill>
+              <a:latin typeface="微软雅黑" panose="020B0503020204020204" pitchFamily="34" charset="-122"/>
+              <a:ea typeface="微软雅黑" panose="020B0503020204020204" pitchFamily="34" charset="-122"/>
+            </a:endParaRPr>
+          </a:p>
+        </p:txBody>
+      </p:sp>
+      <p:sp>
+        <p:nvSpPr>
+          <p:cNvPr id="15" name="圆角矩形 14"/>
+          <p:cNvSpPr/>
+          <p:nvPr/>
+        </p:nvSpPr>
+        <p:spPr>
+          <a:xfrm>
+            <a:off x="6646247" y="5591317"/>
+            <a:ext cx="1636776" cy="603504"/>
+          </a:xfrm>
+          <a:prstGeom prst="roundRect">
+            <a:avLst/>
+          </a:prstGeom>
+          <a:solidFill>
+            <a:schemeClr val="bg1"/>
+          </a:solidFill>
+        </p:spPr>
+        <p:style>
+          <a:lnRef idx="2">
+            <a:schemeClr val="accent1">
+              <a:shade val="50000"/>
+            </a:schemeClr>
+          </a:lnRef>
+          <a:fillRef idx="1">
+            <a:schemeClr val="accent1"/>
+          </a:fillRef>
+          <a:effectRef idx="0">
+            <a:schemeClr val="accent1"/>
+          </a:effectRef>
+          <a:fontRef idx="minor">
+            <a:schemeClr val="lt1"/>
+          </a:fontRef>
+        </p:style>
+        <p:txBody>
+          <a:bodyPr rtlCol="0" anchor="ctr"/>
+          <a:lstStyle/>
+          <a:p>
+            <a:pPr algn="ctr"/>
+            <a:r>
+              <a:rPr lang="en-US" altLang="zh-CN" dirty="0" smtClean="0">
+                <a:solidFill>
+                  <a:schemeClr val="tx1"/>
+                </a:solidFill>
+                <a:latin typeface="微软雅黑" panose="020B0503020204020204" pitchFamily="34" charset="-122"/>
+                <a:ea typeface="微软雅黑" panose="020B0503020204020204" pitchFamily="34" charset="-122"/>
+              </a:rPr>
+              <a:t>Repeat</a:t>
+            </a:r>
+            <a:endParaRPr lang="zh-CN" altLang="en-US" dirty="0">
+              <a:solidFill>
+                <a:schemeClr val="tx1"/>
+              </a:solidFill>
+              <a:latin typeface="微软雅黑" panose="020B0503020204020204" pitchFamily="34" charset="-122"/>
+              <a:ea typeface="微软雅黑" panose="020B0503020204020204" pitchFamily="34" charset="-122"/>
+            </a:endParaRPr>
+          </a:p>
+        </p:txBody>
+      </p:sp>
+      <p:sp>
+        <p:nvSpPr>
+          <p:cNvPr id="17" name="圆角矩形 16"/>
+          <p:cNvSpPr/>
+          <p:nvPr/>
+        </p:nvSpPr>
+        <p:spPr>
+          <a:xfrm>
+            <a:off x="9334323" y="2308909"/>
+            <a:ext cx="1738129" cy="603504"/>
+          </a:xfrm>
+          <a:prstGeom prst="roundRect">
+            <a:avLst/>
+          </a:prstGeom>
+        </p:spPr>
+        <p:style>
+          <a:lnRef idx="2">
+            <a:schemeClr val="accent1">
+              <a:shade val="50000"/>
+            </a:schemeClr>
+          </a:lnRef>
+          <a:fillRef idx="1">
+            <a:schemeClr val="accent1"/>
+          </a:fillRef>
+          <a:effectRef idx="0">
+            <a:schemeClr val="accent1"/>
+          </a:effectRef>
+          <a:fontRef idx="minor">
+            <a:schemeClr val="lt1"/>
+          </a:fontRef>
+        </p:style>
+        <p:txBody>
+          <a:bodyPr rtlCol="0" anchor="ctr"/>
+          <a:lstStyle/>
+          <a:p>
+            <a:pPr algn="ctr"/>
+            <a:r>
+              <a:rPr lang="en-US" altLang="zh-CN" dirty="0" smtClean="0">
+                <a:latin typeface="微软雅黑" panose="020B0503020204020204" pitchFamily="34" charset="-122"/>
+                <a:ea typeface="微软雅黑" panose="020B0503020204020204" pitchFamily="34" charset="-122"/>
+              </a:rPr>
+              <a:t>Conv1d</a:t>
+            </a:r>
+            <a:endParaRPr lang="en-US" altLang="zh-CN" dirty="0" smtClean="0">
+              <a:latin typeface="微软雅黑" panose="020B0503020204020204" pitchFamily="34" charset="-122"/>
+              <a:ea typeface="微软雅黑" panose="020B0503020204020204" pitchFamily="34" charset="-122"/>
+            </a:endParaRPr>
+          </a:p>
+        </p:txBody>
+      </p:sp>
+      <p:sp>
+        <p:nvSpPr>
+          <p:cNvPr id="18" name="圆角矩形 17"/>
+          <p:cNvSpPr/>
+          <p:nvPr/>
+        </p:nvSpPr>
+        <p:spPr>
+          <a:xfrm>
+            <a:off x="9395667" y="1373586"/>
+            <a:ext cx="1615440" cy="615601"/>
+          </a:xfrm>
+          <a:prstGeom prst="roundRect">
+            <a:avLst/>
+          </a:prstGeom>
+        </p:spPr>
+        <p:style>
+          <a:lnRef idx="2">
+            <a:schemeClr val="accent1">
+              <a:shade val="50000"/>
+            </a:schemeClr>
+          </a:lnRef>
+          <a:fillRef idx="1">
+            <a:schemeClr val="accent1"/>
+          </a:fillRef>
+          <a:effectRef idx="0">
+            <a:schemeClr val="accent1"/>
+          </a:effectRef>
+          <a:fontRef idx="minor">
+            <a:schemeClr val="lt1"/>
+          </a:fontRef>
+        </p:style>
+        <p:txBody>
+          <a:bodyPr rtlCol="0" anchor="ctr"/>
+          <a:lstStyle/>
+          <a:p>
+            <a:pPr algn="ctr"/>
+            <a:r>
+              <a:rPr lang="en-US" altLang="zh-CN" dirty="0" smtClean="0">
+                <a:latin typeface="微软雅黑" panose="020B0503020204020204" pitchFamily="34" charset="-122"/>
+                <a:ea typeface="微软雅黑" panose="020B0503020204020204" pitchFamily="34" charset="-122"/>
+              </a:rPr>
+              <a:t>Pointwise</a:t>
+            </a:r>
+          </a:p>
+          <a:p>
+            <a:pPr algn="ctr"/>
+            <a:r>
+              <a:rPr lang="en-US" altLang="zh-CN" dirty="0" err="1" smtClean="0">
+                <a:latin typeface="微软雅黑" panose="020B0503020204020204" pitchFamily="34" charset="-122"/>
+                <a:ea typeface="微软雅黑" panose="020B0503020204020204" pitchFamily="34" charset="-122"/>
+              </a:rPr>
+              <a:t>Maxpool</a:t>
+            </a:r>
+            <a:endParaRPr lang="en-US" altLang="zh-CN" dirty="0" smtClean="0">
+              <a:latin typeface="微软雅黑" panose="020B0503020204020204" pitchFamily="34" charset="-122"/>
+              <a:ea typeface="微软雅黑" panose="020B0503020204020204" pitchFamily="34" charset="-122"/>
+            </a:endParaRPr>
+          </a:p>
+        </p:txBody>
+      </p:sp>
+      <p:cxnSp>
+        <p:nvCxnSpPr>
+          <p:cNvPr id="30" name="直接箭头连接符 29"/>
+          <p:cNvCxnSpPr>
+            <a:stCxn id="7" idx="3"/>
+          </p:cNvCxnSpPr>
+          <p:nvPr/>
+        </p:nvCxnSpPr>
+        <p:spPr>
+          <a:xfrm>
+            <a:off x="4033004" y="2912413"/>
+            <a:ext cx="620545" cy="0"/>
+          </a:xfrm>
+          <a:prstGeom prst="straightConnector1">
+            <a:avLst/>
+          </a:prstGeom>
+          <a:ln>
+            <a:tailEnd type="triangle"/>
+          </a:ln>
+        </p:spPr>
+        <p:style>
+          <a:lnRef idx="1">
+            <a:schemeClr val="accent1"/>
+          </a:lnRef>
+          <a:fillRef idx="0">
+            <a:schemeClr val="accent1"/>
+          </a:fillRef>
+          <a:effectRef idx="0">
+            <a:schemeClr val="accent1"/>
+          </a:effectRef>
+          <a:fontRef idx="minor">
+            <a:schemeClr val="tx1"/>
+          </a:fontRef>
+        </p:style>
+      </p:cxnSp>
+      <p:cxnSp>
+        <p:nvCxnSpPr>
+          <p:cNvPr id="32" name="直接箭头连接符 31"/>
+          <p:cNvCxnSpPr>
+            <a:endCxn id="10" idx="1"/>
+          </p:cNvCxnSpPr>
+          <p:nvPr/>
+        </p:nvCxnSpPr>
+        <p:spPr>
+          <a:xfrm>
+            <a:off x="6290325" y="2912413"/>
+            <a:ext cx="355922" cy="0"/>
+          </a:xfrm>
+          <a:prstGeom prst="straightConnector1">
+            <a:avLst/>
+          </a:prstGeom>
+          <a:ln>
+            <a:tailEnd type="triangle"/>
+          </a:ln>
+        </p:spPr>
+        <p:style>
+          <a:lnRef idx="1">
+            <a:schemeClr val="accent1"/>
+          </a:lnRef>
+          <a:fillRef idx="0">
+            <a:schemeClr val="accent1"/>
+          </a:fillRef>
+          <a:effectRef idx="0">
+            <a:schemeClr val="accent1"/>
+          </a:effectRef>
+          <a:fontRef idx="minor">
+            <a:schemeClr val="tx1"/>
+          </a:fontRef>
+        </p:style>
+      </p:cxnSp>
+      <p:cxnSp>
+        <p:nvCxnSpPr>
+          <p:cNvPr id="34" name="直接箭头连接符 33"/>
+          <p:cNvCxnSpPr>
+            <a:stCxn id="28" idx="3"/>
+            <a:endCxn id="9" idx="1"/>
+          </p:cNvCxnSpPr>
+          <p:nvPr/>
+        </p:nvCxnSpPr>
+        <p:spPr>
+          <a:xfrm>
+            <a:off x="6218529" y="5032915"/>
+            <a:ext cx="427718" cy="0"/>
+          </a:xfrm>
+          <a:prstGeom prst="straightConnector1">
+            <a:avLst/>
+          </a:prstGeom>
+          <a:ln>
+            <a:tailEnd type="triangle"/>
+          </a:ln>
+        </p:spPr>
+        <p:style>
+          <a:lnRef idx="1">
+            <a:schemeClr val="accent1"/>
+          </a:lnRef>
+          <a:fillRef idx="0">
+            <a:schemeClr val="accent1"/>
+          </a:fillRef>
+          <a:effectRef idx="0">
+            <a:schemeClr val="accent1"/>
+          </a:effectRef>
+          <a:fontRef idx="minor">
+            <a:schemeClr val="tx1"/>
+          </a:fontRef>
+        </p:style>
+      </p:cxnSp>
+      <p:cxnSp>
+        <p:nvCxnSpPr>
+          <p:cNvPr id="36" name="肘形连接符 35"/>
+          <p:cNvCxnSpPr>
+            <a:stCxn id="20" idx="2"/>
+            <a:endCxn id="15" idx="1"/>
+          </p:cNvCxnSpPr>
+          <p:nvPr/>
+        </p:nvCxnSpPr>
+        <p:spPr>
+          <a:xfrm rot="16200000" flipH="1">
+            <a:off x="2637095" y="1883917"/>
+            <a:ext cx="2857212" cy="5161092"/>
+          </a:xfrm>
+          <a:prstGeom prst="bentConnector2">
+            <a:avLst/>
+          </a:prstGeom>
+          <a:ln>
+            <a:tailEnd type="triangle"/>
+          </a:ln>
+        </p:spPr>
+        <p:style>
+          <a:lnRef idx="1">
+            <a:schemeClr val="accent1"/>
+          </a:lnRef>
+          <a:fillRef idx="0">
+            <a:schemeClr val="accent1"/>
+          </a:fillRef>
+          <a:effectRef idx="0">
+            <a:schemeClr val="accent1"/>
+          </a:effectRef>
+          <a:fontRef idx="minor">
+            <a:schemeClr val="tx1"/>
+          </a:fontRef>
+        </p:style>
+      </p:cxnSp>
+      <p:cxnSp>
+        <p:nvCxnSpPr>
+          <p:cNvPr id="38" name="肘形连接符 37"/>
+          <p:cNvCxnSpPr>
+            <a:stCxn id="15" idx="3"/>
+            <a:endCxn id="29" idx="2"/>
+          </p:cNvCxnSpPr>
+          <p:nvPr/>
+        </p:nvCxnSpPr>
+        <p:spPr>
+          <a:xfrm>
+            <a:off x="8283023" y="5893069"/>
+            <a:ext cx="1337847" cy="404247"/>
+          </a:xfrm>
+          <a:prstGeom prst="bentConnector4">
+            <a:avLst>
+              <a:gd name="adj1" fmla="val 32957"/>
+              <a:gd name="adj2" fmla="val 156550"/>
+            </a:avLst>
+          </a:prstGeom>
+          <a:ln>
+            <a:tailEnd type="triangle"/>
+          </a:ln>
+        </p:spPr>
+        <p:style>
+          <a:lnRef idx="1">
+            <a:schemeClr val="accent1"/>
+          </a:lnRef>
+          <a:fillRef idx="0">
+            <a:schemeClr val="accent1"/>
+          </a:fillRef>
+          <a:effectRef idx="0">
+            <a:schemeClr val="accent1"/>
+          </a:effectRef>
+          <a:fontRef idx="minor">
+            <a:schemeClr val="tx1"/>
+          </a:fontRef>
+        </p:style>
+      </p:cxnSp>
+      <p:cxnSp>
+        <p:nvCxnSpPr>
+          <p:cNvPr id="40" name="肘形连接符 39"/>
+          <p:cNvCxnSpPr>
+            <a:stCxn id="9" idx="3"/>
+            <a:endCxn id="31" idx="2"/>
+          </p:cNvCxnSpPr>
+          <p:nvPr/>
+        </p:nvCxnSpPr>
+        <p:spPr>
+          <a:xfrm>
+            <a:off x="8283023" y="5032915"/>
+            <a:ext cx="1920364" cy="1264401"/>
+          </a:xfrm>
+          <a:prstGeom prst="bentConnector4">
+            <a:avLst>
+              <a:gd name="adj1" fmla="val 29842"/>
+              <a:gd name="adj2" fmla="val 128928"/>
+            </a:avLst>
+          </a:prstGeom>
+          <a:ln>
+            <a:tailEnd type="triangle"/>
+          </a:ln>
+        </p:spPr>
+        <p:style>
+          <a:lnRef idx="1">
+            <a:schemeClr val="accent1"/>
+          </a:lnRef>
+          <a:fillRef idx="0">
+            <a:schemeClr val="accent1"/>
+          </a:fillRef>
+          <a:effectRef idx="0">
+            <a:schemeClr val="accent1"/>
+          </a:effectRef>
+          <a:fontRef idx="minor">
+            <a:schemeClr val="tx1"/>
+          </a:fontRef>
+        </p:style>
+      </p:cxnSp>
+      <p:cxnSp>
+        <p:nvCxnSpPr>
+          <p:cNvPr id="44" name="直接箭头连接符 43"/>
+          <p:cNvCxnSpPr>
+            <a:stCxn id="31" idx="0"/>
+            <a:endCxn id="17" idx="2"/>
+          </p:cNvCxnSpPr>
+          <p:nvPr/>
+        </p:nvCxnSpPr>
+        <p:spPr>
+          <a:xfrm flipV="1">
+            <a:off x="10203387" y="2912413"/>
+            <a:ext cx="1" cy="1659707"/>
+          </a:xfrm>
+          <a:prstGeom prst="straightConnector1">
+            <a:avLst/>
+          </a:prstGeom>
+          <a:ln>
+            <a:tailEnd type="triangle"/>
+          </a:ln>
+        </p:spPr>
+        <p:style>
+          <a:lnRef idx="1">
+            <a:schemeClr val="accent1"/>
+          </a:lnRef>
+          <a:fillRef idx="0">
+            <a:schemeClr val="accent1"/>
+          </a:fillRef>
+          <a:effectRef idx="0">
+            <a:schemeClr val="accent1"/>
+          </a:effectRef>
+          <a:fontRef idx="minor">
+            <a:schemeClr val="tx1"/>
+          </a:fontRef>
+        </p:style>
+      </p:cxnSp>
+      <p:cxnSp>
+        <p:nvCxnSpPr>
+          <p:cNvPr id="46" name="直接箭头连接符 45"/>
+          <p:cNvCxnSpPr>
+            <a:stCxn id="17" idx="0"/>
+            <a:endCxn id="18" idx="2"/>
+          </p:cNvCxnSpPr>
+          <p:nvPr/>
+        </p:nvCxnSpPr>
+        <p:spPr>
+          <a:xfrm flipH="1" flipV="1">
+            <a:off x="10203387" y="1989187"/>
+            <a:ext cx="1" cy="319722"/>
+          </a:xfrm>
+          <a:prstGeom prst="straightConnector1">
+            <a:avLst/>
+          </a:prstGeom>
+          <a:ln>
+            <a:tailEnd type="triangle"/>
+          </a:ln>
+        </p:spPr>
+        <p:style>
+          <a:lnRef idx="1">
+            <a:schemeClr val="accent1"/>
+          </a:lnRef>
+          <a:fillRef idx="0">
+            <a:schemeClr val="accent1"/>
+          </a:fillRef>
+          <a:effectRef idx="0">
+            <a:schemeClr val="accent1"/>
+          </a:effectRef>
+          <a:fontRef idx="minor">
+            <a:schemeClr val="tx1"/>
+          </a:fontRef>
+        </p:style>
+      </p:cxnSp>
+      <p:cxnSp>
+        <p:nvCxnSpPr>
+          <p:cNvPr id="49" name="直接箭头连接符 48"/>
+          <p:cNvCxnSpPr>
+            <a:stCxn id="18" idx="0"/>
+          </p:cNvCxnSpPr>
+          <p:nvPr/>
+        </p:nvCxnSpPr>
+        <p:spPr>
+          <a:xfrm flipH="1" flipV="1">
+            <a:off x="10192719" y="1163162"/>
+            <a:ext cx="10668" cy="210424"/>
+          </a:xfrm>
+          <a:prstGeom prst="straightConnector1">
+            <a:avLst/>
+          </a:prstGeom>
+          <a:ln>
+            <a:tailEnd type="triangle"/>
+          </a:ln>
+        </p:spPr>
+        <p:style>
+          <a:lnRef idx="1">
+            <a:schemeClr val="accent1"/>
+          </a:lnRef>
+          <a:fillRef idx="0">
+            <a:schemeClr val="accent1"/>
+          </a:fillRef>
+          <a:effectRef idx="0">
+            <a:schemeClr val="accent1"/>
+          </a:effectRef>
+          <a:fontRef idx="minor">
+            <a:schemeClr val="tx1"/>
+          </a:fontRef>
+        </p:style>
+      </p:cxnSp>
+      <p:sp>
+        <p:nvSpPr>
+          <p:cNvPr id="20" name="矩形 19"/>
+          <p:cNvSpPr/>
+          <p:nvPr/>
+        </p:nvSpPr>
+        <p:spPr>
+          <a:xfrm>
+            <a:off x="1119395" y="2788969"/>
+            <a:ext cx="731520" cy="246888"/>
+          </a:xfrm>
+          <a:prstGeom prst="rect">
+            <a:avLst/>
+          </a:prstGeom>
+          <a:solidFill>
+            <a:schemeClr val="accent4">
+              <a:lumMod val="50000"/>
+            </a:schemeClr>
+          </a:solidFill>
+        </p:spPr>
+        <p:style>
+          <a:lnRef idx="2">
+            <a:schemeClr val="accent1">
+              <a:shade val="50000"/>
+            </a:schemeClr>
+          </a:lnRef>
+          <a:fillRef idx="1">
+            <a:schemeClr val="accent1"/>
+          </a:fillRef>
+          <a:effectRef idx="0">
+            <a:schemeClr val="accent1"/>
+          </a:effectRef>
+          <a:fontRef idx="minor">
+            <a:schemeClr val="lt1"/>
+          </a:fontRef>
+        </p:style>
+        <p:txBody>
+          <a:bodyPr rtlCol="0" anchor="ctr"/>
+          <a:lstStyle/>
+          <a:p>
+            <a:pPr algn="ctr"/>
+            <a:endParaRPr lang="zh-CN" altLang="en-US"/>
+          </a:p>
+        </p:txBody>
+      </p:sp>
+      <p:sp>
+        <p:nvSpPr>
+          <p:cNvPr id="24" name="文本框 23"/>
+          <p:cNvSpPr txBox="1"/>
+          <p:nvPr/>
+        </p:nvSpPr>
+        <p:spPr>
+          <a:xfrm>
+            <a:off x="950845" y="2405372"/>
+            <a:ext cx="1013354" cy="369332"/>
+          </a:xfrm>
+          <a:prstGeom prst="rect">
+            <a:avLst/>
+          </a:prstGeom>
+          <a:noFill/>
+        </p:spPr>
+        <p:txBody>
+          <a:bodyPr wrap="none" rtlCol="0">
+            <a:spAutoFit/>
+          </a:bodyPr>
+          <a:lstStyle/>
+          <a:p>
+            <a:r>
+              <a:rPr lang="en-US" altLang="zh-CN" dirty="0" smtClean="0">
+                <a:latin typeface="微软雅黑" panose="020B0503020204020204" pitchFamily="34" charset="-122"/>
+                <a:ea typeface="微软雅黑" panose="020B0503020204020204" pitchFamily="34" charset="-122"/>
+              </a:rPr>
+              <a:t>Feature</a:t>
+            </a:r>
+            <a:endParaRPr lang="zh-CN" altLang="en-US" dirty="0">
+              <a:latin typeface="微软雅黑" panose="020B0503020204020204" pitchFamily="34" charset="-122"/>
+              <a:ea typeface="微软雅黑" panose="020B0503020204020204" pitchFamily="34" charset="-122"/>
+            </a:endParaRPr>
+          </a:p>
+        </p:txBody>
+      </p:sp>
+      <p:sp>
+        <p:nvSpPr>
+          <p:cNvPr id="39" name="文本框 38"/>
+          <p:cNvSpPr txBox="1"/>
+          <p:nvPr/>
+        </p:nvSpPr>
+        <p:spPr>
+          <a:xfrm>
+            <a:off x="4437230" y="3202360"/>
+            <a:ext cx="1802096" cy="369332"/>
+          </a:xfrm>
+          <a:prstGeom prst="rect">
+            <a:avLst/>
+          </a:prstGeom>
+          <a:noFill/>
+        </p:spPr>
+        <p:txBody>
+          <a:bodyPr wrap="none" rtlCol="0">
+            <a:spAutoFit/>
+          </a:bodyPr>
+          <a:lstStyle/>
+          <a:p>
+            <a:r>
+              <a:rPr lang="en-US" altLang="zh-CN" dirty="0" smtClean="0">
+                <a:latin typeface="微软雅黑" panose="020B0503020204020204" pitchFamily="34" charset="-122"/>
+                <a:ea typeface="微软雅黑" panose="020B0503020204020204" pitchFamily="34" charset="-122"/>
+              </a:rPr>
+              <a:t>Coarse Output</a:t>
+            </a:r>
+            <a:endParaRPr lang="zh-CN" altLang="en-US" dirty="0">
+              <a:latin typeface="微软雅黑" panose="020B0503020204020204" pitchFamily="34" charset="-122"/>
+              <a:ea typeface="微软雅黑" panose="020B0503020204020204" pitchFamily="34" charset="-122"/>
+            </a:endParaRPr>
+          </a:p>
+        </p:txBody>
+      </p:sp>
+      <p:pic>
+        <p:nvPicPr>
+          <p:cNvPr id="27" name="图片 26"/>
+          <p:cNvPicPr>
+            <a:picLocks noChangeAspect="1"/>
+          </p:cNvPicPr>
+          <p:nvPr/>
+        </p:nvPicPr>
+        <p:blipFill>
+          <a:blip r:embed="rId4">
+            <a:extLst>
+              <a:ext uri="{28A0092B-C50C-407E-A947-70E740481C1C}">
+                <a14:useLocalDpi xmlns:a14="http://schemas.microsoft.com/office/drawing/2010/main" val="0"/>
+              </a:ext>
+            </a:extLst>
+          </a:blip>
+          <a:stretch>
+            <a:fillRect/>
+          </a:stretch>
+        </p:blipFill>
+        <p:spPr>
+          <a:xfrm>
+            <a:off x="4521915" y="345608"/>
+            <a:ext cx="1635105" cy="817553"/>
+          </a:xfrm>
+          <a:prstGeom prst="rect">
+            <a:avLst/>
+          </a:prstGeom>
+        </p:spPr>
+      </p:pic>
+      <p:sp>
+        <p:nvSpPr>
+          <p:cNvPr id="41" name="文本框 40"/>
+          <p:cNvSpPr txBox="1"/>
+          <p:nvPr/>
+        </p:nvSpPr>
+        <p:spPr>
+          <a:xfrm>
+            <a:off x="3037657" y="345607"/>
+            <a:ext cx="1661737" cy="646331"/>
+          </a:xfrm>
+          <a:prstGeom prst="rect">
+            <a:avLst/>
+          </a:prstGeom>
+          <a:noFill/>
+        </p:spPr>
+        <p:txBody>
+          <a:bodyPr wrap="none" rtlCol="0">
+            <a:spAutoFit/>
+          </a:bodyPr>
+          <a:lstStyle/>
+          <a:p>
+            <a:pPr algn="ctr"/>
+            <a:r>
+              <a:rPr lang="en-US" altLang="zh-CN" dirty="0" smtClean="0">
+                <a:latin typeface="微软雅黑" panose="020B0503020204020204" pitchFamily="34" charset="-122"/>
+                <a:ea typeface="微软雅黑" panose="020B0503020204020204" pitchFamily="34" charset="-122"/>
+              </a:rPr>
+              <a:t>Coarse </a:t>
+            </a:r>
+          </a:p>
+          <a:p>
+            <a:pPr algn="ctr"/>
+            <a:r>
+              <a:rPr lang="en-US" altLang="zh-CN" dirty="0" smtClean="0">
+                <a:latin typeface="微软雅黑" panose="020B0503020204020204" pitchFamily="34" charset="-122"/>
+                <a:ea typeface="微软雅黑" panose="020B0503020204020204" pitchFamily="34" charset="-122"/>
+              </a:rPr>
+              <a:t>Ground Truth</a:t>
+            </a:r>
+            <a:endParaRPr lang="zh-CN" altLang="en-US" dirty="0">
+              <a:latin typeface="微软雅黑" panose="020B0503020204020204" pitchFamily="34" charset="-122"/>
+              <a:ea typeface="微软雅黑" panose="020B0503020204020204" pitchFamily="34" charset="-122"/>
+            </a:endParaRPr>
+          </a:p>
+        </p:txBody>
+      </p:sp>
+      <p:pic>
+        <p:nvPicPr>
+          <p:cNvPr id="28" name="图片 27"/>
+          <p:cNvPicPr>
+            <a:picLocks noChangeAspect="1"/>
+          </p:cNvPicPr>
+          <p:nvPr/>
+        </p:nvPicPr>
+        <p:blipFill>
+          <a:blip r:embed="rId5"/>
+          <a:stretch>
+            <a:fillRect/>
+          </a:stretch>
+        </p:blipFill>
+        <p:spPr>
+          <a:xfrm>
+            <a:off x="5683729" y="4759437"/>
+            <a:ext cx="534800" cy="546955"/>
+          </a:xfrm>
+          <a:prstGeom prst="rect">
+            <a:avLst/>
+          </a:prstGeom>
+        </p:spPr>
+      </p:pic>
+      <p:sp>
+        <p:nvSpPr>
+          <p:cNvPr id="43" name="文本框 42"/>
+          <p:cNvSpPr txBox="1"/>
+          <p:nvPr/>
+        </p:nvSpPr>
+        <p:spPr>
+          <a:xfrm>
+            <a:off x="5410505" y="5232155"/>
+            <a:ext cx="1032655" cy="369332"/>
+          </a:xfrm>
+          <a:prstGeom prst="rect">
+            <a:avLst/>
+          </a:prstGeom>
+          <a:noFill/>
+        </p:spPr>
+        <p:txBody>
+          <a:bodyPr wrap="none" rtlCol="0">
+            <a:spAutoFit/>
+          </a:bodyPr>
+          <a:lstStyle/>
+          <a:p>
+            <a:r>
+              <a:rPr lang="en-US" altLang="zh-CN" dirty="0" smtClean="0">
+                <a:latin typeface="微软雅黑" panose="020B0503020204020204" pitchFamily="34" charset="-122"/>
+                <a:ea typeface="微软雅黑" panose="020B0503020204020204" pitchFamily="34" charset="-122"/>
+              </a:rPr>
+              <a:t>2D Grid</a:t>
+            </a:r>
+            <a:endParaRPr lang="zh-CN" altLang="en-US" dirty="0">
+              <a:latin typeface="微软雅黑" panose="020B0503020204020204" pitchFamily="34" charset="-122"/>
+              <a:ea typeface="微软雅黑" panose="020B0503020204020204" pitchFamily="34" charset="-122"/>
+            </a:endParaRPr>
+          </a:p>
+        </p:txBody>
+      </p:sp>
+      <p:sp>
+        <p:nvSpPr>
+          <p:cNvPr id="29" name="矩形 28"/>
+          <p:cNvSpPr/>
+          <p:nvPr/>
+        </p:nvSpPr>
+        <p:spPr>
+          <a:xfrm>
+            <a:off x="9164861" y="4572120"/>
+            <a:ext cx="912018" cy="1725196"/>
+          </a:xfrm>
+          <a:prstGeom prst="rect">
+            <a:avLst/>
+          </a:prstGeom>
+          <a:solidFill>
+            <a:schemeClr val="accent4">
+              <a:lumMod val="50000"/>
+            </a:schemeClr>
+          </a:solidFill>
+        </p:spPr>
+        <p:style>
+          <a:lnRef idx="2">
+            <a:schemeClr val="accent1">
+              <a:shade val="50000"/>
+            </a:schemeClr>
+          </a:lnRef>
+          <a:fillRef idx="1">
+            <a:schemeClr val="accent1"/>
+          </a:fillRef>
+          <a:effectRef idx="0">
+            <a:schemeClr val="accent1"/>
+          </a:effectRef>
+          <a:fontRef idx="minor">
+            <a:schemeClr val="lt1"/>
+          </a:fontRef>
+        </p:style>
+        <p:txBody>
+          <a:bodyPr rtlCol="0" anchor="ctr"/>
+          <a:lstStyle/>
+          <a:p>
+            <a:pPr algn="ctr"/>
+            <a:endParaRPr lang="zh-CN" altLang="en-US"/>
+          </a:p>
+        </p:txBody>
+      </p:sp>
+      <p:sp>
+        <p:nvSpPr>
+          <p:cNvPr id="31" name="矩形 30"/>
+          <p:cNvSpPr/>
+          <p:nvPr/>
+        </p:nvSpPr>
+        <p:spPr>
+          <a:xfrm>
+            <a:off x="10032714" y="4572120"/>
+            <a:ext cx="341345" cy="1725196"/>
+          </a:xfrm>
+          <a:prstGeom prst="rect">
+            <a:avLst/>
+          </a:prstGeom>
+          <a:solidFill>
+            <a:srgbClr val="C00000"/>
+          </a:solidFill>
+        </p:spPr>
+        <p:style>
+          <a:lnRef idx="2">
+            <a:schemeClr val="accent1">
+              <a:shade val="50000"/>
+            </a:schemeClr>
+          </a:lnRef>
+          <a:fillRef idx="1">
+            <a:schemeClr val="accent1"/>
+          </a:fillRef>
+          <a:effectRef idx="0">
+            <a:schemeClr val="accent1"/>
+          </a:effectRef>
+          <a:fontRef idx="minor">
+            <a:schemeClr val="lt1"/>
+          </a:fontRef>
+        </p:style>
+        <p:txBody>
+          <a:bodyPr rtlCol="0" anchor="ctr"/>
+          <a:lstStyle/>
+          <a:p>
+            <a:pPr algn="ctr"/>
+            <a:endParaRPr lang="zh-CN" altLang="en-US"/>
+          </a:p>
+        </p:txBody>
+      </p:sp>
+      <p:sp>
+        <p:nvSpPr>
+          <p:cNvPr id="33" name="矩形 32"/>
+          <p:cNvSpPr/>
+          <p:nvPr/>
+        </p:nvSpPr>
+        <p:spPr>
+          <a:xfrm>
+            <a:off x="10378982" y="4572120"/>
+            <a:ext cx="406921" cy="1725196"/>
+          </a:xfrm>
+          <a:prstGeom prst="rect">
+            <a:avLst/>
+          </a:prstGeom>
+        </p:spPr>
+        <p:style>
+          <a:lnRef idx="2">
+            <a:schemeClr val="accent1">
+              <a:shade val="50000"/>
+            </a:schemeClr>
+          </a:lnRef>
+          <a:fillRef idx="1">
+            <a:schemeClr val="accent1"/>
+          </a:fillRef>
+          <a:effectRef idx="0">
+            <a:schemeClr val="accent1"/>
+          </a:effectRef>
+          <a:fontRef idx="minor">
+            <a:schemeClr val="lt1"/>
+          </a:fontRef>
+        </p:style>
+        <p:txBody>
+          <a:bodyPr rtlCol="0" anchor="ctr"/>
+          <a:lstStyle/>
+          <a:p>
+            <a:pPr algn="ctr"/>
+            <a:endParaRPr lang="zh-CN" altLang="en-US"/>
+          </a:p>
+        </p:txBody>
+      </p:sp>
+      <p:sp>
+        <p:nvSpPr>
+          <p:cNvPr id="47" name="文本框 46"/>
+          <p:cNvSpPr txBox="1"/>
+          <p:nvPr/>
+        </p:nvSpPr>
+        <p:spPr>
+          <a:xfrm>
+            <a:off x="10792922" y="5499811"/>
+            <a:ext cx="1235916" cy="646331"/>
+          </a:xfrm>
+          <a:prstGeom prst="rect">
+            <a:avLst/>
+          </a:prstGeom>
+          <a:noFill/>
+        </p:spPr>
+        <p:txBody>
+          <a:bodyPr wrap="none" rtlCol="0">
+            <a:spAutoFit/>
+          </a:bodyPr>
+          <a:lstStyle/>
+          <a:p>
+            <a:r>
+              <a:rPr lang="en-US" altLang="zh-CN" dirty="0" err="1" smtClean="0">
+                <a:latin typeface="微软雅黑" panose="020B0503020204020204" pitchFamily="34" charset="-122"/>
+                <a:ea typeface="微软雅黑" panose="020B0503020204020204" pitchFamily="34" charset="-122"/>
+              </a:rPr>
+              <a:t>Concated</a:t>
+            </a:r>
+            <a:endParaRPr lang="en-US" altLang="zh-CN" dirty="0" smtClean="0">
+              <a:latin typeface="微软雅黑" panose="020B0503020204020204" pitchFamily="34" charset="-122"/>
+              <a:ea typeface="微软雅黑" panose="020B0503020204020204" pitchFamily="34" charset="-122"/>
+            </a:endParaRPr>
+          </a:p>
+          <a:p>
+            <a:r>
+              <a:rPr lang="en-US" altLang="zh-CN" dirty="0" smtClean="0">
+                <a:latin typeface="微软雅黑" panose="020B0503020204020204" pitchFamily="34" charset="-122"/>
+                <a:ea typeface="微软雅黑" panose="020B0503020204020204" pitchFamily="34" charset="-122"/>
+              </a:rPr>
+              <a:t>Feature</a:t>
+            </a:r>
+            <a:endParaRPr lang="zh-CN" altLang="en-US" dirty="0">
+              <a:latin typeface="微软雅黑" panose="020B0503020204020204" pitchFamily="34" charset="-122"/>
+              <a:ea typeface="微软雅黑" panose="020B0503020204020204" pitchFamily="34" charset="-122"/>
+            </a:endParaRPr>
+          </a:p>
+        </p:txBody>
+      </p:sp>
+      <p:sp>
+        <p:nvSpPr>
+          <p:cNvPr id="48" name="文本框 47"/>
+          <p:cNvSpPr txBox="1"/>
+          <p:nvPr/>
+        </p:nvSpPr>
+        <p:spPr>
+          <a:xfrm>
+            <a:off x="9450617" y="160942"/>
+            <a:ext cx="1505540" cy="369332"/>
+          </a:xfrm>
+          <a:prstGeom prst="rect">
+            <a:avLst/>
+          </a:prstGeom>
+          <a:noFill/>
+        </p:spPr>
+        <p:txBody>
+          <a:bodyPr wrap="none" rtlCol="0">
+            <a:spAutoFit/>
+          </a:bodyPr>
+          <a:lstStyle/>
+          <a:p>
+            <a:r>
+              <a:rPr lang="en-US" altLang="zh-CN" dirty="0" smtClean="0">
+                <a:latin typeface="微软雅黑" panose="020B0503020204020204" pitchFamily="34" charset="-122"/>
+                <a:ea typeface="微软雅黑" panose="020B0503020204020204" pitchFamily="34" charset="-122"/>
+              </a:rPr>
+              <a:t>Fine Output</a:t>
+            </a:r>
+            <a:endParaRPr lang="zh-CN" altLang="en-US" dirty="0">
+              <a:latin typeface="微软雅黑" panose="020B0503020204020204" pitchFamily="34" charset="-122"/>
+              <a:ea typeface="微软雅黑" panose="020B0503020204020204" pitchFamily="34" charset="-122"/>
+            </a:endParaRPr>
+          </a:p>
+        </p:txBody>
+      </p:sp>
+      <p:cxnSp>
+        <p:nvCxnSpPr>
+          <p:cNvPr id="37" name="直接箭头连接符 36"/>
+          <p:cNvCxnSpPr>
+            <a:endCxn id="20" idx="1"/>
+          </p:cNvCxnSpPr>
+          <p:nvPr/>
+        </p:nvCxnSpPr>
+        <p:spPr>
+          <a:xfrm>
+            <a:off x="0" y="2912413"/>
+            <a:ext cx="1119395" cy="0"/>
+          </a:xfrm>
+          <a:prstGeom prst="straightConnector1">
+            <a:avLst/>
+          </a:prstGeom>
+          <a:ln>
+            <a:tailEnd type="triangle"/>
+          </a:ln>
+        </p:spPr>
+        <p:style>
+          <a:lnRef idx="1">
+            <a:schemeClr val="accent1"/>
+          </a:lnRef>
+          <a:fillRef idx="0">
+            <a:schemeClr val="accent1"/>
+          </a:fillRef>
+          <a:effectRef idx="0">
+            <a:schemeClr val="accent1"/>
+          </a:effectRef>
+          <a:fontRef idx="minor">
+            <a:schemeClr val="tx1"/>
+          </a:fontRef>
+        </p:style>
+      </p:cxnSp>
+      <p:cxnSp>
+        <p:nvCxnSpPr>
+          <p:cNvPr id="53" name="直接箭头连接符 52"/>
+          <p:cNvCxnSpPr>
+            <a:stCxn id="20" idx="3"/>
+            <a:endCxn id="7" idx="1"/>
+          </p:cNvCxnSpPr>
+          <p:nvPr/>
+        </p:nvCxnSpPr>
+        <p:spPr>
+          <a:xfrm>
+            <a:off x="1850915" y="2912413"/>
+            <a:ext cx="443960" cy="0"/>
+          </a:xfrm>
+          <a:prstGeom prst="straightConnector1">
+            <a:avLst/>
+          </a:prstGeom>
+          <a:ln>
+            <a:tailEnd type="triangle"/>
+          </a:ln>
+        </p:spPr>
+        <p:style>
+          <a:lnRef idx="1">
+            <a:schemeClr val="accent1"/>
+          </a:lnRef>
+          <a:fillRef idx="0">
+            <a:schemeClr val="accent1"/>
+          </a:fillRef>
+          <a:effectRef idx="0">
+            <a:schemeClr val="accent1"/>
+          </a:effectRef>
+          <a:fontRef idx="minor">
+            <a:schemeClr val="tx1"/>
+          </a:fontRef>
+        </p:style>
+      </p:cxnSp>
+      <p:cxnSp>
+        <p:nvCxnSpPr>
+          <p:cNvPr id="59" name="直接箭头连接符 58"/>
+          <p:cNvCxnSpPr>
+            <a:stCxn id="27" idx="2"/>
+            <a:endCxn id="5" idx="0"/>
+          </p:cNvCxnSpPr>
+          <p:nvPr/>
+        </p:nvCxnSpPr>
+        <p:spPr>
+          <a:xfrm flipH="1">
+            <a:off x="5327920" y="1163161"/>
+            <a:ext cx="11548" cy="1335948"/>
+          </a:xfrm>
+          <a:prstGeom prst="straightConnector1">
+            <a:avLst/>
+          </a:prstGeom>
+          <a:ln>
+            <a:headEnd type="triangle"/>
+            <a:tailEnd type="triangle"/>
+          </a:ln>
+        </p:spPr>
+        <p:style>
+          <a:lnRef idx="1">
+            <a:schemeClr val="accent1"/>
+          </a:lnRef>
+          <a:fillRef idx="0">
+            <a:schemeClr val="accent1"/>
+          </a:fillRef>
+          <a:effectRef idx="0">
+            <a:schemeClr val="accent1"/>
+          </a:effectRef>
+          <a:fontRef idx="minor">
+            <a:schemeClr val="tx1"/>
+          </a:fontRef>
+        </p:style>
+      </p:cxnSp>
+      <p:sp>
+        <p:nvSpPr>
+          <p:cNvPr id="60" name="文本框 59"/>
+          <p:cNvSpPr txBox="1"/>
+          <p:nvPr/>
+        </p:nvSpPr>
+        <p:spPr>
+          <a:xfrm>
+            <a:off x="5283609" y="1619856"/>
+            <a:ext cx="514885" cy="369332"/>
+          </a:xfrm>
+          <a:prstGeom prst="rect">
+            <a:avLst/>
+          </a:prstGeom>
+          <a:noFill/>
+        </p:spPr>
+        <p:txBody>
+          <a:bodyPr wrap="none" rtlCol="0">
+            <a:spAutoFit/>
+          </a:bodyPr>
+          <a:lstStyle/>
+          <a:p>
+            <a:r>
+              <a:rPr lang="en-US" altLang="zh-CN" dirty="0" smtClean="0">
+                <a:latin typeface="微软雅黑" panose="020B0503020204020204" pitchFamily="34" charset="-122"/>
+                <a:ea typeface="微软雅黑" panose="020B0503020204020204" pitchFamily="34" charset="-122"/>
+              </a:rPr>
+              <a:t>CD</a:t>
+            </a:r>
+            <a:endParaRPr lang="zh-CN" altLang="en-US" dirty="0">
+              <a:latin typeface="微软雅黑" panose="020B0503020204020204" pitchFamily="34" charset="-122"/>
+              <a:ea typeface="微软雅黑" panose="020B0503020204020204" pitchFamily="34" charset="-122"/>
+            </a:endParaRPr>
+          </a:p>
+        </p:txBody>
+      </p:sp>
+      <p:pic>
+        <p:nvPicPr>
+          <p:cNvPr id="61" name="图片 60"/>
+          <p:cNvPicPr>
+            <a:picLocks noChangeAspect="1"/>
+          </p:cNvPicPr>
+          <p:nvPr/>
+        </p:nvPicPr>
+        <p:blipFill>
+          <a:blip r:embed="rId6"/>
+          <a:stretch>
+            <a:fillRect/>
+          </a:stretch>
+        </p:blipFill>
+        <p:spPr>
+          <a:xfrm>
+            <a:off x="6646247" y="392730"/>
+            <a:ext cx="1419225" cy="1038225"/>
+          </a:xfrm>
+          <a:prstGeom prst="rect">
+            <a:avLst/>
+          </a:prstGeom>
+        </p:spPr>
+      </p:pic>
+      <p:cxnSp>
+        <p:nvCxnSpPr>
+          <p:cNvPr id="63" name="直接箭头连接符 62"/>
+          <p:cNvCxnSpPr>
+            <a:stCxn id="61" idx="3"/>
+          </p:cNvCxnSpPr>
+          <p:nvPr/>
+        </p:nvCxnSpPr>
+        <p:spPr>
+          <a:xfrm flipV="1">
+            <a:off x="8065472" y="911842"/>
+            <a:ext cx="1330195" cy="1"/>
+          </a:xfrm>
+          <a:prstGeom prst="straightConnector1">
+            <a:avLst/>
+          </a:prstGeom>
+          <a:ln>
+            <a:headEnd type="triangle"/>
+            <a:tailEnd type="triangle"/>
+          </a:ln>
+        </p:spPr>
+        <p:style>
+          <a:lnRef idx="1">
+            <a:schemeClr val="accent1"/>
+          </a:lnRef>
+          <a:fillRef idx="0">
+            <a:schemeClr val="accent1"/>
+          </a:fillRef>
+          <a:effectRef idx="0">
+            <a:schemeClr val="accent1"/>
+          </a:effectRef>
+          <a:fontRef idx="minor">
+            <a:schemeClr val="tx1"/>
+          </a:fontRef>
+        </p:style>
+      </p:cxnSp>
+      <p:sp>
+        <p:nvSpPr>
+          <p:cNvPr id="64" name="文本框 63"/>
+          <p:cNvSpPr txBox="1"/>
+          <p:nvPr/>
+        </p:nvSpPr>
+        <p:spPr>
+          <a:xfrm>
+            <a:off x="8554699" y="542510"/>
+            <a:ext cx="514885" cy="369332"/>
+          </a:xfrm>
+          <a:prstGeom prst="rect">
+            <a:avLst/>
+          </a:prstGeom>
+          <a:noFill/>
+        </p:spPr>
+        <p:txBody>
+          <a:bodyPr wrap="none" rtlCol="0">
+            <a:spAutoFit/>
+          </a:bodyPr>
+          <a:lstStyle/>
+          <a:p>
+            <a:r>
+              <a:rPr lang="en-US" altLang="zh-CN" dirty="0" smtClean="0">
+                <a:latin typeface="微软雅黑" panose="020B0503020204020204" pitchFamily="34" charset="-122"/>
+                <a:ea typeface="微软雅黑" panose="020B0503020204020204" pitchFamily="34" charset="-122"/>
+              </a:rPr>
+              <a:t>CD</a:t>
+            </a:r>
+            <a:endParaRPr lang="zh-CN" altLang="en-US" dirty="0">
+              <a:latin typeface="微软雅黑" panose="020B0503020204020204" pitchFamily="34" charset="-122"/>
+              <a:ea typeface="微软雅黑" panose="020B0503020204020204" pitchFamily="34" charset="-122"/>
+            </a:endParaRPr>
+          </a:p>
+        </p:txBody>
+      </p:sp>
+      <p:cxnSp>
+        <p:nvCxnSpPr>
+          <p:cNvPr id="84" name="肘形连接符 83"/>
+          <p:cNvCxnSpPr>
+            <a:stCxn id="33" idx="3"/>
+            <a:endCxn id="4" idx="3"/>
+          </p:cNvCxnSpPr>
+          <p:nvPr/>
+        </p:nvCxnSpPr>
+        <p:spPr>
+          <a:xfrm flipV="1">
+            <a:off x="10785903" y="861410"/>
+            <a:ext cx="231394" cy="4573308"/>
+          </a:xfrm>
+          <a:prstGeom prst="bentConnector3">
+            <a:avLst>
+              <a:gd name="adj1" fmla="val 198793"/>
+            </a:avLst>
+          </a:prstGeom>
+          <a:ln>
+            <a:tailEnd type="triangle"/>
+          </a:ln>
+        </p:spPr>
+        <p:style>
+          <a:lnRef idx="1">
+            <a:schemeClr val="accent1"/>
+          </a:lnRef>
+          <a:fillRef idx="0">
+            <a:schemeClr val="accent1"/>
+          </a:fillRef>
+          <a:effectRef idx="0">
+            <a:schemeClr val="accent1"/>
+          </a:effectRef>
+          <a:fontRef idx="minor">
+            <a:schemeClr val="tx1"/>
+          </a:fontRef>
+        </p:style>
+      </p:cxnSp>
+      <p:cxnSp>
+        <p:nvCxnSpPr>
+          <p:cNvPr id="90" name="肘形连接符 89"/>
+          <p:cNvCxnSpPr>
+            <a:stCxn id="10" idx="3"/>
+            <a:endCxn id="33" idx="2"/>
+          </p:cNvCxnSpPr>
+          <p:nvPr/>
+        </p:nvCxnSpPr>
+        <p:spPr>
+          <a:xfrm>
+            <a:off x="8283023" y="2912413"/>
+            <a:ext cx="2299420" cy="3384903"/>
+          </a:xfrm>
+          <a:prstGeom prst="bentConnector4">
+            <a:avLst>
+              <a:gd name="adj1" fmla="val 30465"/>
+              <a:gd name="adj2" fmla="val 114048"/>
+            </a:avLst>
+          </a:prstGeom>
+          <a:ln>
+            <a:tailEnd type="triangle"/>
+          </a:ln>
+        </p:spPr>
+        <p:style>
+          <a:lnRef idx="1">
+            <a:schemeClr val="accent1"/>
+          </a:lnRef>
+          <a:fillRef idx="0">
+            <a:schemeClr val="accent1"/>
+          </a:fillRef>
+          <a:effectRef idx="0">
+            <a:schemeClr val="accent1"/>
+          </a:effectRef>
+          <a:fontRef idx="minor">
+            <a:schemeClr val="tx1"/>
+          </a:fontRef>
+        </p:style>
+      </p:cxnSp>
+      <p:sp>
+        <p:nvSpPr>
+          <p:cNvPr id="98" name="文本框 97"/>
+          <p:cNvSpPr txBox="1"/>
+          <p:nvPr/>
+        </p:nvSpPr>
+        <p:spPr>
+          <a:xfrm>
+            <a:off x="6646247" y="1285542"/>
+            <a:ext cx="1661737" cy="646331"/>
+          </a:xfrm>
+          <a:prstGeom prst="rect">
+            <a:avLst/>
+          </a:prstGeom>
+          <a:noFill/>
+        </p:spPr>
+        <p:txBody>
+          <a:bodyPr wrap="none" rtlCol="0">
+            <a:spAutoFit/>
+          </a:bodyPr>
+          <a:lstStyle/>
+          <a:p>
+            <a:pPr algn="ctr"/>
+            <a:r>
+              <a:rPr lang="en-US" altLang="zh-CN" dirty="0" smtClean="0">
+                <a:latin typeface="微软雅黑" panose="020B0503020204020204" pitchFamily="34" charset="-122"/>
+                <a:ea typeface="微软雅黑" panose="020B0503020204020204" pitchFamily="34" charset="-122"/>
+              </a:rPr>
+              <a:t>Fine</a:t>
+            </a:r>
+          </a:p>
+          <a:p>
+            <a:pPr algn="ctr"/>
+            <a:r>
+              <a:rPr lang="en-US" altLang="zh-CN" dirty="0" smtClean="0">
+                <a:latin typeface="微软雅黑" panose="020B0503020204020204" pitchFamily="34" charset="-122"/>
+                <a:ea typeface="微软雅黑" panose="020B0503020204020204" pitchFamily="34" charset="-122"/>
+              </a:rPr>
+              <a:t>Ground Truth</a:t>
+            </a:r>
+            <a:endParaRPr lang="zh-CN" altLang="en-US" dirty="0">
+              <a:latin typeface="微软雅黑" panose="020B0503020204020204" pitchFamily="34" charset="-122"/>
+              <a:ea typeface="微软雅黑" panose="020B0503020204020204" pitchFamily="34" charset="-122"/>
+            </a:endParaRPr>
+          </a:p>
+        </p:txBody>
+      </p:sp>
+    </p:spTree>
+    <p:extLst>
+      <p:ext uri="{BB962C8B-B14F-4D97-AF65-F5344CB8AC3E}">
+        <p14:creationId xmlns:p14="http://schemas.microsoft.com/office/powerpoint/2010/main" val="432799466"/>
+      </p:ext>
+    </p:extLst>
+  </p:cSld>
+  <p:clrMapOvr>
+    <a:masterClrMapping/>
+  </p:clrMapOvr>
+  <p:timing>
+    <p:tnLst>
+      <p:par>
+        <p:cTn id="1" dur="indefinite" restart="never" nodeType="tmRoot"/>
+      </p:par>
+    </p:tnLst>
+  </p:timing>
 </p:sld>
 </file>
 
